--- a/NL - Deel 2 Uitleg DPP en validatietool.pptx
+++ b/NL - Deel 2 Uitleg DPP en validatietool.pptx
@@ -5,25 +5,27 @@
     <p:sldMasterId id="2147483648" r:id="rId4"/>
   </p:sldMasterIdLst>
   <p:notesMasterIdLst>
-    <p:notesMasterId r:id="rId16"/>
+    <p:notesMasterId r:id="rId18"/>
   </p:notesMasterIdLst>
   <p:sldIdLst>
     <p:sldId id="379" r:id="rId5"/>
     <p:sldId id="397" r:id="rId6"/>
     <p:sldId id="385" r:id="rId7"/>
     <p:sldId id="396" r:id="rId8"/>
-    <p:sldId id="388" r:id="rId9"/>
-    <p:sldId id="398" r:id="rId10"/>
-    <p:sldId id="399" r:id="rId11"/>
-    <p:sldId id="400" r:id="rId12"/>
-    <p:sldId id="401" r:id="rId13"/>
-    <p:sldId id="402" r:id="rId14"/>
-    <p:sldId id="403" r:id="rId15"/>
+    <p:sldId id="404" r:id="rId9"/>
+    <p:sldId id="405" r:id="rId10"/>
+    <p:sldId id="388" r:id="rId11"/>
+    <p:sldId id="398" r:id="rId12"/>
+    <p:sldId id="399" r:id="rId13"/>
+    <p:sldId id="400" r:id="rId14"/>
+    <p:sldId id="401" r:id="rId15"/>
+    <p:sldId id="402" r:id="rId16"/>
+    <p:sldId id="403" r:id="rId17"/>
   </p:sldIdLst>
   <p:sldSz cx="12192000" cy="6858000"/>
   <p:notesSz cx="6858000" cy="9144000"/>
   <p:custDataLst>
-    <p:tags r:id="rId17"/>
+    <p:tags r:id="rId19"/>
   </p:custDataLst>
   <p:defaultTextStyle>
     <a:defPPr>
@@ -152,7 +154,7 @@
 <file path=ppt/revisionInfo.xml><?xml version="1.0" encoding="utf-8"?>
 <p1510:revInfo xmlns:a="http://schemas.openxmlformats.org/drawingml/2006/main" xmlns:r="http://schemas.openxmlformats.org/officeDocument/2006/relationships" xmlns:p1510="http://schemas.microsoft.com/office/powerpoint/2015/10/main">
   <p1510:revLst>
-    <p1510:client id="{AE93CB87-3001-429A-8C47-C73E48AA31CD}" v="80" dt="2024-04-15T12:39:19.827"/>
+    <p1510:client id="{AE93CB87-3001-429A-8C47-C73E48AA31CD}" v="91" dt="2024-04-16T14:17:56.813"/>
   </p1510:revLst>
 </p1510:revInfo>
 </file>
@@ -162,12 +164,12 @@
   <pc:docChgLst>
     <pc:chgData name="Bosma, Janneke" userId="fbc09de8-61da-4812-b08f-019a8e6904b9" providerId="ADAL" clId="{AE93CB87-3001-429A-8C47-C73E48AA31CD}"/>
     <pc:docChg chg="undo redo custSel addSld delSld modSld sldOrd">
-      <pc:chgData name="Bosma, Janneke" userId="fbc09de8-61da-4812-b08f-019a8e6904b9" providerId="ADAL" clId="{AE93CB87-3001-429A-8C47-C73E48AA31CD}" dt="2024-04-15T12:57:54.855" v="1108" actId="47"/>
+      <pc:chgData name="Bosma, Janneke" userId="fbc09de8-61da-4812-b08f-019a8e6904b9" providerId="ADAL" clId="{AE93CB87-3001-429A-8C47-C73E48AA31CD}" dt="2024-04-16T14:18:36.412" v="1346" actId="20577"/>
       <pc:docMkLst>
         <pc:docMk/>
       </pc:docMkLst>
       <pc:sldChg chg="addSp delSp modSp mod modNotesTx">
-        <pc:chgData name="Bosma, Janneke" userId="fbc09de8-61da-4812-b08f-019a8e6904b9" providerId="ADAL" clId="{AE93CB87-3001-429A-8C47-C73E48AA31CD}" dt="2024-04-15T12:02:01.847" v="934"/>
+        <pc:chgData name="Bosma, Janneke" userId="fbc09de8-61da-4812-b08f-019a8e6904b9" providerId="ADAL" clId="{AE93CB87-3001-429A-8C47-C73E48AA31CD}" dt="2024-04-16T14:16:48.832" v="1326"/>
         <pc:sldMkLst>
           <pc:docMk/>
           <pc:sldMk cId="1539123830" sldId="385"/>
@@ -339,8 +341,8 @@
           <pc:sldMk cId="2136080066" sldId="395"/>
         </pc:sldMkLst>
       </pc:sldChg>
-      <pc:sldChg chg="addSp modSp add mod">
-        <pc:chgData name="Bosma, Janneke" userId="fbc09de8-61da-4812-b08f-019a8e6904b9" providerId="ADAL" clId="{AE93CB87-3001-429A-8C47-C73E48AA31CD}" dt="2024-04-15T11:52:35.405" v="623" actId="1076"/>
+      <pc:sldChg chg="addSp delSp modSp add mod">
+        <pc:chgData name="Bosma, Janneke" userId="fbc09de8-61da-4812-b08f-019a8e6904b9" providerId="ADAL" clId="{AE93CB87-3001-429A-8C47-C73E48AA31CD}" dt="2024-04-16T14:17:53.053" v="1332" actId="21"/>
         <pc:sldMkLst>
           <pc:docMk/>
           <pc:sldMk cId="3388314341" sldId="396"/>
@@ -369,9 +371,17 @@
             <ac:spMk id="6" creationId="{83D4BB63-68EA-C7CA-D494-BCA86230C4CC}"/>
           </ac:spMkLst>
         </pc:spChg>
+        <pc:picChg chg="add del mod modCrop">
+          <ac:chgData name="Bosma, Janneke" userId="fbc09de8-61da-4812-b08f-019a8e6904b9" providerId="ADAL" clId="{AE93CB87-3001-429A-8C47-C73E48AA31CD}" dt="2024-04-16T14:17:53.053" v="1332" actId="21"/>
+          <ac:picMkLst>
+            <pc:docMk/>
+            <pc:sldMk cId="3388314341" sldId="396"/>
+            <ac:picMk id="7" creationId="{819B00B6-3BCE-188F-FEA7-95D188BEA590}"/>
+          </ac:picMkLst>
+        </pc:picChg>
       </pc:sldChg>
       <pc:sldChg chg="addSp delSp modSp add mod ord">
-        <pc:chgData name="Bosma, Janneke" userId="fbc09de8-61da-4812-b08f-019a8e6904b9" providerId="ADAL" clId="{AE93CB87-3001-429A-8C47-C73E48AA31CD}" dt="2024-04-15T12:44:58.841" v="1107" actId="20577"/>
+        <pc:chgData name="Bosma, Janneke" userId="fbc09de8-61da-4812-b08f-019a8e6904b9" providerId="ADAL" clId="{AE93CB87-3001-429A-8C47-C73E48AA31CD}" dt="2024-04-16T14:18:36.412" v="1346" actId="20577"/>
         <pc:sldMkLst>
           <pc:docMk/>
           <pc:sldMk cId="3516489296" sldId="397"/>
@@ -401,6 +411,14 @@
           </ac:spMkLst>
         </pc:spChg>
         <pc:spChg chg="add mod">
+          <ac:chgData name="Bosma, Janneke" userId="fbc09de8-61da-4812-b08f-019a8e6904b9" providerId="ADAL" clId="{AE93CB87-3001-429A-8C47-C73E48AA31CD}" dt="2024-04-16T14:05:29.008" v="1141" actId="313"/>
+          <ac:spMkLst>
+            <pc:docMk/>
+            <pc:sldMk cId="3516489296" sldId="397"/>
+            <ac:spMk id="4" creationId="{BA7C8A4B-0C58-FC4E-3F71-0B174C3C0F27}"/>
+          </ac:spMkLst>
+        </pc:spChg>
+        <pc:spChg chg="add mod">
           <ac:chgData name="Bosma, Janneke" userId="fbc09de8-61da-4812-b08f-019a8e6904b9" providerId="ADAL" clId="{AE93CB87-3001-429A-8C47-C73E48AA31CD}" dt="2024-04-15T11:50:11.092" v="606" actId="1076"/>
           <ac:spMkLst>
             <pc:docMk/>
@@ -425,7 +443,7 @@
           </ac:spMkLst>
         </pc:spChg>
         <pc:spChg chg="add mod">
-          <ac:chgData name="Bosma, Janneke" userId="fbc09de8-61da-4812-b08f-019a8e6904b9" providerId="ADAL" clId="{AE93CB87-3001-429A-8C47-C73E48AA31CD}" dt="2024-04-15T12:44:58.841" v="1107" actId="20577"/>
+          <ac:chgData name="Bosma, Janneke" userId="fbc09de8-61da-4812-b08f-019a8e6904b9" providerId="ADAL" clId="{AE93CB87-3001-429A-8C47-C73E48AA31CD}" dt="2024-04-16T14:04:40.526" v="1126" actId="1076"/>
           <ac:spMkLst>
             <pc:docMk/>
             <pc:sldMk cId="3516489296" sldId="397"/>
@@ -456,6 +474,14 @@
             <ac:spMk id="11" creationId="{1D31738B-A921-420C-6763-D210CFD69054}"/>
           </ac:spMkLst>
         </pc:spChg>
+        <pc:spChg chg="add del mod">
+          <ac:chgData name="Bosma, Janneke" userId="fbc09de8-61da-4812-b08f-019a8e6904b9" providerId="ADAL" clId="{AE93CB87-3001-429A-8C47-C73E48AA31CD}" dt="2024-04-16T14:05:25.399" v="1140" actId="478"/>
+          <ac:spMkLst>
+            <pc:docMk/>
+            <pc:sldMk cId="3516489296" sldId="397"/>
+            <ac:spMk id="11" creationId="{F99CB6E1-E415-A188-A74F-71115C16C963}"/>
+          </ac:spMkLst>
+        </pc:spChg>
         <pc:spChg chg="add mod">
           <ac:chgData name="Bosma, Janneke" userId="fbc09de8-61da-4812-b08f-019a8e6904b9" providerId="ADAL" clId="{AE93CB87-3001-429A-8C47-C73E48AA31CD}" dt="2024-04-15T11:50:11.092" v="606" actId="1076"/>
           <ac:spMkLst>
@@ -481,7 +507,7 @@
           </ac:spMkLst>
         </pc:spChg>
         <pc:spChg chg="add mod">
-          <ac:chgData name="Bosma, Janneke" userId="fbc09de8-61da-4812-b08f-019a8e6904b9" providerId="ADAL" clId="{AE93CB87-3001-429A-8C47-C73E48AA31CD}" dt="2024-04-15T12:44:54.114" v="1102" actId="20577"/>
+          <ac:chgData name="Bosma, Janneke" userId="fbc09de8-61da-4812-b08f-019a8e6904b9" providerId="ADAL" clId="{AE93CB87-3001-429A-8C47-C73E48AA31CD}" dt="2024-04-16T14:04:44.701" v="1127" actId="1076"/>
           <ac:spMkLst>
             <pc:docMk/>
             <pc:sldMk cId="3516489296" sldId="397"/>
@@ -489,7 +515,7 @@
           </ac:spMkLst>
         </pc:spChg>
         <pc:spChg chg="add mod">
-          <ac:chgData name="Bosma, Janneke" userId="fbc09de8-61da-4812-b08f-019a8e6904b9" providerId="ADAL" clId="{AE93CB87-3001-429A-8C47-C73E48AA31CD}" dt="2024-04-15T12:44:55.643" v="1105" actId="20577"/>
+          <ac:chgData name="Bosma, Janneke" userId="fbc09de8-61da-4812-b08f-019a8e6904b9" providerId="ADAL" clId="{AE93CB87-3001-429A-8C47-C73E48AA31CD}" dt="2024-04-16T14:18:36.412" v="1346" actId="20577"/>
           <ac:spMkLst>
             <pc:docMk/>
             <pc:sldMk cId="3516489296" sldId="397"/>
@@ -526,6 +552,14 @@
             <pc:docMk/>
             <pc:sldMk cId="3516489296" sldId="397"/>
             <ac:spMk id="20" creationId="{3EACE04E-BE91-150C-1AEF-3A404104BBB8}"/>
+          </ac:spMkLst>
+        </pc:spChg>
+        <pc:spChg chg="add mod">
+          <ac:chgData name="Bosma, Janneke" userId="fbc09de8-61da-4812-b08f-019a8e6904b9" providerId="ADAL" clId="{AE93CB87-3001-429A-8C47-C73E48AA31CD}" dt="2024-04-16T14:06:00.181" v="1160" actId="1076"/>
+          <ac:spMkLst>
+            <pc:docMk/>
+            <pc:sldMk cId="3516489296" sldId="397"/>
+            <ac:spMk id="21" creationId="{E75BAC1C-CDA9-5FEF-0145-8F393B968ED7}"/>
           </ac:spMkLst>
         </pc:spChg>
       </pc:sldChg>
@@ -778,6 +812,90 @@
           <pc:sldMk cId="97155566" sldId="404"/>
         </pc:sldMkLst>
       </pc:sldChg>
+      <pc:sldChg chg="delSp modSp add mod ord modNotesTx">
+        <pc:chgData name="Bosma, Janneke" userId="fbc09de8-61da-4812-b08f-019a8e6904b9" providerId="ADAL" clId="{AE93CB87-3001-429A-8C47-C73E48AA31CD}" dt="2024-04-16T14:09:23.587" v="1210" actId="478"/>
+        <pc:sldMkLst>
+          <pc:docMk/>
+          <pc:sldMk cId="546690010" sldId="404"/>
+        </pc:sldMkLst>
+        <pc:spChg chg="mod">
+          <ac:chgData name="Bosma, Janneke" userId="fbc09de8-61da-4812-b08f-019a8e6904b9" providerId="ADAL" clId="{AE93CB87-3001-429A-8C47-C73E48AA31CD}" dt="2024-04-16T14:06:25.302" v="1189" actId="20577"/>
+          <ac:spMkLst>
+            <pc:docMk/>
+            <pc:sldMk cId="546690010" sldId="404"/>
+            <ac:spMk id="2" creationId="{66EECF1F-3A3A-48A9-AF99-34EA2FE500E0}"/>
+          </ac:spMkLst>
+        </pc:spChg>
+        <pc:spChg chg="del mod">
+          <ac:chgData name="Bosma, Janneke" userId="fbc09de8-61da-4812-b08f-019a8e6904b9" providerId="ADAL" clId="{AE93CB87-3001-429A-8C47-C73E48AA31CD}" dt="2024-04-16T14:06:32.831" v="1193"/>
+          <ac:spMkLst>
+            <pc:docMk/>
+            <pc:sldMk cId="546690010" sldId="404"/>
+            <ac:spMk id="5" creationId="{40BEEE44-7F2B-BDF1-A14B-33D44B17EE26}"/>
+          </ac:spMkLst>
+        </pc:spChg>
+        <pc:spChg chg="mod">
+          <ac:chgData name="Bosma, Janneke" userId="fbc09de8-61da-4812-b08f-019a8e6904b9" providerId="ADAL" clId="{AE93CB87-3001-429A-8C47-C73E48AA31CD}" dt="2024-04-16T14:09:13.622" v="1207" actId="113"/>
+          <ac:spMkLst>
+            <pc:docMk/>
+            <pc:sldMk cId="546690010" sldId="404"/>
+            <ac:spMk id="31" creationId="{38A2A9EE-75E8-49F9-EBD2-15C6298FC791}"/>
+          </ac:spMkLst>
+        </pc:spChg>
+        <pc:picChg chg="del">
+          <ac:chgData name="Bosma, Janneke" userId="fbc09de8-61da-4812-b08f-019a8e6904b9" providerId="ADAL" clId="{AE93CB87-3001-429A-8C47-C73E48AA31CD}" dt="2024-04-16T14:09:23.587" v="1210" actId="478"/>
+          <ac:picMkLst>
+            <pc:docMk/>
+            <pc:sldMk cId="546690010" sldId="404"/>
+            <ac:picMk id="8" creationId="{C1A72766-9309-FA70-450B-BB4270732E6B}"/>
+          </ac:picMkLst>
+        </pc:picChg>
+      </pc:sldChg>
+      <pc:sldChg chg="add del">
+        <pc:chgData name="Bosma, Janneke" userId="fbc09de8-61da-4812-b08f-019a8e6904b9" providerId="ADAL" clId="{AE93CB87-3001-429A-8C47-C73E48AA31CD}" dt="2024-04-16T14:06:15.055" v="1162"/>
+        <pc:sldMkLst>
+          <pc:docMk/>
+          <pc:sldMk cId="1675639218" sldId="404"/>
+        </pc:sldMkLst>
+      </pc:sldChg>
+      <pc:sldChg chg="addSp delSp modSp add mod">
+        <pc:chgData name="Bosma, Janneke" userId="fbc09de8-61da-4812-b08f-019a8e6904b9" providerId="ADAL" clId="{AE93CB87-3001-429A-8C47-C73E48AA31CD}" dt="2024-04-16T14:18:01.478" v="1336" actId="1076"/>
+        <pc:sldMkLst>
+          <pc:docMk/>
+          <pc:sldMk cId="42310640" sldId="405"/>
+        </pc:sldMkLst>
+        <pc:spChg chg="mod">
+          <ac:chgData name="Bosma, Janneke" userId="fbc09de8-61da-4812-b08f-019a8e6904b9" providerId="ADAL" clId="{AE93CB87-3001-429A-8C47-C73E48AA31CD}" dt="2024-04-16T14:15:20.721" v="1325" actId="21"/>
+          <ac:spMkLst>
+            <pc:docMk/>
+            <pc:sldMk cId="42310640" sldId="405"/>
+            <ac:spMk id="31" creationId="{38A2A9EE-75E8-49F9-EBD2-15C6298FC791}"/>
+          </ac:spMkLst>
+        </pc:spChg>
+        <pc:picChg chg="add mod">
+          <ac:chgData name="Bosma, Janneke" userId="fbc09de8-61da-4812-b08f-019a8e6904b9" providerId="ADAL" clId="{AE93CB87-3001-429A-8C47-C73E48AA31CD}" dt="2024-04-16T14:18:01.478" v="1336" actId="1076"/>
+          <ac:picMkLst>
+            <pc:docMk/>
+            <pc:sldMk cId="42310640" sldId="405"/>
+            <ac:picMk id="3" creationId="{9A9D7BB7-C4D0-C92A-BF26-D738F19C999B}"/>
+          </ac:picMkLst>
+        </pc:picChg>
+        <pc:picChg chg="del">
+          <ac:chgData name="Bosma, Janneke" userId="fbc09de8-61da-4812-b08f-019a8e6904b9" providerId="ADAL" clId="{AE93CB87-3001-429A-8C47-C73E48AA31CD}" dt="2024-04-16T14:17:56.387" v="1333" actId="478"/>
+          <ac:picMkLst>
+            <pc:docMk/>
+            <pc:sldMk cId="42310640" sldId="405"/>
+            <ac:picMk id="8" creationId="{C1A72766-9309-FA70-450B-BB4270732E6B}"/>
+          </ac:picMkLst>
+        </pc:picChg>
+      </pc:sldChg>
+      <pc:sldChg chg="add del">
+        <pc:chgData name="Bosma, Janneke" userId="fbc09de8-61da-4812-b08f-019a8e6904b9" providerId="ADAL" clId="{AE93CB87-3001-429A-8C47-C73E48AA31CD}" dt="2024-04-16T14:09:19.235" v="1208" actId="47"/>
+        <pc:sldMkLst>
+          <pc:docMk/>
+          <pc:sldMk cId="1871537380" sldId="405"/>
+        </pc:sldMkLst>
+      </pc:sldChg>
     </pc:docChg>
   </pc:docChgLst>
 </pc:chgInfo>
@@ -865,7 +983,7 @@
           <a:p>
             <a:fld id="{3B684A2C-AF06-43EB-B93A-E4E444740058}" type="datetimeFigureOut">
               <a:rPr lang="nl-NL" smtClean="0"/>
-              <a:t>15-4-2024</a:t>
+              <a:t>16-4-2024</a:t>
             </a:fld>
             <a:endParaRPr lang="nl-NL"/>
           </a:p>
@@ -1216,6 +1334,90 @@
 </p:notes>
 </file>
 
+<file path=ppt/notesSlides/notesSlide10.xml><?xml version="1.0" encoding="utf-8"?>
+<p:notes xmlns:a="http://schemas.openxmlformats.org/drawingml/2006/main" xmlns:r="http://schemas.openxmlformats.org/officeDocument/2006/relationships" xmlns:p="http://schemas.openxmlformats.org/presentationml/2006/main">
+  <p:cSld>
+    <p:spTree>
+      <p:nvGrpSpPr>
+        <p:cNvPr id="1" name=""/>
+        <p:cNvGrpSpPr/>
+        <p:nvPr/>
+      </p:nvGrpSpPr>
+      <p:grpSpPr>
+        <a:xfrm>
+          <a:off x="0" y="0"/>
+          <a:ext cx="0" cy="0"/>
+          <a:chOff x="0" y="0"/>
+          <a:chExt cx="0" cy="0"/>
+        </a:xfrm>
+      </p:grpSpPr>
+      <p:sp>
+        <p:nvSpPr>
+          <p:cNvPr id="2" name="Tijdelijke aanduiding voor dia-afbeelding 1"/>
+          <p:cNvSpPr>
+            <a:spLocks noGrp="1" noRot="1" noChangeAspect="1"/>
+          </p:cNvSpPr>
+          <p:nvPr>
+            <p:ph type="sldImg"/>
+          </p:nvPr>
+        </p:nvSpPr>
+        <p:spPr/>
+      </p:sp>
+      <p:sp>
+        <p:nvSpPr>
+          <p:cNvPr id="3" name="Tijdelijke aanduiding voor notities 2"/>
+          <p:cNvSpPr>
+            <a:spLocks noGrp="1"/>
+          </p:cNvSpPr>
+          <p:nvPr>
+            <p:ph type="body" idx="1"/>
+          </p:nvPr>
+        </p:nvSpPr>
+        <p:spPr/>
+        <p:txBody>
+          <a:bodyPr/>
+          <a:lstStyle/>
+          <a:p>
+            <a:endParaRPr lang="nl-NL" dirty="0"/>
+          </a:p>
+        </p:txBody>
+      </p:sp>
+      <p:sp>
+        <p:nvSpPr>
+          <p:cNvPr id="4" name="Tijdelijke aanduiding voor dianummer 3"/>
+          <p:cNvSpPr>
+            <a:spLocks noGrp="1"/>
+          </p:cNvSpPr>
+          <p:nvPr>
+            <p:ph type="sldNum" sz="quarter" idx="5"/>
+          </p:nvPr>
+        </p:nvSpPr>
+        <p:spPr/>
+        <p:txBody>
+          <a:bodyPr/>
+          <a:lstStyle/>
+          <a:p>
+            <a:fld id="{1B9DD330-543A-4594-B84E-BE963B41153A}" type="slidenum">
+              <a:rPr lang="nl-NL" smtClean="0"/>
+              <a:t>13</a:t>
+            </a:fld>
+            <a:endParaRPr lang="nl-NL"/>
+          </a:p>
+        </p:txBody>
+      </p:sp>
+    </p:spTree>
+    <p:extLst>
+      <p:ext uri="{BB962C8B-B14F-4D97-AF65-F5344CB8AC3E}">
+        <p14:creationId xmlns:p14="http://schemas.microsoft.com/office/powerpoint/2010/main" val="11439201"/>
+      </p:ext>
+    </p:extLst>
+  </p:cSld>
+  <p:clrMapOvr>
+    <a:masterClrMapping/>
+  </p:clrMapOvr>
+</p:notes>
+</file>
+
 <file path=ppt/notesSlides/notesSlide2.xml><?xml version="1.0" encoding="utf-8"?>
 <p:notes xmlns:a="http://schemas.openxmlformats.org/drawingml/2006/main" xmlns:r="http://schemas.openxmlformats.org/officeDocument/2006/relationships" xmlns:p="http://schemas.openxmlformats.org/presentationml/2006/main">
   <p:cSld>
@@ -1260,17 +1462,7 @@
           <a:bodyPr/>
           <a:lstStyle/>
           <a:p>
-            <a:r>
-              <a:rPr lang="nl-NL" dirty="0"/>
-              <a:t>Bron figuren van katten: </a:t>
-            </a:r>
-            <a:r>
-              <a:rPr lang="en-US" dirty="0">
-                <a:hlinkClick r:id="rId3"/>
-              </a:rPr>
-              <a:t>A set of cats collection cartoon kittens Vector Image (vectorstock.com)</a:t>
-            </a:r>
-            <a:endParaRPr lang="nl-NL" dirty="0"/>
+            <a:endParaRPr lang="nl-NL"/>
           </a:p>
         </p:txBody>
       </p:sp>
@@ -1291,7 +1483,7 @@
           <a:p>
             <a:fld id="{1B9DD330-543A-4594-B84E-BE963B41153A}" type="slidenum">
               <a:rPr lang="nl-NL" smtClean="0"/>
-              <a:t>3</a:t>
+              <a:t>2</a:t>
             </a:fld>
             <a:endParaRPr lang="nl-NL"/>
           </a:p>
@@ -1300,7 +1492,7 @@
     </p:spTree>
     <p:extLst>
       <p:ext uri="{BB962C8B-B14F-4D97-AF65-F5344CB8AC3E}">
-        <p14:creationId xmlns:p14="http://schemas.microsoft.com/office/powerpoint/2010/main" val="1282926967"/>
+        <p14:creationId xmlns:p14="http://schemas.microsoft.com/office/powerpoint/2010/main" val="1055338818"/>
       </p:ext>
     </p:extLst>
   </p:cSld>
@@ -1354,7 +1546,10 @@
           <a:bodyPr/>
           <a:lstStyle/>
           <a:p>
-            <a:endParaRPr lang="nl-NL" dirty="0"/>
+            <a:r>
+              <a:rPr lang="nl-NL" dirty="0"/>
+              <a:t>Bron figuren van katten: https://www.vectorstock.com/royalty-free-vector/a-set-of-cats-collection-cartoon-kittens-vector-18485981 </a:t>
+            </a:r>
           </a:p>
         </p:txBody>
       </p:sp>
@@ -1375,7 +1570,7 @@
           <a:p>
             <a:fld id="{1B9DD330-543A-4594-B84E-BE963B41153A}" type="slidenum">
               <a:rPr lang="nl-NL" smtClean="0"/>
-              <a:t>6</a:t>
+              <a:t>3</a:t>
             </a:fld>
             <a:endParaRPr lang="nl-NL"/>
           </a:p>
@@ -1384,7 +1579,7 @@
     </p:spTree>
     <p:extLst>
       <p:ext uri="{BB962C8B-B14F-4D97-AF65-F5344CB8AC3E}">
-        <p14:creationId xmlns:p14="http://schemas.microsoft.com/office/powerpoint/2010/main" val="682990742"/>
+        <p14:creationId xmlns:p14="http://schemas.microsoft.com/office/powerpoint/2010/main" val="1282926967"/>
       </p:ext>
     </p:extLst>
   </p:cSld>
@@ -1459,7 +1654,7 @@
           <a:p>
             <a:fld id="{1B9DD330-543A-4594-B84E-BE963B41153A}" type="slidenum">
               <a:rPr lang="nl-NL" smtClean="0"/>
-              <a:t>8</a:t>
+              <a:t>5</a:t>
             </a:fld>
             <a:endParaRPr lang="nl-NL"/>
           </a:p>
@@ -1468,7 +1663,7 @@
     </p:spTree>
     <p:extLst>
       <p:ext uri="{BB962C8B-B14F-4D97-AF65-F5344CB8AC3E}">
-        <p14:creationId xmlns:p14="http://schemas.microsoft.com/office/powerpoint/2010/main" val="1444816006"/>
+        <p14:creationId xmlns:p14="http://schemas.microsoft.com/office/powerpoint/2010/main" val="931942802"/>
       </p:ext>
     </p:extLst>
   </p:cSld>
@@ -1543,7 +1738,7 @@
           <a:p>
             <a:fld id="{1B9DD330-543A-4594-B84E-BE963B41153A}" type="slidenum">
               <a:rPr lang="nl-NL" smtClean="0"/>
-              <a:t>9</a:t>
+              <a:t>6</a:t>
             </a:fld>
             <a:endParaRPr lang="nl-NL"/>
           </a:p>
@@ -1552,7 +1747,7 @@
     </p:spTree>
     <p:extLst>
       <p:ext uri="{BB962C8B-B14F-4D97-AF65-F5344CB8AC3E}">
-        <p14:creationId xmlns:p14="http://schemas.microsoft.com/office/powerpoint/2010/main" val="4012956599"/>
+        <p14:creationId xmlns:p14="http://schemas.microsoft.com/office/powerpoint/2010/main" val="3683772038"/>
       </p:ext>
     </p:extLst>
   </p:cSld>
@@ -1627,7 +1822,7 @@
           <a:p>
             <a:fld id="{1B9DD330-543A-4594-B84E-BE963B41153A}" type="slidenum">
               <a:rPr lang="nl-NL" smtClean="0"/>
-              <a:t>10</a:t>
+              <a:t>8</a:t>
             </a:fld>
             <a:endParaRPr lang="nl-NL"/>
           </a:p>
@@ -1636,7 +1831,7 @@
     </p:spTree>
     <p:extLst>
       <p:ext uri="{BB962C8B-B14F-4D97-AF65-F5344CB8AC3E}">
-        <p14:creationId xmlns:p14="http://schemas.microsoft.com/office/powerpoint/2010/main" val="1702650792"/>
+        <p14:creationId xmlns:p14="http://schemas.microsoft.com/office/powerpoint/2010/main" val="682990742"/>
       </p:ext>
     </p:extLst>
   </p:cSld>
@@ -1711,7 +1906,7 @@
           <a:p>
             <a:fld id="{1B9DD330-543A-4594-B84E-BE963B41153A}" type="slidenum">
               <a:rPr lang="nl-NL" smtClean="0"/>
-              <a:t>11</a:t>
+              <a:t>10</a:t>
             </a:fld>
             <a:endParaRPr lang="nl-NL"/>
           </a:p>
@@ -1720,7 +1915,175 @@
     </p:spTree>
     <p:extLst>
       <p:ext uri="{BB962C8B-B14F-4D97-AF65-F5344CB8AC3E}">
-        <p14:creationId xmlns:p14="http://schemas.microsoft.com/office/powerpoint/2010/main" val="11439201"/>
+        <p14:creationId xmlns:p14="http://schemas.microsoft.com/office/powerpoint/2010/main" val="1444816006"/>
+      </p:ext>
+    </p:extLst>
+  </p:cSld>
+  <p:clrMapOvr>
+    <a:masterClrMapping/>
+  </p:clrMapOvr>
+</p:notes>
+</file>
+
+<file path=ppt/notesSlides/notesSlide8.xml><?xml version="1.0" encoding="utf-8"?>
+<p:notes xmlns:a="http://schemas.openxmlformats.org/drawingml/2006/main" xmlns:r="http://schemas.openxmlformats.org/officeDocument/2006/relationships" xmlns:p="http://schemas.openxmlformats.org/presentationml/2006/main">
+  <p:cSld>
+    <p:spTree>
+      <p:nvGrpSpPr>
+        <p:cNvPr id="1" name=""/>
+        <p:cNvGrpSpPr/>
+        <p:nvPr/>
+      </p:nvGrpSpPr>
+      <p:grpSpPr>
+        <a:xfrm>
+          <a:off x="0" y="0"/>
+          <a:ext cx="0" cy="0"/>
+          <a:chOff x="0" y="0"/>
+          <a:chExt cx="0" cy="0"/>
+        </a:xfrm>
+      </p:grpSpPr>
+      <p:sp>
+        <p:nvSpPr>
+          <p:cNvPr id="2" name="Tijdelijke aanduiding voor dia-afbeelding 1"/>
+          <p:cNvSpPr>
+            <a:spLocks noGrp="1" noRot="1" noChangeAspect="1"/>
+          </p:cNvSpPr>
+          <p:nvPr>
+            <p:ph type="sldImg"/>
+          </p:nvPr>
+        </p:nvSpPr>
+        <p:spPr/>
+      </p:sp>
+      <p:sp>
+        <p:nvSpPr>
+          <p:cNvPr id="3" name="Tijdelijke aanduiding voor notities 2"/>
+          <p:cNvSpPr>
+            <a:spLocks noGrp="1"/>
+          </p:cNvSpPr>
+          <p:nvPr>
+            <p:ph type="body" idx="1"/>
+          </p:nvPr>
+        </p:nvSpPr>
+        <p:spPr/>
+        <p:txBody>
+          <a:bodyPr/>
+          <a:lstStyle/>
+          <a:p>
+            <a:endParaRPr lang="nl-NL" dirty="0"/>
+          </a:p>
+        </p:txBody>
+      </p:sp>
+      <p:sp>
+        <p:nvSpPr>
+          <p:cNvPr id="4" name="Tijdelijke aanduiding voor dianummer 3"/>
+          <p:cNvSpPr>
+            <a:spLocks noGrp="1"/>
+          </p:cNvSpPr>
+          <p:nvPr>
+            <p:ph type="sldNum" sz="quarter" idx="5"/>
+          </p:nvPr>
+        </p:nvSpPr>
+        <p:spPr/>
+        <p:txBody>
+          <a:bodyPr/>
+          <a:lstStyle/>
+          <a:p>
+            <a:fld id="{1B9DD330-543A-4594-B84E-BE963B41153A}" type="slidenum">
+              <a:rPr lang="nl-NL" smtClean="0"/>
+              <a:t>11</a:t>
+            </a:fld>
+            <a:endParaRPr lang="nl-NL"/>
+          </a:p>
+        </p:txBody>
+      </p:sp>
+    </p:spTree>
+    <p:extLst>
+      <p:ext uri="{BB962C8B-B14F-4D97-AF65-F5344CB8AC3E}">
+        <p14:creationId xmlns:p14="http://schemas.microsoft.com/office/powerpoint/2010/main" val="4012956599"/>
+      </p:ext>
+    </p:extLst>
+  </p:cSld>
+  <p:clrMapOvr>
+    <a:masterClrMapping/>
+  </p:clrMapOvr>
+</p:notes>
+</file>
+
+<file path=ppt/notesSlides/notesSlide9.xml><?xml version="1.0" encoding="utf-8"?>
+<p:notes xmlns:a="http://schemas.openxmlformats.org/drawingml/2006/main" xmlns:r="http://schemas.openxmlformats.org/officeDocument/2006/relationships" xmlns:p="http://schemas.openxmlformats.org/presentationml/2006/main">
+  <p:cSld>
+    <p:spTree>
+      <p:nvGrpSpPr>
+        <p:cNvPr id="1" name=""/>
+        <p:cNvGrpSpPr/>
+        <p:nvPr/>
+      </p:nvGrpSpPr>
+      <p:grpSpPr>
+        <a:xfrm>
+          <a:off x="0" y="0"/>
+          <a:ext cx="0" cy="0"/>
+          <a:chOff x="0" y="0"/>
+          <a:chExt cx="0" cy="0"/>
+        </a:xfrm>
+      </p:grpSpPr>
+      <p:sp>
+        <p:nvSpPr>
+          <p:cNvPr id="2" name="Tijdelijke aanduiding voor dia-afbeelding 1"/>
+          <p:cNvSpPr>
+            <a:spLocks noGrp="1" noRot="1" noChangeAspect="1"/>
+          </p:cNvSpPr>
+          <p:nvPr>
+            <p:ph type="sldImg"/>
+          </p:nvPr>
+        </p:nvSpPr>
+        <p:spPr/>
+      </p:sp>
+      <p:sp>
+        <p:nvSpPr>
+          <p:cNvPr id="3" name="Tijdelijke aanduiding voor notities 2"/>
+          <p:cNvSpPr>
+            <a:spLocks noGrp="1"/>
+          </p:cNvSpPr>
+          <p:nvPr>
+            <p:ph type="body" idx="1"/>
+          </p:nvPr>
+        </p:nvSpPr>
+        <p:spPr/>
+        <p:txBody>
+          <a:bodyPr/>
+          <a:lstStyle/>
+          <a:p>
+            <a:endParaRPr lang="nl-NL" dirty="0"/>
+          </a:p>
+        </p:txBody>
+      </p:sp>
+      <p:sp>
+        <p:nvSpPr>
+          <p:cNvPr id="4" name="Tijdelijke aanduiding voor dianummer 3"/>
+          <p:cNvSpPr>
+            <a:spLocks noGrp="1"/>
+          </p:cNvSpPr>
+          <p:nvPr>
+            <p:ph type="sldNum" sz="quarter" idx="5"/>
+          </p:nvPr>
+        </p:nvSpPr>
+        <p:spPr/>
+        <p:txBody>
+          <a:bodyPr/>
+          <a:lstStyle/>
+          <a:p>
+            <a:fld id="{1B9DD330-543A-4594-B84E-BE963B41153A}" type="slidenum">
+              <a:rPr lang="nl-NL" smtClean="0"/>
+              <a:t>12</a:t>
+            </a:fld>
+            <a:endParaRPr lang="nl-NL"/>
+          </a:p>
+        </p:txBody>
+      </p:sp>
+    </p:spTree>
+    <p:extLst>
+      <p:ext uri="{BB962C8B-B14F-4D97-AF65-F5344CB8AC3E}">
+        <p14:creationId xmlns:p14="http://schemas.microsoft.com/office/powerpoint/2010/main" val="1702650792"/>
       </p:ext>
     </p:extLst>
   </p:cSld>
@@ -32272,7 +32635,7 @@
           <a:p>
             <a:r>
               <a:rPr lang="nl-NL" dirty="0"/>
-              <a:t>Wat is SHACL ?</a:t>
+              <a:t>Wat is SPARQL ?</a:t>
             </a:r>
           </a:p>
         </p:txBody>
@@ -32563,8 +32926,8 @@
         </p:nvSpPr>
         <p:spPr>
           <a:xfrm>
-            <a:off x="914978" y="1292988"/>
-            <a:ext cx="10164539" cy="5124480"/>
+            <a:off x="914978" y="992094"/>
+            <a:ext cx="10164539" cy="7448193"/>
           </a:xfrm>
           <a:prstGeom prst="rect">
             <a:avLst/>
@@ -32578,15 +32941,44 @@
           <a:lstStyle/>
           <a:p>
             <a:pPr algn="l"/>
-            <a:r>
-              <a:rPr lang="nl-NL" sz="1400" b="0" i="0" dirty="0">
+            <a:br>
+              <a:rPr lang="nl-NL" sz="2000" b="0" i="0" dirty="0">
                 <a:solidFill>
                   <a:srgbClr val="0D0D0D"/>
                 </a:solidFill>
                 <a:effectLst/>
                 <a:latin typeface="Söhne"/>
               </a:rPr>
-              <a:t>Stel dat we een RDF-dataset hebben die informatie bevat over verschillende huisdieren, waaronder katten. We willen een SHACL-schema maken om te valideren of de katteninformatie correct is opgesteld, inclusief de aanwezigheid van de naam en leeftijd van de kat.</a:t>
+            </a:br>
+            <a:r>
+              <a:rPr lang="nl-NL" sz="1400" b="0" i="0" dirty="0">
+                <a:solidFill>
+                  <a:srgbClr val="0D0D0D"/>
+                </a:solidFill>
+                <a:effectLst/>
+                <a:latin typeface="Söhne"/>
+              </a:rPr>
+              <a:t>Stel dat we een RDF-dataset hebben die informatie bevat over verschillende huisdieren, inclusief katten. Laten we aannemen dat de dataset </a:t>
+            </a:r>
+            <a:r>
+              <a:rPr lang="nl-NL" sz="1400" b="0" i="0" dirty="0" err="1">
+                <a:solidFill>
+                  <a:srgbClr val="0D0D0D"/>
+                </a:solidFill>
+                <a:effectLst/>
+                <a:latin typeface="Söhne"/>
+              </a:rPr>
+              <a:t>triples</a:t>
+            </a:r>
+            <a:r>
+              <a:rPr lang="nl-NL" sz="1400" b="0" i="0" dirty="0">
+                <a:solidFill>
+                  <a:srgbClr val="0D0D0D"/>
+                </a:solidFill>
+                <a:effectLst/>
+                <a:latin typeface="Söhne"/>
+              </a:rPr>
+              <a:t> bevat die de namen, leeftijden en types huisdier van verschillende dieren bevatten.</a:t>
             </a:r>
           </a:p>
           <a:p>
@@ -32599,104 +32991,12 @@
                 <a:effectLst/>
                 <a:latin typeface="Söhne"/>
               </a:rPr>
-              <a:t>Hier is een eenvoudig SHACL-schema voor dit doel:</a:t>
+              <a:t>Hier is een voorbeeld van zo'n RDF-triple:</a:t>
             </a:r>
           </a:p>
           <a:p>
             <a:pPr algn="l"/>
-            <a:r>
-              <a:rPr lang="nl-NL" sz="1100" b="0" i="0" dirty="0">
-                <a:solidFill>
-                  <a:srgbClr val="FF0000"/>
-                </a:solidFill>
-                <a:effectLst/>
-                <a:latin typeface="Söhne"/>
-              </a:rPr>
-              <a:t>@prefix </a:t>
-            </a:r>
-            <a:r>
-              <a:rPr lang="nl-NL" sz="1100" b="0" i="0" dirty="0" err="1">
-                <a:solidFill>
-                  <a:srgbClr val="FF0000"/>
-                </a:solidFill>
-                <a:effectLst/>
-                <a:latin typeface="Söhne"/>
-              </a:rPr>
-              <a:t>rdf</a:t>
-            </a:r>
-            <a:r>
-              <a:rPr lang="nl-NL" sz="1100" b="0" i="0" dirty="0">
-                <a:solidFill>
-                  <a:srgbClr val="FF0000"/>
-                </a:solidFill>
-                <a:effectLst/>
-                <a:latin typeface="Söhne"/>
-              </a:rPr>
-              <a:t>: &lt;http://www.w3.org/1999/02/22-rdf-syntax-ns#&gt; .</a:t>
-            </a:r>
-          </a:p>
-          <a:p>
-            <a:pPr algn="l"/>
-            <a:r>
-              <a:rPr lang="nl-NL" sz="1100" b="0" i="0" dirty="0">
-                <a:solidFill>
-                  <a:srgbClr val="FF0000"/>
-                </a:solidFill>
-                <a:effectLst/>
-                <a:latin typeface="Söhne"/>
-              </a:rPr>
-              <a:t>@prefix </a:t>
-            </a:r>
-            <a:r>
-              <a:rPr lang="nl-NL" sz="1100" b="0" i="0" dirty="0" err="1">
-                <a:solidFill>
-                  <a:srgbClr val="FF0000"/>
-                </a:solidFill>
-                <a:effectLst/>
-                <a:latin typeface="Söhne"/>
-              </a:rPr>
-              <a:t>rdfs</a:t>
-            </a:r>
-            <a:r>
-              <a:rPr lang="nl-NL" sz="1100" b="0" i="0" dirty="0">
-                <a:solidFill>
-                  <a:srgbClr val="FF0000"/>
-                </a:solidFill>
-                <a:effectLst/>
-                <a:latin typeface="Söhne"/>
-              </a:rPr>
-              <a:t>: &lt;http://www.w3.org/2000/01/rdf-schema#&gt; .</a:t>
-            </a:r>
-          </a:p>
-          <a:p>
-            <a:pPr algn="l"/>
-            <a:r>
-              <a:rPr lang="nl-NL" sz="1100" b="0" i="0" dirty="0">
-                <a:solidFill>
-                  <a:srgbClr val="FF0000"/>
-                </a:solidFill>
-                <a:effectLst/>
-                <a:latin typeface="Söhne"/>
-              </a:rPr>
-              <a:t>@prefix ex: &lt;http://example.org/&gt; .</a:t>
-            </a:r>
-          </a:p>
-          <a:p>
-            <a:pPr algn="l"/>
-            <a:r>
-              <a:rPr lang="nl-NL" sz="1100" b="0" i="0" dirty="0">
-                <a:solidFill>
-                  <a:srgbClr val="FF0000"/>
-                </a:solidFill>
-                <a:effectLst/>
-                <a:latin typeface="Söhne"/>
-              </a:rPr>
-              <a:t>@prefix sh: &lt;http://www.w3.org/ns/shacl#&gt; .</a:t>
-            </a:r>
-          </a:p>
-          <a:p>
-            <a:pPr algn="l"/>
-            <a:endParaRPr lang="nl-NL" sz="1100" b="0" i="0" dirty="0">
+            <a:endParaRPr lang="nl-NL" sz="1600" b="0" i="0" dirty="0">
               <a:solidFill>
                 <a:srgbClr val="FF0000"/>
               </a:solidFill>
@@ -32707,16 +33007,99 @@
           <a:p>
             <a:pPr algn="l"/>
             <a:r>
-              <a:rPr lang="nl-NL" sz="1100" b="0" i="0" dirty="0" err="1">
+              <a:rPr lang="en-US" sz="1200" b="0" i="0" dirty="0">
                 <a:solidFill>
                   <a:srgbClr val="FF0000"/>
                 </a:solidFill>
                 <a:effectLst/>
                 <a:latin typeface="Söhne"/>
               </a:rPr>
-              <a:t>ex:CatShape</a:t>
+              <a:t>&lt;http://example.org/whiskers&gt; &lt;http://example.org/hasName&gt; "Whiskers" .</a:t>
             </a:r>
-            <a:endParaRPr lang="nl-NL" sz="1100" b="0" i="0" dirty="0">
+          </a:p>
+          <a:p>
+            <a:pPr algn="l"/>
+            <a:r>
+              <a:rPr lang="en-US" sz="1200" b="0" i="0" dirty="0">
+                <a:solidFill>
+                  <a:srgbClr val="FF0000"/>
+                </a:solidFill>
+                <a:effectLst/>
+                <a:latin typeface="Söhne"/>
+              </a:rPr>
+              <a:t>&lt;http://example.org/whiskers&gt; &lt;http://example.org/hasAge&gt; "5"^^&lt;http://www.w3.org/2001/XMLSchema#integer&gt; .</a:t>
+            </a:r>
+          </a:p>
+          <a:p>
+            <a:pPr algn="l"/>
+            <a:r>
+              <a:rPr lang="en-US" sz="1200" b="0" i="0" dirty="0">
+                <a:solidFill>
+                  <a:srgbClr val="FF0000"/>
+                </a:solidFill>
+                <a:effectLst/>
+                <a:latin typeface="Söhne"/>
+              </a:rPr>
+              <a:t>&lt;http://example.org/whiskers&gt; &lt;http://example.org/isPetOfType&gt; "cat" .</a:t>
+            </a:r>
+          </a:p>
+          <a:p>
+            <a:pPr algn="l"/>
+            <a:endParaRPr lang="en-US" sz="1600" dirty="0">
+              <a:solidFill>
+                <a:srgbClr val="0D0D0D"/>
+              </a:solidFill>
+              <a:latin typeface="Söhne"/>
+            </a:endParaRPr>
+          </a:p>
+          <a:p>
+            <a:pPr algn="l"/>
+            <a:r>
+              <a:rPr lang="nl-NL" sz="1400" b="0" i="0" dirty="0">
+                <a:solidFill>
+                  <a:srgbClr val="0D0D0D"/>
+                </a:solidFill>
+                <a:effectLst/>
+                <a:latin typeface="Söhne"/>
+              </a:rPr>
+              <a:t>Nu, laten we een SPARQL-query schrijven om de namen van alle katten in de dataset op te halen:</a:t>
+            </a:r>
+            <a:endParaRPr lang="en-US" sz="1400" b="0" i="0" dirty="0">
+              <a:solidFill>
+                <a:srgbClr val="0D0D0D"/>
+              </a:solidFill>
+              <a:effectLst/>
+              <a:latin typeface="Söhne"/>
+            </a:endParaRPr>
+          </a:p>
+          <a:p>
+            <a:pPr algn="l"/>
+            <a:r>
+              <a:rPr lang="en-US" sz="1600" dirty="0">
+                <a:solidFill>
+                  <a:srgbClr val="0D0D0D"/>
+                </a:solidFill>
+                <a:latin typeface="Söhne"/>
+              </a:rPr>
+              <a:t>----------------------------------------------------------------------------------------------</a:t>
+            </a:r>
+          </a:p>
+          <a:p>
+            <a:pPr algn="l"/>
+            <a:r>
+              <a:rPr lang="en-US" sz="1400" b="0" i="0" dirty="0">
+                <a:solidFill>
+                  <a:srgbClr val="FF0000"/>
+                </a:solidFill>
+                <a:effectLst/>
+                <a:latin typeface="Söhne"/>
+              </a:rPr>
+              <a:t>PREFIX ex: &lt;http://example.org/&gt;</a:t>
+            </a:r>
+          </a:p>
+          <a:p>
+            <a:pPr algn="l"/>
+            <a:endParaRPr lang="en-US" sz="1400" b="0" i="0" dirty="0">
               <a:solidFill>
                 <a:srgbClr val="FF0000"/>
               </a:solidFill>
@@ -32727,156 +33110,43 @@
           <a:p>
             <a:pPr algn="l"/>
             <a:r>
-              <a:rPr lang="nl-NL" sz="1100" b="0" i="0" dirty="0">
+              <a:rPr lang="en-US" sz="1400" b="0" i="0" dirty="0">
                 <a:solidFill>
                   <a:srgbClr val="FF0000"/>
                 </a:solidFill>
                 <a:effectLst/>
                 <a:latin typeface="Söhne"/>
               </a:rPr>
-              <a:t>  a </a:t>
+              <a:t>SELECT ?name</a:t>
             </a:r>
+          </a:p>
+          <a:p>
+            <a:pPr algn="l"/>
             <a:r>
-              <a:rPr lang="nl-NL" sz="1100" b="0" i="0" dirty="0" err="1">
+              <a:rPr lang="en-US" sz="1400" b="0" i="0" dirty="0">
                 <a:solidFill>
                   <a:srgbClr val="FF0000"/>
                 </a:solidFill>
                 <a:effectLst/>
                 <a:latin typeface="Söhne"/>
               </a:rPr>
-              <a:t>sh:NodeShape</a:t>
+              <a:t>WHERE {</a:t>
             </a:r>
+          </a:p>
+          <a:p>
+            <a:pPr algn="l"/>
             <a:r>
-              <a:rPr lang="nl-NL" sz="1100" b="0" i="0" dirty="0">
+              <a:rPr lang="en-US" sz="1400" b="0" i="0" dirty="0">
                 <a:solidFill>
                   <a:srgbClr val="FF0000"/>
                 </a:solidFill>
                 <a:effectLst/>
                 <a:latin typeface="Söhne"/>
               </a:rPr>
-              <a:t> ;</a:t>
-            </a:r>
-          </a:p>
-          <a:p>
-            <a:pPr algn="l"/>
-            <a:r>
-              <a:rPr lang="nl-NL" sz="1100" b="0" i="0" dirty="0">
-                <a:solidFill>
-                  <a:srgbClr val="FF0000"/>
-                </a:solidFill>
-                <a:effectLst/>
-                <a:latin typeface="Söhne"/>
-              </a:rPr>
-              <a:t>  </a:t>
+              <a:t>  ?cat </a:t>
             </a:r>
             <a:r>
-              <a:rPr lang="nl-NL" sz="1100" b="0" i="0" dirty="0" err="1">
-                <a:solidFill>
-                  <a:srgbClr val="FF0000"/>
-                </a:solidFill>
-                <a:effectLst/>
-                <a:latin typeface="Söhne"/>
-              </a:rPr>
-              <a:t>sh:targetClass</a:t>
-            </a:r>
-            <a:r>
-              <a:rPr lang="nl-NL" sz="1100" b="0" i="0" dirty="0">
-                <a:solidFill>
-                  <a:srgbClr val="FF0000"/>
-                </a:solidFill>
-                <a:effectLst/>
-                <a:latin typeface="Söhne"/>
-              </a:rPr>
-              <a:t> </a:t>
-            </a:r>
-            <a:r>
-              <a:rPr lang="nl-NL" sz="1100" b="0" i="0" dirty="0" err="1">
-                <a:solidFill>
-                  <a:srgbClr val="FF0000"/>
-                </a:solidFill>
-                <a:effectLst/>
-                <a:latin typeface="Söhne"/>
-              </a:rPr>
-              <a:t>ex:Cat</a:t>
-            </a:r>
-            <a:r>
-              <a:rPr lang="nl-NL" sz="1100" b="0" i="0" dirty="0">
-                <a:solidFill>
-                  <a:srgbClr val="FF0000"/>
-                </a:solidFill>
-                <a:effectLst/>
-                <a:latin typeface="Söhne"/>
-              </a:rPr>
-              <a:t> ;</a:t>
-            </a:r>
-          </a:p>
-          <a:p>
-            <a:pPr algn="l"/>
-            <a:r>
-              <a:rPr lang="nl-NL" sz="1100" b="0" i="0" dirty="0">
-                <a:solidFill>
-                  <a:srgbClr val="FF0000"/>
-                </a:solidFill>
-                <a:effectLst/>
-                <a:latin typeface="Söhne"/>
-              </a:rPr>
-              <a:t>  </a:t>
-            </a:r>
-            <a:r>
-              <a:rPr lang="nl-NL" sz="1100" b="0" i="0" dirty="0" err="1">
-                <a:solidFill>
-                  <a:srgbClr val="FF0000"/>
-                </a:solidFill>
-                <a:effectLst/>
-                <a:latin typeface="Söhne"/>
-              </a:rPr>
-              <a:t>sh:property</a:t>
-            </a:r>
-            <a:r>
-              <a:rPr lang="nl-NL" sz="1100" b="0" i="0" dirty="0">
-                <a:solidFill>
-                  <a:srgbClr val="FF0000"/>
-                </a:solidFill>
-                <a:effectLst/>
-                <a:latin typeface="Söhne"/>
-              </a:rPr>
-              <a:t> [</a:t>
-            </a:r>
-          </a:p>
-          <a:p>
-            <a:pPr algn="l"/>
-            <a:r>
-              <a:rPr lang="nl-NL" sz="1100" b="0" i="0" dirty="0">
-                <a:solidFill>
-                  <a:srgbClr val="FF0000"/>
-                </a:solidFill>
-                <a:effectLst/>
-                <a:latin typeface="Söhne"/>
-              </a:rPr>
-              <a:t>    </a:t>
-            </a:r>
-            <a:r>
-              <a:rPr lang="nl-NL" sz="1100" b="0" i="0" dirty="0" err="1">
-                <a:solidFill>
-                  <a:srgbClr val="FF0000"/>
-                </a:solidFill>
-                <a:effectLst/>
-                <a:latin typeface="Söhne"/>
-              </a:rPr>
-              <a:t>sh:path</a:t>
-            </a:r>
-            <a:r>
-              <a:rPr lang="nl-NL" sz="1100" b="0" i="0" dirty="0">
-                <a:solidFill>
-                  <a:srgbClr val="FF0000"/>
-                </a:solidFill>
-                <a:effectLst/>
-                <a:latin typeface="Söhne"/>
-              </a:rPr>
-              <a:t> </a:t>
-            </a:r>
-            <a:r>
-              <a:rPr lang="nl-NL" sz="1100" b="0" i="0" dirty="0" err="1">
+              <a:rPr lang="en-US" sz="1400" b="0" i="0" dirty="0" err="1">
                 <a:solidFill>
                   <a:srgbClr val="FF0000"/>
                 </a:solidFill>
@@ -32886,343 +33156,164 @@
               <a:t>ex:hasName</a:t>
             </a:r>
             <a:r>
-              <a:rPr lang="nl-NL" sz="1100" b="0" i="0" dirty="0">
+              <a:rPr lang="en-US" sz="1400" b="0" i="0" dirty="0">
                 <a:solidFill>
                   <a:srgbClr val="FF0000"/>
                 </a:solidFill>
                 <a:effectLst/>
                 <a:latin typeface="Söhne"/>
               </a:rPr>
-              <a:t> ;</a:t>
+              <a:t> ?name .</a:t>
             </a:r>
           </a:p>
           <a:p>
             <a:pPr algn="l"/>
             <a:r>
-              <a:rPr lang="nl-NL" sz="1100" b="0" i="0" dirty="0">
+              <a:rPr lang="en-US" sz="1400" b="0" i="0" dirty="0">
                 <a:solidFill>
                   <a:srgbClr val="FF0000"/>
                 </a:solidFill>
                 <a:effectLst/>
                 <a:latin typeface="Söhne"/>
               </a:rPr>
-              <a:t>    </a:t>
+              <a:t>  ?cat </a:t>
             </a:r>
             <a:r>
-              <a:rPr lang="nl-NL" sz="1100" b="0" i="0" dirty="0" err="1">
+              <a:rPr lang="en-US" sz="1400" b="0" i="0" dirty="0" err="1">
                 <a:solidFill>
                   <a:srgbClr val="FF0000"/>
                 </a:solidFill>
                 <a:effectLst/>
                 <a:latin typeface="Söhne"/>
               </a:rPr>
-              <a:t>sh:minCount</a:t>
+              <a:t>ex:isPetOfType</a:t>
             </a:r>
             <a:r>
-              <a:rPr lang="nl-NL" sz="1100" b="0" i="0" dirty="0">
+              <a:rPr lang="en-US" sz="1400" b="0" i="0" dirty="0">
                 <a:solidFill>
                   <a:srgbClr val="FF0000"/>
                 </a:solidFill>
                 <a:effectLst/>
                 <a:latin typeface="Söhne"/>
               </a:rPr>
-              <a:t> 1 ;</a:t>
+              <a:t> "cat" .</a:t>
             </a:r>
           </a:p>
           <a:p>
             <a:pPr algn="l"/>
             <a:r>
-              <a:rPr lang="nl-NL" sz="1100" b="0" i="0" dirty="0">
+              <a:rPr lang="en-US" sz="1400" b="0" i="0" dirty="0">
                 <a:solidFill>
                   <a:srgbClr val="FF0000"/>
                 </a:solidFill>
                 <a:effectLst/>
                 <a:latin typeface="Söhne"/>
               </a:rPr>
-              <a:t>  ] ;</a:t>
+              <a:t>}</a:t>
             </a:r>
           </a:p>
           <a:p>
             <a:pPr algn="l"/>
             <a:r>
-              <a:rPr lang="nl-NL" sz="1100" b="0" i="0" dirty="0">
-                <a:solidFill>
-                  <a:srgbClr val="FF0000"/>
+              <a:rPr lang="en-US" sz="1600" dirty="0">
+                <a:solidFill>
+                  <a:srgbClr val="0D0D0D"/>
+                </a:solidFill>
+                <a:latin typeface="Söhne"/>
+              </a:rPr>
+              <a:t>----------------------------------------------------------------------</a:t>
+            </a:r>
+          </a:p>
+          <a:p>
+            <a:pPr algn="l"/>
+            <a:r>
+              <a:rPr lang="nl-NL" sz="1400" b="0" i="0" dirty="0">
+                <a:solidFill>
+                  <a:srgbClr val="0D0D0D"/>
                 </a:solidFill>
                 <a:effectLst/>
                 <a:latin typeface="Söhne"/>
               </a:rPr>
-              <a:t>  </a:t>
+              <a:t>Deze SPARQL-query zoekt naar </a:t>
             </a:r>
             <a:r>
-              <a:rPr lang="nl-NL" sz="1100" b="0" i="0" dirty="0" err="1">
-                <a:solidFill>
-                  <a:srgbClr val="FF0000"/>
+              <a:rPr lang="nl-NL" sz="1400" b="0" i="0" dirty="0" err="1">
+                <a:solidFill>
+                  <a:srgbClr val="0D0D0D"/>
                 </a:solidFill>
                 <a:effectLst/>
                 <a:latin typeface="Söhne"/>
               </a:rPr>
-              <a:t>sh:property</a:t>
+              <a:t>triples</a:t>
             </a:r>
             <a:r>
-              <a:rPr lang="nl-NL" sz="1100" b="0" i="0" dirty="0">
-                <a:solidFill>
-                  <a:srgbClr val="FF0000"/>
+              <a:rPr lang="nl-NL" sz="1400" b="0" i="0" dirty="0">
+                <a:solidFill>
+                  <a:srgbClr val="0D0D0D"/>
                 </a:solidFill>
                 <a:effectLst/>
                 <a:latin typeface="Söhne"/>
               </a:rPr>
-              <a:t> [</a:t>
+              <a:t> waarbij het object een "</a:t>
             </a:r>
-          </a:p>
-          <a:p>
-            <a:pPr algn="l"/>
             <a:r>
-              <a:rPr lang="nl-NL" sz="1100" b="0" i="0" dirty="0">
-                <a:solidFill>
-                  <a:srgbClr val="FF0000"/>
+              <a:rPr lang="nl-NL" sz="1400" b="0" i="0" dirty="0" err="1">
+                <a:solidFill>
+                  <a:srgbClr val="0D0D0D"/>
                 </a:solidFill>
                 <a:effectLst/>
                 <a:latin typeface="Söhne"/>
               </a:rPr>
-              <a:t>    </a:t>
+              <a:t>cat</a:t>
             </a:r>
             <a:r>
-              <a:rPr lang="nl-NL" sz="1100" b="0" i="0" dirty="0" err="1">
-                <a:solidFill>
-                  <a:srgbClr val="FF0000"/>
+              <a:rPr lang="nl-NL" sz="1400" b="0" i="0" dirty="0">
+                <a:solidFill>
+                  <a:srgbClr val="0D0D0D"/>
                 </a:solidFill>
                 <a:effectLst/>
                 <a:latin typeface="Söhne"/>
               </a:rPr>
-              <a:t>sh:path</a:t>
+              <a:t>" is en haalt vervolgens de naam van de katten op. De PREFIX-verklaring wordt gebruikt om een afkorting te maken voor het URI-voorvoegsel "</a:t>
             </a:r>
             <a:r>
-              <a:rPr lang="nl-NL" sz="1100" b="0" i="0" dirty="0">
-                <a:solidFill>
-                  <a:srgbClr val="FF0000"/>
+              <a:rPr lang="nl-NL" sz="1400" b="0" i="0" u="none" strike="noStrike" dirty="0">
+                <a:solidFill>
+                  <a:srgbClr val="0D0D0D"/>
+                </a:solidFill>
+                <a:effectLst/>
+                <a:latin typeface="Söhne"/>
+                <a:hlinkClick r:id="rId3"/>
+              </a:rPr>
+              <a:t>http://example.org/</a:t>
+            </a:r>
+            <a:r>
+              <a:rPr lang="nl-NL" sz="1400" b="0" i="0" dirty="0">
+                <a:solidFill>
+                  <a:srgbClr val="0D0D0D"/>
                 </a:solidFill>
                 <a:effectLst/>
                 <a:latin typeface="Söhne"/>
               </a:rPr>
-              <a:t> </a:t>
+              <a:t>", wat het gemakkelijker maakt om de eigenschappen in de query te verwijzen.</a:t>
             </a:r>
+          </a:p>
+          <a:p>
+            <a:pPr algn="l"/>
             <a:r>
-              <a:rPr lang="nl-NL" sz="1100" b="0" i="0" dirty="0" err="1">
-                <a:solidFill>
-                  <a:srgbClr val="FF0000"/>
+              <a:rPr lang="nl-NL" sz="1400" b="0" i="0" dirty="0">
+                <a:solidFill>
+                  <a:srgbClr val="0D0D0D"/>
                 </a:solidFill>
                 <a:effectLst/>
                 <a:latin typeface="Söhne"/>
               </a:rPr>
-              <a:t>ex:hasAge</a:t>
+              <a:t>Als we deze query uitvoeren op de RDF-dataset, zullen we de namen van alle katten krijgen die in de dataset zijn opgenomen.</a:t>
             </a:r>
-            <a:r>
-              <a:rPr lang="nl-NL" sz="1100" b="0" i="0" dirty="0">
-                <a:solidFill>
-                  <a:srgbClr val="FF0000"/>
-                </a:solidFill>
-                <a:effectLst/>
-                <a:latin typeface="Söhne"/>
-              </a:rPr>
-              <a:t> ;</a:t>
-            </a:r>
           </a:p>
           <a:p>
             <a:pPr algn="l"/>
-            <a:r>
-              <a:rPr lang="nl-NL" sz="1100" b="0" i="0" dirty="0">
-                <a:solidFill>
-                  <a:srgbClr val="FF0000"/>
-                </a:solidFill>
-                <a:effectLst/>
-                <a:latin typeface="Söhne"/>
-              </a:rPr>
-              <a:t>    </a:t>
-            </a:r>
-            <a:r>
-              <a:rPr lang="nl-NL" sz="1100" b="0" i="0" dirty="0" err="1">
-                <a:solidFill>
-                  <a:srgbClr val="FF0000"/>
-                </a:solidFill>
-                <a:effectLst/>
-                <a:latin typeface="Söhne"/>
-              </a:rPr>
-              <a:t>sh:minCount</a:t>
-            </a:r>
-            <a:r>
-              <a:rPr lang="nl-NL" sz="1100" b="0" i="0" dirty="0">
-                <a:solidFill>
-                  <a:srgbClr val="FF0000"/>
-                </a:solidFill>
-                <a:effectLst/>
-                <a:latin typeface="Söhne"/>
-              </a:rPr>
-              <a:t> 1 ;</a:t>
-            </a:r>
-          </a:p>
-          <a:p>
-            <a:pPr algn="l"/>
-            <a:r>
-              <a:rPr lang="nl-NL" sz="1100" b="0" i="0" dirty="0">
-                <a:solidFill>
-                  <a:srgbClr val="FF0000"/>
-                </a:solidFill>
-                <a:effectLst/>
-                <a:latin typeface="Söhne"/>
-              </a:rPr>
-              <a:t>    </a:t>
-            </a:r>
-            <a:r>
-              <a:rPr lang="nl-NL" sz="1100" b="0" i="0" dirty="0" err="1">
-                <a:solidFill>
-                  <a:srgbClr val="FF0000"/>
-                </a:solidFill>
-                <a:effectLst/>
-                <a:latin typeface="Söhne"/>
-              </a:rPr>
-              <a:t>sh:datatype</a:t>
-            </a:r>
-            <a:r>
-              <a:rPr lang="nl-NL" sz="1100" b="0" i="0" dirty="0">
-                <a:solidFill>
-                  <a:srgbClr val="FF0000"/>
-                </a:solidFill>
-                <a:effectLst/>
-                <a:latin typeface="Söhne"/>
-              </a:rPr>
-              <a:t> </a:t>
-            </a:r>
-            <a:r>
-              <a:rPr lang="nl-NL" sz="1100" b="0" i="0" dirty="0" err="1">
-                <a:solidFill>
-                  <a:srgbClr val="FF0000"/>
-                </a:solidFill>
-                <a:effectLst/>
-                <a:latin typeface="Söhne"/>
-              </a:rPr>
-              <a:t>xsd:integer</a:t>
-            </a:r>
-            <a:r>
-              <a:rPr lang="nl-NL" sz="1100" b="0" i="0" dirty="0">
-                <a:solidFill>
-                  <a:srgbClr val="FF0000"/>
-                </a:solidFill>
-                <a:effectLst/>
-                <a:latin typeface="Söhne"/>
-              </a:rPr>
-              <a:t> ;</a:t>
-            </a:r>
-          </a:p>
-          <a:p>
-            <a:pPr algn="l"/>
-            <a:r>
-              <a:rPr lang="nl-NL" sz="1100" b="0" i="0" dirty="0">
-                <a:solidFill>
-                  <a:srgbClr val="FF0000"/>
-                </a:solidFill>
-                <a:effectLst/>
-                <a:latin typeface="Söhne"/>
-              </a:rPr>
-              <a:t>  ] .</a:t>
-            </a:r>
-          </a:p>
-          <a:p>
-            <a:pPr algn="l"/>
-            <a:endParaRPr lang="nl-NL" sz="1400" dirty="0">
-              <a:solidFill>
-                <a:srgbClr val="0D0D0D"/>
-              </a:solidFill>
-              <a:latin typeface="Söhne"/>
-            </a:endParaRPr>
-          </a:p>
-          <a:p>
-            <a:pPr algn="l"/>
-            <a:r>
-              <a:rPr lang="nl-NL" sz="1400" dirty="0">
-                <a:solidFill>
-                  <a:srgbClr val="0D0D0D"/>
-                </a:solidFill>
-                <a:latin typeface="Söhne"/>
-              </a:rPr>
-              <a:t>In dit SHACL-schema definiëren we een </a:t>
-            </a:r>
-            <a:r>
-              <a:rPr lang="nl-NL" sz="1400" dirty="0" err="1">
-                <a:solidFill>
-                  <a:srgbClr val="0D0D0D"/>
-                </a:solidFill>
-                <a:latin typeface="Söhne"/>
-              </a:rPr>
-              <a:t>shape</a:t>
-            </a:r>
-            <a:r>
-              <a:rPr lang="nl-NL" sz="1400" dirty="0">
-                <a:solidFill>
-                  <a:srgbClr val="0D0D0D"/>
-                </a:solidFill>
-                <a:latin typeface="Söhne"/>
-              </a:rPr>
-              <a:t> genaamd `</a:t>
-            </a:r>
-            <a:r>
-              <a:rPr lang="nl-NL" sz="1400" dirty="0" err="1">
-                <a:solidFill>
-                  <a:srgbClr val="0D0D0D"/>
-                </a:solidFill>
-                <a:latin typeface="Söhne"/>
-              </a:rPr>
-              <a:t>ex:CatShape</a:t>
-            </a:r>
-            <a:r>
-              <a:rPr lang="nl-NL" sz="1400" dirty="0">
-                <a:solidFill>
-                  <a:srgbClr val="0D0D0D"/>
-                </a:solidFill>
-                <a:latin typeface="Söhne"/>
-              </a:rPr>
-              <a:t>`, die van toepassing is op alle instanties van de klasse `</a:t>
-            </a:r>
-            <a:r>
-              <a:rPr lang="nl-NL" sz="1400" dirty="0" err="1">
-                <a:solidFill>
-                  <a:srgbClr val="0D0D0D"/>
-                </a:solidFill>
-                <a:latin typeface="Söhne"/>
-              </a:rPr>
-              <a:t>ex:Cat</a:t>
-            </a:r>
-            <a:r>
-              <a:rPr lang="nl-NL" sz="1400" dirty="0">
-                <a:solidFill>
-                  <a:srgbClr val="0D0D0D"/>
-                </a:solidFill>
-                <a:latin typeface="Söhne"/>
-              </a:rPr>
-              <a:t>`. De </a:t>
-            </a:r>
-            <a:r>
-              <a:rPr lang="nl-NL" sz="1400" dirty="0" err="1">
-                <a:solidFill>
-                  <a:srgbClr val="0D0D0D"/>
-                </a:solidFill>
-                <a:latin typeface="Söhne"/>
-              </a:rPr>
-              <a:t>shape</a:t>
-            </a:r>
-            <a:r>
-              <a:rPr lang="nl-NL" sz="1400" dirty="0">
-                <a:solidFill>
-                  <a:srgbClr val="0D0D0D"/>
-                </a:solidFill>
-                <a:latin typeface="Söhne"/>
-              </a:rPr>
-              <a:t> specificeert dat een kat ten minste één naam en één leeftijd moet hebben. Ook hebben we aangegeven dat de leeftijd een integer moet zijn. Nu kunnen we dit SHACL-schema gebruiken om onze RDF-dataset te valideren en te controleren of de katteninformatie correct is gestructureerd volgens deze regels.</a:t>
-            </a:r>
-          </a:p>
-          <a:p>
-            <a:pPr algn="l"/>
-            <a:endParaRPr lang="nl-NL" sz="1400" b="0" i="0" dirty="0">
+            <a:endParaRPr lang="en-US" sz="1600" b="0" i="0" dirty="0">
               <a:solidFill>
                 <a:srgbClr val="0D0D0D"/>
               </a:solidFill>
@@ -33232,13 +33323,61 @@
           </a:p>
           <a:p>
             <a:pPr algn="l"/>
-            <a:endParaRPr lang="nl-NL" sz="1400" b="0" i="0" dirty="0">
+            <a:endParaRPr lang="en-US" sz="1600" b="0" i="0" dirty="0">
               <a:solidFill>
                 <a:srgbClr val="0D0D0D"/>
               </a:solidFill>
               <a:effectLst/>
               <a:latin typeface="Söhne"/>
             </a:endParaRPr>
+          </a:p>
+          <a:p>
+            <a:pPr algn="l"/>
+            <a:endParaRPr lang="nl-NL" sz="1600" b="0" i="0" dirty="0">
+              <a:solidFill>
+                <a:srgbClr val="0D0D0D"/>
+              </a:solidFill>
+              <a:effectLst/>
+              <a:latin typeface="Söhne"/>
+            </a:endParaRPr>
+          </a:p>
+          <a:p>
+            <a:pPr algn="l"/>
+            <a:endParaRPr lang="en-US" sz="2000" dirty="0">
+              <a:latin typeface="Calibri" panose="020F0502020204030204" pitchFamily="34" charset="0"/>
+              <a:ea typeface="Calibri" panose="020F0502020204030204" pitchFamily="34" charset="0"/>
+              <a:cs typeface="Times New Roman" panose="02020603050405020304" pitchFamily="18" charset="0"/>
+            </a:endParaRPr>
+          </a:p>
+          <a:p>
+            <a:pPr marL="342900" indent="-342900">
+              <a:buFont typeface="Arial" panose="020B0604020202020204" pitchFamily="34" charset="0"/>
+              <a:buChar char="•"/>
+            </a:pPr>
+            <a:endParaRPr lang="en-US" sz="2000" dirty="0">
+              <a:effectLst/>
+              <a:latin typeface="Calibri" panose="020F0502020204030204" pitchFamily="34" charset="0"/>
+              <a:ea typeface="Calibri" panose="020F0502020204030204" pitchFamily="34" charset="0"/>
+              <a:cs typeface="Times New Roman" panose="02020603050405020304" pitchFamily="18" charset="0"/>
+            </a:endParaRPr>
+          </a:p>
+          <a:p>
+            <a:endParaRPr lang="en-US" sz="2000" i="1" dirty="0">
+              <a:latin typeface="Calibri" panose="020F0502020204030204" pitchFamily="34" charset="0"/>
+              <a:ea typeface="Calibri" panose="020F0502020204030204" pitchFamily="34" charset="0"/>
+              <a:cs typeface="Times New Roman" panose="02020603050405020304" pitchFamily="18" charset="0"/>
+            </a:endParaRPr>
+          </a:p>
+          <a:p>
+            <a:endParaRPr lang="en-US" sz="2000" i="1" dirty="0">
+              <a:effectLst/>
+              <a:latin typeface="Calibri" panose="020F0502020204030204" pitchFamily="34" charset="0"/>
+              <a:ea typeface="Calibri" panose="020F0502020204030204" pitchFamily="34" charset="0"/>
+              <a:cs typeface="Times New Roman" panose="02020603050405020304" pitchFamily="18" charset="0"/>
+            </a:endParaRPr>
+          </a:p>
+          <a:p>
+            <a:endParaRPr lang="nl-NL" dirty="0"/>
           </a:p>
         </p:txBody>
       </p:sp>
@@ -33526,6 +33665,2153 @@
       </p:sp>
       <p:pic>
         <p:nvPicPr>
+          <p:cNvPr id="8" name="Afbeelding 7">
+            <a:extLst>
+              <a:ext uri="{FF2B5EF4-FFF2-40B4-BE49-F238E27FC236}">
+                <a16:creationId xmlns:a16="http://schemas.microsoft.com/office/drawing/2014/main" id="{B0E8AECE-ECFB-ADA0-E2E8-F46B6C2DC738}"/>
+              </a:ext>
+            </a:extLst>
+          </p:cNvPr>
+          <p:cNvPicPr>
+            <a:picLocks noChangeAspect="1"/>
+          </p:cNvPicPr>
+          <p:nvPr/>
+        </p:nvPicPr>
+        <p:blipFill>
+          <a:blip r:embed="rId4"/>
+          <a:stretch>
+            <a:fillRect/>
+          </a:stretch>
+        </p:blipFill>
+        <p:spPr>
+          <a:xfrm>
+            <a:off x="9498520" y="2596732"/>
+            <a:ext cx="1580997" cy="2656360"/>
+          </a:xfrm>
+          <a:prstGeom prst="rect">
+            <a:avLst/>
+          </a:prstGeom>
+        </p:spPr>
+      </p:pic>
+    </p:spTree>
+    <p:extLst>
+      <p:ext uri="{BB962C8B-B14F-4D97-AF65-F5344CB8AC3E}">
+        <p14:creationId xmlns:p14="http://schemas.microsoft.com/office/powerpoint/2010/main" val="2216068714"/>
+      </p:ext>
+    </p:extLst>
+  </p:cSld>
+  <p:clrMapOvr>
+    <a:masterClrMapping/>
+  </p:clrMapOvr>
+</p:sld>
+</file>
+
+<file path=ppt/slides/slide11.xml><?xml version="1.0" encoding="utf-8"?>
+<p:sld xmlns:a="http://schemas.openxmlformats.org/drawingml/2006/main" xmlns:r="http://schemas.openxmlformats.org/officeDocument/2006/relationships" xmlns:p="http://schemas.openxmlformats.org/presentationml/2006/main">
+  <p:cSld>
+    <p:spTree>
+      <p:nvGrpSpPr>
+        <p:cNvPr id="1" name=""/>
+        <p:cNvGrpSpPr/>
+        <p:nvPr/>
+      </p:nvGrpSpPr>
+      <p:grpSpPr>
+        <a:xfrm>
+          <a:off x="0" y="0"/>
+          <a:ext cx="0" cy="0"/>
+          <a:chOff x="0" y="0"/>
+          <a:chExt cx="0" cy="0"/>
+        </a:xfrm>
+      </p:grpSpPr>
+      <p:sp>
+        <p:nvSpPr>
+          <p:cNvPr id="2" name="Titel 1">
+            <a:extLst>
+              <a:ext uri="{FF2B5EF4-FFF2-40B4-BE49-F238E27FC236}">
+                <a16:creationId xmlns:a16="http://schemas.microsoft.com/office/drawing/2014/main" id="{66EECF1F-3A3A-48A9-AF99-34EA2FE500E0}"/>
+              </a:ext>
+            </a:extLst>
+          </p:cNvPr>
+          <p:cNvSpPr>
+            <a:spLocks noGrp="1"/>
+          </p:cNvSpPr>
+          <p:nvPr>
+            <p:ph type="title"/>
+          </p:nvPr>
+        </p:nvSpPr>
+        <p:spPr/>
+        <p:txBody>
+          <a:bodyPr/>
+          <a:lstStyle/>
+          <a:p>
+            <a:r>
+              <a:rPr lang="nl-NL" dirty="0"/>
+              <a:t>Wat is SHACL ?</a:t>
+            </a:r>
+          </a:p>
+        </p:txBody>
+      </p:sp>
+      <p:sp>
+        <p:nvSpPr>
+          <p:cNvPr id="31" name="Tijdelijke aanduiding voor inhoud 6">
+            <a:extLst>
+              <a:ext uri="{FF2B5EF4-FFF2-40B4-BE49-F238E27FC236}">
+                <a16:creationId xmlns:a16="http://schemas.microsoft.com/office/drawing/2014/main" id="{38A2A9EE-75E8-49F9-EBD2-15C6298FC791}"/>
+              </a:ext>
+            </a:extLst>
+          </p:cNvPr>
+          <p:cNvSpPr txBox="1">
+            <a:spLocks/>
+          </p:cNvSpPr>
+          <p:nvPr/>
+        </p:nvSpPr>
+        <p:spPr>
+          <a:xfrm>
+            <a:off x="1481492" y="1294394"/>
+            <a:ext cx="9598025" cy="5010150"/>
+          </a:xfrm>
+          <a:prstGeom prst="rect">
+            <a:avLst/>
+          </a:prstGeom>
+        </p:spPr>
+        <p:txBody>
+          <a:bodyPr vert="horz" lIns="91440" tIns="45720" rIns="91440" bIns="45720" rtlCol="0" anchor="ctr">
+            <a:normAutofit/>
+          </a:bodyPr>
+          <a:lstStyle>
+            <a:lvl1pPr marL="344488" indent="-344488" algn="l" defTabSz="914400" rtl="0" eaLnBrk="1" latinLnBrk="0" hangingPunct="1">
+              <a:lnSpc>
+                <a:spcPct val="120000"/>
+              </a:lnSpc>
+              <a:spcBef>
+                <a:spcPts val="1000"/>
+              </a:spcBef>
+              <a:spcAft>
+                <a:spcPts val="600"/>
+              </a:spcAft>
+              <a:buClr>
+                <a:schemeClr val="accent6"/>
+              </a:buClr>
+              <a:buSzPct val="90000"/>
+              <a:buFont typeface="Wingdings" panose="05000000000000000000" pitchFamily="2" charset="2"/>
+              <a:buChar char="§"/>
+              <a:defRPr lang="en-US" sz="2000" b="0" kern="1200">
+                <a:solidFill>
+                  <a:schemeClr val="tx1"/>
+                </a:solidFill>
+                <a:effectLst/>
+                <a:latin typeface="+mn-lt"/>
+                <a:ea typeface="+mn-ea"/>
+                <a:cs typeface="+mn-cs"/>
+              </a:defRPr>
+            </a:lvl1pPr>
+            <a:lvl2pPr marL="795338" indent="-338138" algn="l" defTabSz="914400" rtl="0" eaLnBrk="1" latinLnBrk="0" hangingPunct="1">
+              <a:lnSpc>
+                <a:spcPct val="120000"/>
+              </a:lnSpc>
+              <a:spcBef>
+                <a:spcPts val="500"/>
+              </a:spcBef>
+              <a:spcAft>
+                <a:spcPts val="600"/>
+              </a:spcAft>
+              <a:buClr>
+                <a:schemeClr val="accent6"/>
+              </a:buClr>
+              <a:buSzPct val="90000"/>
+              <a:buFont typeface="Wingdings" panose="05000000000000000000" pitchFamily="2" charset="2"/>
+              <a:buChar char="§"/>
+              <a:defRPr lang="en-US" sz="1800" b="0" kern="1200">
+                <a:solidFill>
+                  <a:schemeClr val="tx1"/>
+                </a:solidFill>
+                <a:effectLst/>
+                <a:latin typeface="+mn-lt"/>
+                <a:ea typeface="+mn-ea"/>
+                <a:cs typeface="+mn-cs"/>
+              </a:defRPr>
+            </a:lvl2pPr>
+            <a:lvl3pPr marL="1258888" indent="-344488" algn="l" defTabSz="914400" rtl="0" eaLnBrk="1" latinLnBrk="0" hangingPunct="1">
+              <a:lnSpc>
+                <a:spcPct val="120000"/>
+              </a:lnSpc>
+              <a:spcBef>
+                <a:spcPts val="500"/>
+              </a:spcBef>
+              <a:spcAft>
+                <a:spcPts val="600"/>
+              </a:spcAft>
+              <a:buClr>
+                <a:schemeClr val="accent6"/>
+              </a:buClr>
+              <a:buSzPct val="90000"/>
+              <a:buFont typeface="Wingdings" panose="05000000000000000000" pitchFamily="2" charset="2"/>
+              <a:buChar char="§"/>
+              <a:defRPr lang="en-US" sz="1600" b="0" kern="1200">
+                <a:solidFill>
+                  <a:schemeClr val="tx1"/>
+                </a:solidFill>
+                <a:effectLst/>
+                <a:latin typeface="+mn-lt"/>
+                <a:ea typeface="+mn-ea"/>
+                <a:cs typeface="+mn-cs"/>
+              </a:defRPr>
+            </a:lvl3pPr>
+            <a:lvl4pPr marL="1709738" indent="-338138" algn="l" defTabSz="914400" rtl="0" eaLnBrk="1" latinLnBrk="0" hangingPunct="1">
+              <a:lnSpc>
+                <a:spcPct val="120000"/>
+              </a:lnSpc>
+              <a:spcBef>
+                <a:spcPts val="500"/>
+              </a:spcBef>
+              <a:spcAft>
+                <a:spcPts val="600"/>
+              </a:spcAft>
+              <a:buClr>
+                <a:schemeClr val="accent6"/>
+              </a:buClr>
+              <a:buSzPct val="90000"/>
+              <a:buFont typeface="Wingdings" panose="05000000000000000000" pitchFamily="2" charset="2"/>
+              <a:buChar char="§"/>
+              <a:defRPr lang="en-US" sz="1400" b="0" kern="1200">
+                <a:solidFill>
+                  <a:schemeClr val="tx1"/>
+                </a:solidFill>
+                <a:effectLst/>
+                <a:latin typeface="+mn-lt"/>
+                <a:ea typeface="+mn-ea"/>
+                <a:cs typeface="+mn-cs"/>
+              </a:defRPr>
+            </a:lvl4pPr>
+            <a:lvl5pPr marL="2173288" indent="-344488" algn="l" defTabSz="914400" rtl="0" eaLnBrk="1" latinLnBrk="0" hangingPunct="1">
+              <a:lnSpc>
+                <a:spcPct val="120000"/>
+              </a:lnSpc>
+              <a:spcBef>
+                <a:spcPts val="500"/>
+              </a:spcBef>
+              <a:spcAft>
+                <a:spcPts val="600"/>
+              </a:spcAft>
+              <a:buClr>
+                <a:schemeClr val="accent6"/>
+              </a:buClr>
+              <a:buSzPct val="90000"/>
+              <a:buFont typeface="Wingdings" panose="05000000000000000000" pitchFamily="2" charset="2"/>
+              <a:buChar char="§"/>
+              <a:defRPr lang="en-GB" sz="1200" b="0" kern="1200">
+                <a:solidFill>
+                  <a:schemeClr val="tx1"/>
+                </a:solidFill>
+                <a:effectLst/>
+                <a:latin typeface="+mn-lt"/>
+                <a:ea typeface="+mn-ea"/>
+                <a:cs typeface="+mn-cs"/>
+              </a:defRPr>
+            </a:lvl5pPr>
+            <a:lvl6pPr marL="2642616" indent="-338328" algn="l" defTabSz="914400" rtl="0" eaLnBrk="1" latinLnBrk="0" hangingPunct="1">
+              <a:lnSpc>
+                <a:spcPct val="120000"/>
+              </a:lnSpc>
+              <a:spcBef>
+                <a:spcPts val="500"/>
+              </a:spcBef>
+              <a:spcAft>
+                <a:spcPts val="600"/>
+              </a:spcAft>
+              <a:buClr>
+                <a:schemeClr val="accent6"/>
+              </a:buClr>
+              <a:buSzPct val="90000"/>
+              <a:buFont typeface="Wingdings" panose="05000000000000000000" pitchFamily="2" charset="2"/>
+              <a:buChar char="§"/>
+              <a:defRPr sz="1200" kern="1200" baseline="0">
+                <a:solidFill>
+                  <a:schemeClr val="tx1"/>
+                </a:solidFill>
+                <a:effectLst/>
+                <a:latin typeface="+mn-lt"/>
+                <a:ea typeface="+mn-ea"/>
+                <a:cs typeface="+mn-cs"/>
+              </a:defRPr>
+            </a:lvl6pPr>
+            <a:lvl7pPr marL="3108960" indent="-338328" algn="l" defTabSz="914400" rtl="0" eaLnBrk="1" latinLnBrk="0" hangingPunct="1">
+              <a:lnSpc>
+                <a:spcPct val="120000"/>
+              </a:lnSpc>
+              <a:spcBef>
+                <a:spcPts val="500"/>
+              </a:spcBef>
+              <a:spcAft>
+                <a:spcPts val="600"/>
+              </a:spcAft>
+              <a:buClr>
+                <a:schemeClr val="accent6"/>
+              </a:buClr>
+              <a:buSzPct val="90000"/>
+              <a:buFont typeface="Wingdings" panose="05000000000000000000" pitchFamily="2" charset="2"/>
+              <a:buChar char="§"/>
+              <a:defRPr sz="1200" kern="1200" baseline="0">
+                <a:solidFill>
+                  <a:schemeClr val="tx1"/>
+                </a:solidFill>
+                <a:effectLst/>
+                <a:latin typeface="+mn-lt"/>
+                <a:ea typeface="+mn-ea"/>
+                <a:cs typeface="+mn-cs"/>
+              </a:defRPr>
+            </a:lvl7pPr>
+            <a:lvl8pPr marL="3575304" indent="-338328" algn="l" defTabSz="914400" rtl="0" eaLnBrk="1" latinLnBrk="0" hangingPunct="1">
+              <a:lnSpc>
+                <a:spcPct val="120000"/>
+              </a:lnSpc>
+              <a:spcBef>
+                <a:spcPts val="500"/>
+              </a:spcBef>
+              <a:spcAft>
+                <a:spcPts val="600"/>
+              </a:spcAft>
+              <a:buClr>
+                <a:schemeClr val="accent6"/>
+              </a:buClr>
+              <a:buSzPct val="90000"/>
+              <a:buFont typeface="Wingdings" panose="05000000000000000000" pitchFamily="2" charset="2"/>
+              <a:buChar char="§"/>
+              <a:defRPr sz="1200" kern="1200" baseline="0">
+                <a:solidFill>
+                  <a:schemeClr val="tx1"/>
+                </a:solidFill>
+                <a:effectLst/>
+                <a:latin typeface="+mn-lt"/>
+                <a:ea typeface="+mn-ea"/>
+                <a:cs typeface="+mn-cs"/>
+              </a:defRPr>
+            </a:lvl8pPr>
+            <a:lvl9pPr marL="4041648" indent="-338328" algn="l" defTabSz="914400" rtl="0" eaLnBrk="1" latinLnBrk="0" hangingPunct="1">
+              <a:lnSpc>
+                <a:spcPct val="120000"/>
+              </a:lnSpc>
+              <a:spcBef>
+                <a:spcPts val="500"/>
+              </a:spcBef>
+              <a:spcAft>
+                <a:spcPts val="600"/>
+              </a:spcAft>
+              <a:buClr>
+                <a:schemeClr val="accent6"/>
+              </a:buClr>
+              <a:buSzPct val="90000"/>
+              <a:buFont typeface="Wingdings" panose="05000000000000000000" pitchFamily="2" charset="2"/>
+              <a:buChar char="§"/>
+              <a:defRPr sz="1200" kern="1200" baseline="0">
+                <a:solidFill>
+                  <a:schemeClr val="tx1"/>
+                </a:solidFill>
+                <a:effectLst/>
+                <a:latin typeface="+mn-lt"/>
+                <a:ea typeface="+mn-ea"/>
+                <a:cs typeface="+mn-cs"/>
+              </a:defRPr>
+            </a:lvl9pPr>
+          </a:lstStyle>
+          <a:p>
+            <a:pPr marL="0" indent="0">
+              <a:buFont typeface="Wingdings" panose="05000000000000000000" pitchFamily="2" charset="2"/>
+              <a:buNone/>
+            </a:pPr>
+            <a:endParaRPr lang="nl-NL" dirty="0"/>
+          </a:p>
+        </p:txBody>
+      </p:sp>
+      <p:sp>
+        <p:nvSpPr>
+          <p:cNvPr id="4" name="Tekstvak 3">
+            <a:extLst>
+              <a:ext uri="{FF2B5EF4-FFF2-40B4-BE49-F238E27FC236}">
+                <a16:creationId xmlns:a16="http://schemas.microsoft.com/office/drawing/2014/main" id="{0D450E02-4A61-8A4F-DFCB-076C0CA610BB}"/>
+              </a:ext>
+            </a:extLst>
+          </p:cNvPr>
+          <p:cNvSpPr txBox="1"/>
+          <p:nvPr/>
+        </p:nvSpPr>
+        <p:spPr>
+          <a:xfrm>
+            <a:off x="1013730" y="1086919"/>
+            <a:ext cx="10164539" cy="4031873"/>
+          </a:xfrm>
+          <a:prstGeom prst="rect">
+            <a:avLst/>
+          </a:prstGeom>
+          <a:noFill/>
+        </p:spPr>
+        <p:txBody>
+          <a:bodyPr wrap="square" rtlCol="0">
+            <a:spAutoFit/>
+          </a:bodyPr>
+          <a:lstStyle/>
+          <a:p>
+            <a:pPr algn="l"/>
+            <a:br>
+              <a:rPr lang="nl-NL" sz="1600" b="0" i="0" dirty="0">
+                <a:solidFill>
+                  <a:srgbClr val="0D0D0D"/>
+                </a:solidFill>
+                <a:effectLst/>
+                <a:latin typeface="Söhne"/>
+              </a:rPr>
+            </a:br>
+            <a:r>
+              <a:rPr lang="nl-NL" sz="1600" b="0" i="0" dirty="0">
+                <a:solidFill>
+                  <a:srgbClr val="0D0D0D"/>
+                </a:solidFill>
+                <a:effectLst/>
+                <a:latin typeface="Söhne"/>
+              </a:rPr>
+              <a:t>SHACL staat voor "</a:t>
+            </a:r>
+            <a:r>
+              <a:rPr lang="nl-NL" sz="1600" b="0" i="0" dirty="0" err="1">
+                <a:solidFill>
+                  <a:srgbClr val="0D0D0D"/>
+                </a:solidFill>
+                <a:effectLst/>
+                <a:latin typeface="Söhne"/>
+              </a:rPr>
+              <a:t>Shapes</a:t>
+            </a:r>
+            <a:r>
+              <a:rPr lang="nl-NL" sz="1600" b="0" i="0" dirty="0">
+                <a:solidFill>
+                  <a:srgbClr val="0D0D0D"/>
+                </a:solidFill>
+                <a:effectLst/>
+                <a:latin typeface="Söhne"/>
+              </a:rPr>
+              <a:t> </a:t>
+            </a:r>
+            <a:r>
+              <a:rPr lang="nl-NL" sz="1600" b="0" i="0" dirty="0" err="1">
+                <a:solidFill>
+                  <a:srgbClr val="0D0D0D"/>
+                </a:solidFill>
+                <a:effectLst/>
+                <a:latin typeface="Söhne"/>
+              </a:rPr>
+              <a:t>Constraint</a:t>
+            </a:r>
+            <a:r>
+              <a:rPr lang="nl-NL" sz="1600" b="0" i="0" dirty="0">
+                <a:solidFill>
+                  <a:srgbClr val="0D0D0D"/>
+                </a:solidFill>
+                <a:effectLst/>
+                <a:latin typeface="Söhne"/>
+              </a:rPr>
+              <a:t> Language" en is een W3C-standaard voor het valideren van RDF-gegevens tegen gestelde schema's, ook wel "</a:t>
+            </a:r>
+            <a:r>
+              <a:rPr lang="nl-NL" sz="1600" b="0" i="0" dirty="0" err="1">
+                <a:solidFill>
+                  <a:srgbClr val="0D0D0D"/>
+                </a:solidFill>
+                <a:effectLst/>
+                <a:latin typeface="Söhne"/>
+              </a:rPr>
+              <a:t>shapes</a:t>
+            </a:r>
+            <a:r>
+              <a:rPr lang="nl-NL" sz="1600" b="0" i="0" dirty="0">
+                <a:solidFill>
+                  <a:srgbClr val="0D0D0D"/>
+                </a:solidFill>
+                <a:effectLst/>
+                <a:latin typeface="Söhne"/>
+              </a:rPr>
+              <a:t>" genoemd.</a:t>
+            </a:r>
+          </a:p>
+          <a:p>
+            <a:pPr algn="l"/>
+            <a:endParaRPr lang="nl-NL" sz="1600" b="0" i="0" dirty="0">
+              <a:solidFill>
+                <a:srgbClr val="0D0D0D"/>
+              </a:solidFill>
+              <a:effectLst/>
+              <a:latin typeface="Söhne"/>
+            </a:endParaRPr>
+          </a:p>
+          <a:p>
+            <a:pPr algn="l"/>
+            <a:r>
+              <a:rPr lang="nl-NL" sz="1600" b="0" i="0" dirty="0">
+                <a:solidFill>
+                  <a:srgbClr val="0D0D0D"/>
+                </a:solidFill>
+                <a:effectLst/>
+                <a:latin typeface="Söhne"/>
+              </a:rPr>
+              <a:t>Met SHACL kunnen ontwikkelaars gedetailleerde specificaties maken over hoe RDF-gegevens moeten worden gestructureerd en welke beperkingen er gelden voor de waarden van eigenschappen. Deze specificaties kunnen onder meer aangeven welke eigenschappen verplicht zijn, welke waarden deze eigenschappen kunnen aannemen, hoeveel herhalingen van een eigenschap zijn toegestaan, enzovoort.</a:t>
+            </a:r>
+          </a:p>
+          <a:p>
+            <a:pPr algn="l"/>
+            <a:endParaRPr lang="nl-NL" sz="1600" b="0" i="0" dirty="0">
+              <a:solidFill>
+                <a:srgbClr val="0D0D0D"/>
+              </a:solidFill>
+              <a:effectLst/>
+              <a:latin typeface="Söhne"/>
+            </a:endParaRPr>
+          </a:p>
+          <a:p>
+            <a:pPr algn="l"/>
+            <a:r>
+              <a:rPr lang="nl-NL" sz="1600" b="0" i="0" dirty="0">
+                <a:solidFill>
+                  <a:srgbClr val="0D0D0D"/>
+                </a:solidFill>
+                <a:effectLst/>
+                <a:latin typeface="Söhne"/>
+              </a:rPr>
+              <a:t>SHACL-schema's worden zelf gemodelleerd als RDF-gegevens en kunnen worden gebruikt om de kwaliteit en consistentie van RDF-gegevens te verbeteren. Door gegevens te valideren tegen SHACL-</a:t>
+            </a:r>
+            <a:r>
+              <a:rPr lang="nl-NL" sz="1600" b="0" i="0" dirty="0" err="1">
+                <a:solidFill>
+                  <a:srgbClr val="0D0D0D"/>
+                </a:solidFill>
+                <a:effectLst/>
+                <a:latin typeface="Söhne"/>
+              </a:rPr>
+              <a:t>shapes</a:t>
+            </a:r>
+            <a:r>
+              <a:rPr lang="nl-NL" sz="1600" b="0" i="0" dirty="0">
+                <a:solidFill>
+                  <a:srgbClr val="0D0D0D"/>
+                </a:solidFill>
+                <a:effectLst/>
+                <a:latin typeface="Söhne"/>
+              </a:rPr>
+              <a:t>, kunnen ontwikkelaars ervoor zorgen dat de gepubliceerde gegevens voldoen aan de gewenste criteria en interoperabiliteit tussen verschillende gegevensbronnen mogelijk maken.</a:t>
+            </a:r>
+          </a:p>
+          <a:p>
+            <a:pPr algn="l"/>
+            <a:endParaRPr lang="nl-NL" sz="1600" b="0" i="0" dirty="0">
+              <a:solidFill>
+                <a:srgbClr val="0D0D0D"/>
+              </a:solidFill>
+              <a:effectLst/>
+              <a:latin typeface="Söhne"/>
+            </a:endParaRPr>
+          </a:p>
+          <a:p>
+            <a:pPr algn="l"/>
+            <a:r>
+              <a:rPr lang="nl-NL" sz="1600" b="0" i="0" dirty="0">
+                <a:solidFill>
+                  <a:srgbClr val="0D0D0D"/>
+                </a:solidFill>
+                <a:effectLst/>
+                <a:latin typeface="Söhne"/>
+              </a:rPr>
+              <a:t>Kortom, SHACL is een belangrijk instrument binnen het ecosysteem van Linked Data, waarmee ontwikkelaars de kwaliteit en consistentie van RDF-gegevens kunnen waarborgen.</a:t>
+            </a:r>
+          </a:p>
+        </p:txBody>
+      </p:sp>
+      <p:sp>
+        <p:nvSpPr>
+          <p:cNvPr id="3" name="Tijdelijke aanduiding voor inhoud 6">
+            <a:extLst>
+              <a:ext uri="{FF2B5EF4-FFF2-40B4-BE49-F238E27FC236}">
+                <a16:creationId xmlns:a16="http://schemas.microsoft.com/office/drawing/2014/main" id="{6D4D8CBC-C048-05BA-A92A-FF4531F28891}"/>
+              </a:ext>
+            </a:extLst>
+          </p:cNvPr>
+          <p:cNvSpPr txBox="1">
+            <a:spLocks/>
+          </p:cNvSpPr>
+          <p:nvPr/>
+        </p:nvSpPr>
+        <p:spPr>
+          <a:xfrm>
+            <a:off x="10084378" y="5595730"/>
+            <a:ext cx="1182175" cy="1262270"/>
+          </a:xfrm>
+          <a:prstGeom prst="rect">
+            <a:avLst/>
+          </a:prstGeom>
+        </p:spPr>
+        <p:txBody>
+          <a:bodyPr vert="horz" lIns="91440" tIns="45720" rIns="91440" bIns="45720" rtlCol="0" anchor="ctr">
+            <a:normAutofit/>
+          </a:bodyPr>
+          <a:lstStyle>
+            <a:lvl1pPr marL="344488" indent="-344488" algn="l" defTabSz="914400" rtl="0" eaLnBrk="1" latinLnBrk="0" hangingPunct="1">
+              <a:lnSpc>
+                <a:spcPct val="120000"/>
+              </a:lnSpc>
+              <a:spcBef>
+                <a:spcPts val="1000"/>
+              </a:spcBef>
+              <a:spcAft>
+                <a:spcPts val="600"/>
+              </a:spcAft>
+              <a:buClr>
+                <a:schemeClr val="accent6"/>
+              </a:buClr>
+              <a:buSzPct val="90000"/>
+              <a:buFont typeface="Wingdings" panose="05000000000000000000" pitchFamily="2" charset="2"/>
+              <a:buChar char="§"/>
+              <a:defRPr sz="2000" kern="1200">
+                <a:solidFill>
+                  <a:schemeClr val="tx1"/>
+                </a:solidFill>
+                <a:effectLst/>
+                <a:latin typeface="+mn-lt"/>
+                <a:ea typeface="+mn-ea"/>
+                <a:cs typeface="+mn-cs"/>
+              </a:defRPr>
+            </a:lvl1pPr>
+            <a:lvl2pPr marL="795338" indent="-338138" algn="l" defTabSz="914400" rtl="0" eaLnBrk="1" latinLnBrk="0" hangingPunct="1">
+              <a:lnSpc>
+                <a:spcPct val="120000"/>
+              </a:lnSpc>
+              <a:spcBef>
+                <a:spcPts val="500"/>
+              </a:spcBef>
+              <a:spcAft>
+                <a:spcPts val="600"/>
+              </a:spcAft>
+              <a:buClr>
+                <a:schemeClr val="accent6"/>
+              </a:buClr>
+              <a:buSzPct val="90000"/>
+              <a:buFont typeface="Wingdings" panose="05000000000000000000" pitchFamily="2" charset="2"/>
+              <a:buChar char="§"/>
+              <a:defRPr sz="1800" kern="1200">
+                <a:solidFill>
+                  <a:schemeClr val="tx1"/>
+                </a:solidFill>
+                <a:effectLst/>
+                <a:latin typeface="+mn-lt"/>
+                <a:ea typeface="+mn-ea"/>
+                <a:cs typeface="+mn-cs"/>
+              </a:defRPr>
+            </a:lvl2pPr>
+            <a:lvl3pPr marL="1258888" indent="-344488" algn="l" defTabSz="914400" rtl="0" eaLnBrk="1" latinLnBrk="0" hangingPunct="1">
+              <a:lnSpc>
+                <a:spcPct val="120000"/>
+              </a:lnSpc>
+              <a:spcBef>
+                <a:spcPts val="500"/>
+              </a:spcBef>
+              <a:spcAft>
+                <a:spcPts val="600"/>
+              </a:spcAft>
+              <a:buClr>
+                <a:schemeClr val="accent6"/>
+              </a:buClr>
+              <a:buSzPct val="90000"/>
+              <a:buFont typeface="Wingdings" panose="05000000000000000000" pitchFamily="2" charset="2"/>
+              <a:buChar char="§"/>
+              <a:defRPr sz="1600" kern="1200">
+                <a:solidFill>
+                  <a:schemeClr val="tx1"/>
+                </a:solidFill>
+                <a:effectLst/>
+                <a:latin typeface="+mn-lt"/>
+                <a:ea typeface="+mn-ea"/>
+                <a:cs typeface="+mn-cs"/>
+              </a:defRPr>
+            </a:lvl3pPr>
+            <a:lvl4pPr marL="1709738" indent="-338138" algn="l" defTabSz="914400" rtl="0" eaLnBrk="1" latinLnBrk="0" hangingPunct="1">
+              <a:lnSpc>
+                <a:spcPct val="120000"/>
+              </a:lnSpc>
+              <a:spcBef>
+                <a:spcPts val="500"/>
+              </a:spcBef>
+              <a:spcAft>
+                <a:spcPts val="600"/>
+              </a:spcAft>
+              <a:buClr>
+                <a:schemeClr val="accent6"/>
+              </a:buClr>
+              <a:buSzPct val="90000"/>
+              <a:buFont typeface="Wingdings" panose="05000000000000000000" pitchFamily="2" charset="2"/>
+              <a:buChar char="§"/>
+              <a:defRPr sz="1400" kern="1200">
+                <a:solidFill>
+                  <a:schemeClr val="tx1"/>
+                </a:solidFill>
+                <a:effectLst/>
+                <a:latin typeface="+mn-lt"/>
+                <a:ea typeface="+mn-ea"/>
+                <a:cs typeface="+mn-cs"/>
+              </a:defRPr>
+            </a:lvl4pPr>
+            <a:lvl5pPr marL="2173288" indent="-344488" algn="l" defTabSz="914400" rtl="0" eaLnBrk="1" latinLnBrk="0" hangingPunct="1">
+              <a:lnSpc>
+                <a:spcPct val="120000"/>
+              </a:lnSpc>
+              <a:spcBef>
+                <a:spcPts val="500"/>
+              </a:spcBef>
+              <a:spcAft>
+                <a:spcPts val="600"/>
+              </a:spcAft>
+              <a:buClr>
+                <a:schemeClr val="accent6"/>
+              </a:buClr>
+              <a:buSzPct val="90000"/>
+              <a:buFont typeface="Wingdings" panose="05000000000000000000" pitchFamily="2" charset="2"/>
+              <a:buChar char="§"/>
+              <a:defRPr sz="1200" kern="1200">
+                <a:solidFill>
+                  <a:schemeClr val="tx1"/>
+                </a:solidFill>
+                <a:effectLst/>
+                <a:latin typeface="+mn-lt"/>
+                <a:ea typeface="+mn-ea"/>
+                <a:cs typeface="+mn-cs"/>
+              </a:defRPr>
+            </a:lvl5pPr>
+            <a:lvl6pPr marL="2642616" indent="-338328" algn="l" defTabSz="914400" rtl="0" eaLnBrk="1" latinLnBrk="0" hangingPunct="1">
+              <a:lnSpc>
+                <a:spcPct val="120000"/>
+              </a:lnSpc>
+              <a:spcBef>
+                <a:spcPts val="500"/>
+              </a:spcBef>
+              <a:spcAft>
+                <a:spcPts val="600"/>
+              </a:spcAft>
+              <a:buClr>
+                <a:schemeClr val="accent6"/>
+              </a:buClr>
+              <a:buSzPct val="90000"/>
+              <a:buFont typeface="Wingdings" panose="05000000000000000000" pitchFamily="2" charset="2"/>
+              <a:buChar char="§"/>
+              <a:defRPr sz="1200" kern="1200" baseline="0">
+                <a:solidFill>
+                  <a:schemeClr val="tx1"/>
+                </a:solidFill>
+                <a:effectLst/>
+                <a:latin typeface="+mn-lt"/>
+                <a:ea typeface="+mn-ea"/>
+                <a:cs typeface="+mn-cs"/>
+              </a:defRPr>
+            </a:lvl6pPr>
+            <a:lvl7pPr marL="3108960" indent="-338328" algn="l" defTabSz="914400" rtl="0" eaLnBrk="1" latinLnBrk="0" hangingPunct="1">
+              <a:lnSpc>
+                <a:spcPct val="120000"/>
+              </a:lnSpc>
+              <a:spcBef>
+                <a:spcPts val="500"/>
+              </a:spcBef>
+              <a:spcAft>
+                <a:spcPts val="600"/>
+              </a:spcAft>
+              <a:buClr>
+                <a:schemeClr val="accent6"/>
+              </a:buClr>
+              <a:buSzPct val="90000"/>
+              <a:buFont typeface="Wingdings" panose="05000000000000000000" pitchFamily="2" charset="2"/>
+              <a:buChar char="§"/>
+              <a:defRPr sz="1200" kern="1200" baseline="0">
+                <a:solidFill>
+                  <a:schemeClr val="tx1"/>
+                </a:solidFill>
+                <a:effectLst/>
+                <a:latin typeface="+mn-lt"/>
+                <a:ea typeface="+mn-ea"/>
+                <a:cs typeface="+mn-cs"/>
+              </a:defRPr>
+            </a:lvl7pPr>
+            <a:lvl8pPr marL="3575304" indent="-338328" algn="l" defTabSz="914400" rtl="0" eaLnBrk="1" latinLnBrk="0" hangingPunct="1">
+              <a:lnSpc>
+                <a:spcPct val="120000"/>
+              </a:lnSpc>
+              <a:spcBef>
+                <a:spcPts val="500"/>
+              </a:spcBef>
+              <a:spcAft>
+                <a:spcPts val="600"/>
+              </a:spcAft>
+              <a:buClr>
+                <a:schemeClr val="accent6"/>
+              </a:buClr>
+              <a:buSzPct val="90000"/>
+              <a:buFont typeface="Wingdings" panose="05000000000000000000" pitchFamily="2" charset="2"/>
+              <a:buChar char="§"/>
+              <a:defRPr sz="1200" kern="1200" baseline="0">
+                <a:solidFill>
+                  <a:schemeClr val="tx1"/>
+                </a:solidFill>
+                <a:effectLst/>
+                <a:latin typeface="+mn-lt"/>
+                <a:ea typeface="+mn-ea"/>
+                <a:cs typeface="+mn-cs"/>
+              </a:defRPr>
+            </a:lvl8pPr>
+            <a:lvl9pPr marL="4041648" indent="-338328" algn="l" defTabSz="914400" rtl="0" eaLnBrk="1" latinLnBrk="0" hangingPunct="1">
+              <a:lnSpc>
+                <a:spcPct val="120000"/>
+              </a:lnSpc>
+              <a:spcBef>
+                <a:spcPts val="500"/>
+              </a:spcBef>
+              <a:spcAft>
+                <a:spcPts val="600"/>
+              </a:spcAft>
+              <a:buClr>
+                <a:schemeClr val="accent6"/>
+              </a:buClr>
+              <a:buSzPct val="90000"/>
+              <a:buFont typeface="Wingdings" panose="05000000000000000000" pitchFamily="2" charset="2"/>
+              <a:buChar char="§"/>
+              <a:defRPr sz="1200" kern="1200" baseline="0">
+                <a:solidFill>
+                  <a:schemeClr val="tx1"/>
+                </a:solidFill>
+                <a:effectLst/>
+                <a:latin typeface="+mn-lt"/>
+                <a:ea typeface="+mn-ea"/>
+                <a:cs typeface="+mn-cs"/>
+              </a:defRPr>
+            </a:lvl9pPr>
+          </a:lstStyle>
+          <a:p>
+            <a:pPr marL="0" indent="0">
+              <a:buNone/>
+            </a:pPr>
+            <a:r>
+              <a:rPr lang="nl-NL" dirty="0" err="1">
+                <a:latin typeface="Söhne"/>
+              </a:rPr>
+              <a:t>chatgpt</a:t>
+            </a:r>
+            <a:endParaRPr lang="nl-NL" dirty="0">
+              <a:latin typeface="Söhne"/>
+            </a:endParaRPr>
+          </a:p>
+          <a:p>
+            <a:endParaRPr lang="nl-NL" dirty="0"/>
+          </a:p>
+        </p:txBody>
+      </p:sp>
+    </p:spTree>
+    <p:extLst>
+      <p:ext uri="{BB962C8B-B14F-4D97-AF65-F5344CB8AC3E}">
+        <p14:creationId xmlns:p14="http://schemas.microsoft.com/office/powerpoint/2010/main" val="1133550296"/>
+      </p:ext>
+    </p:extLst>
+  </p:cSld>
+  <p:clrMapOvr>
+    <a:masterClrMapping/>
+  </p:clrMapOvr>
+</p:sld>
+</file>
+
+<file path=ppt/slides/slide12.xml><?xml version="1.0" encoding="utf-8"?>
+<p:sld xmlns:a="http://schemas.openxmlformats.org/drawingml/2006/main" xmlns:r="http://schemas.openxmlformats.org/officeDocument/2006/relationships" xmlns:p="http://schemas.openxmlformats.org/presentationml/2006/main">
+  <p:cSld>
+    <p:spTree>
+      <p:nvGrpSpPr>
+        <p:cNvPr id="1" name=""/>
+        <p:cNvGrpSpPr/>
+        <p:nvPr/>
+      </p:nvGrpSpPr>
+      <p:grpSpPr>
+        <a:xfrm>
+          <a:off x="0" y="0"/>
+          <a:ext cx="0" cy="0"/>
+          <a:chOff x="0" y="0"/>
+          <a:chExt cx="0" cy="0"/>
+        </a:xfrm>
+      </p:grpSpPr>
+      <p:sp>
+        <p:nvSpPr>
+          <p:cNvPr id="2" name="Titel 1">
+            <a:extLst>
+              <a:ext uri="{FF2B5EF4-FFF2-40B4-BE49-F238E27FC236}">
+                <a16:creationId xmlns:a16="http://schemas.microsoft.com/office/drawing/2014/main" id="{66EECF1F-3A3A-48A9-AF99-34EA2FE500E0}"/>
+              </a:ext>
+            </a:extLst>
+          </p:cNvPr>
+          <p:cNvSpPr>
+            <a:spLocks noGrp="1"/>
+          </p:cNvSpPr>
+          <p:nvPr>
+            <p:ph type="title"/>
+          </p:nvPr>
+        </p:nvSpPr>
+        <p:spPr/>
+        <p:txBody>
+          <a:bodyPr/>
+          <a:lstStyle/>
+          <a:p>
+            <a:r>
+              <a:rPr lang="nl-NL" dirty="0"/>
+              <a:t>Wat is SHACL ?</a:t>
+            </a:r>
+          </a:p>
+        </p:txBody>
+      </p:sp>
+      <p:sp>
+        <p:nvSpPr>
+          <p:cNvPr id="31" name="Tijdelijke aanduiding voor inhoud 6">
+            <a:extLst>
+              <a:ext uri="{FF2B5EF4-FFF2-40B4-BE49-F238E27FC236}">
+                <a16:creationId xmlns:a16="http://schemas.microsoft.com/office/drawing/2014/main" id="{38A2A9EE-75E8-49F9-EBD2-15C6298FC791}"/>
+              </a:ext>
+            </a:extLst>
+          </p:cNvPr>
+          <p:cNvSpPr txBox="1">
+            <a:spLocks/>
+          </p:cNvSpPr>
+          <p:nvPr/>
+        </p:nvSpPr>
+        <p:spPr>
+          <a:xfrm>
+            <a:off x="1481492" y="1294394"/>
+            <a:ext cx="9598025" cy="5010150"/>
+          </a:xfrm>
+          <a:prstGeom prst="rect">
+            <a:avLst/>
+          </a:prstGeom>
+        </p:spPr>
+        <p:txBody>
+          <a:bodyPr vert="horz" lIns="91440" tIns="45720" rIns="91440" bIns="45720" rtlCol="0" anchor="ctr">
+            <a:normAutofit/>
+          </a:bodyPr>
+          <a:lstStyle>
+            <a:lvl1pPr marL="344488" indent="-344488" algn="l" defTabSz="914400" rtl="0" eaLnBrk="1" latinLnBrk="0" hangingPunct="1">
+              <a:lnSpc>
+                <a:spcPct val="120000"/>
+              </a:lnSpc>
+              <a:spcBef>
+                <a:spcPts val="1000"/>
+              </a:spcBef>
+              <a:spcAft>
+                <a:spcPts val="600"/>
+              </a:spcAft>
+              <a:buClr>
+                <a:schemeClr val="accent6"/>
+              </a:buClr>
+              <a:buSzPct val="90000"/>
+              <a:buFont typeface="Wingdings" panose="05000000000000000000" pitchFamily="2" charset="2"/>
+              <a:buChar char="§"/>
+              <a:defRPr lang="en-US" sz="2000" b="0" kern="1200">
+                <a:solidFill>
+                  <a:schemeClr val="tx1"/>
+                </a:solidFill>
+                <a:effectLst/>
+                <a:latin typeface="+mn-lt"/>
+                <a:ea typeface="+mn-ea"/>
+                <a:cs typeface="+mn-cs"/>
+              </a:defRPr>
+            </a:lvl1pPr>
+            <a:lvl2pPr marL="795338" indent="-338138" algn="l" defTabSz="914400" rtl="0" eaLnBrk="1" latinLnBrk="0" hangingPunct="1">
+              <a:lnSpc>
+                <a:spcPct val="120000"/>
+              </a:lnSpc>
+              <a:spcBef>
+                <a:spcPts val="500"/>
+              </a:spcBef>
+              <a:spcAft>
+                <a:spcPts val="600"/>
+              </a:spcAft>
+              <a:buClr>
+                <a:schemeClr val="accent6"/>
+              </a:buClr>
+              <a:buSzPct val="90000"/>
+              <a:buFont typeface="Wingdings" panose="05000000000000000000" pitchFamily="2" charset="2"/>
+              <a:buChar char="§"/>
+              <a:defRPr lang="en-US" sz="1800" b="0" kern="1200">
+                <a:solidFill>
+                  <a:schemeClr val="tx1"/>
+                </a:solidFill>
+                <a:effectLst/>
+                <a:latin typeface="+mn-lt"/>
+                <a:ea typeface="+mn-ea"/>
+                <a:cs typeface="+mn-cs"/>
+              </a:defRPr>
+            </a:lvl2pPr>
+            <a:lvl3pPr marL="1258888" indent="-344488" algn="l" defTabSz="914400" rtl="0" eaLnBrk="1" latinLnBrk="0" hangingPunct="1">
+              <a:lnSpc>
+                <a:spcPct val="120000"/>
+              </a:lnSpc>
+              <a:spcBef>
+                <a:spcPts val="500"/>
+              </a:spcBef>
+              <a:spcAft>
+                <a:spcPts val="600"/>
+              </a:spcAft>
+              <a:buClr>
+                <a:schemeClr val="accent6"/>
+              </a:buClr>
+              <a:buSzPct val="90000"/>
+              <a:buFont typeface="Wingdings" panose="05000000000000000000" pitchFamily="2" charset="2"/>
+              <a:buChar char="§"/>
+              <a:defRPr lang="en-US" sz="1600" b="0" kern="1200">
+                <a:solidFill>
+                  <a:schemeClr val="tx1"/>
+                </a:solidFill>
+                <a:effectLst/>
+                <a:latin typeface="+mn-lt"/>
+                <a:ea typeface="+mn-ea"/>
+                <a:cs typeface="+mn-cs"/>
+              </a:defRPr>
+            </a:lvl3pPr>
+            <a:lvl4pPr marL="1709738" indent="-338138" algn="l" defTabSz="914400" rtl="0" eaLnBrk="1" latinLnBrk="0" hangingPunct="1">
+              <a:lnSpc>
+                <a:spcPct val="120000"/>
+              </a:lnSpc>
+              <a:spcBef>
+                <a:spcPts val="500"/>
+              </a:spcBef>
+              <a:spcAft>
+                <a:spcPts val="600"/>
+              </a:spcAft>
+              <a:buClr>
+                <a:schemeClr val="accent6"/>
+              </a:buClr>
+              <a:buSzPct val="90000"/>
+              <a:buFont typeface="Wingdings" panose="05000000000000000000" pitchFamily="2" charset="2"/>
+              <a:buChar char="§"/>
+              <a:defRPr lang="en-US" sz="1400" b="0" kern="1200">
+                <a:solidFill>
+                  <a:schemeClr val="tx1"/>
+                </a:solidFill>
+                <a:effectLst/>
+                <a:latin typeface="+mn-lt"/>
+                <a:ea typeface="+mn-ea"/>
+                <a:cs typeface="+mn-cs"/>
+              </a:defRPr>
+            </a:lvl4pPr>
+            <a:lvl5pPr marL="2173288" indent="-344488" algn="l" defTabSz="914400" rtl="0" eaLnBrk="1" latinLnBrk="0" hangingPunct="1">
+              <a:lnSpc>
+                <a:spcPct val="120000"/>
+              </a:lnSpc>
+              <a:spcBef>
+                <a:spcPts val="500"/>
+              </a:spcBef>
+              <a:spcAft>
+                <a:spcPts val="600"/>
+              </a:spcAft>
+              <a:buClr>
+                <a:schemeClr val="accent6"/>
+              </a:buClr>
+              <a:buSzPct val="90000"/>
+              <a:buFont typeface="Wingdings" panose="05000000000000000000" pitchFamily="2" charset="2"/>
+              <a:buChar char="§"/>
+              <a:defRPr lang="en-GB" sz="1200" b="0" kern="1200">
+                <a:solidFill>
+                  <a:schemeClr val="tx1"/>
+                </a:solidFill>
+                <a:effectLst/>
+                <a:latin typeface="+mn-lt"/>
+                <a:ea typeface="+mn-ea"/>
+                <a:cs typeface="+mn-cs"/>
+              </a:defRPr>
+            </a:lvl5pPr>
+            <a:lvl6pPr marL="2642616" indent="-338328" algn="l" defTabSz="914400" rtl="0" eaLnBrk="1" latinLnBrk="0" hangingPunct="1">
+              <a:lnSpc>
+                <a:spcPct val="120000"/>
+              </a:lnSpc>
+              <a:spcBef>
+                <a:spcPts val="500"/>
+              </a:spcBef>
+              <a:spcAft>
+                <a:spcPts val="600"/>
+              </a:spcAft>
+              <a:buClr>
+                <a:schemeClr val="accent6"/>
+              </a:buClr>
+              <a:buSzPct val="90000"/>
+              <a:buFont typeface="Wingdings" panose="05000000000000000000" pitchFamily="2" charset="2"/>
+              <a:buChar char="§"/>
+              <a:defRPr sz="1200" kern="1200" baseline="0">
+                <a:solidFill>
+                  <a:schemeClr val="tx1"/>
+                </a:solidFill>
+                <a:effectLst/>
+                <a:latin typeface="+mn-lt"/>
+                <a:ea typeface="+mn-ea"/>
+                <a:cs typeface="+mn-cs"/>
+              </a:defRPr>
+            </a:lvl6pPr>
+            <a:lvl7pPr marL="3108960" indent="-338328" algn="l" defTabSz="914400" rtl="0" eaLnBrk="1" latinLnBrk="0" hangingPunct="1">
+              <a:lnSpc>
+                <a:spcPct val="120000"/>
+              </a:lnSpc>
+              <a:spcBef>
+                <a:spcPts val="500"/>
+              </a:spcBef>
+              <a:spcAft>
+                <a:spcPts val="600"/>
+              </a:spcAft>
+              <a:buClr>
+                <a:schemeClr val="accent6"/>
+              </a:buClr>
+              <a:buSzPct val="90000"/>
+              <a:buFont typeface="Wingdings" panose="05000000000000000000" pitchFamily="2" charset="2"/>
+              <a:buChar char="§"/>
+              <a:defRPr sz="1200" kern="1200" baseline="0">
+                <a:solidFill>
+                  <a:schemeClr val="tx1"/>
+                </a:solidFill>
+                <a:effectLst/>
+                <a:latin typeface="+mn-lt"/>
+                <a:ea typeface="+mn-ea"/>
+                <a:cs typeface="+mn-cs"/>
+              </a:defRPr>
+            </a:lvl7pPr>
+            <a:lvl8pPr marL="3575304" indent="-338328" algn="l" defTabSz="914400" rtl="0" eaLnBrk="1" latinLnBrk="0" hangingPunct="1">
+              <a:lnSpc>
+                <a:spcPct val="120000"/>
+              </a:lnSpc>
+              <a:spcBef>
+                <a:spcPts val="500"/>
+              </a:spcBef>
+              <a:spcAft>
+                <a:spcPts val="600"/>
+              </a:spcAft>
+              <a:buClr>
+                <a:schemeClr val="accent6"/>
+              </a:buClr>
+              <a:buSzPct val="90000"/>
+              <a:buFont typeface="Wingdings" panose="05000000000000000000" pitchFamily="2" charset="2"/>
+              <a:buChar char="§"/>
+              <a:defRPr sz="1200" kern="1200" baseline="0">
+                <a:solidFill>
+                  <a:schemeClr val="tx1"/>
+                </a:solidFill>
+                <a:effectLst/>
+                <a:latin typeface="+mn-lt"/>
+                <a:ea typeface="+mn-ea"/>
+                <a:cs typeface="+mn-cs"/>
+              </a:defRPr>
+            </a:lvl8pPr>
+            <a:lvl9pPr marL="4041648" indent="-338328" algn="l" defTabSz="914400" rtl="0" eaLnBrk="1" latinLnBrk="0" hangingPunct="1">
+              <a:lnSpc>
+                <a:spcPct val="120000"/>
+              </a:lnSpc>
+              <a:spcBef>
+                <a:spcPts val="500"/>
+              </a:spcBef>
+              <a:spcAft>
+                <a:spcPts val="600"/>
+              </a:spcAft>
+              <a:buClr>
+                <a:schemeClr val="accent6"/>
+              </a:buClr>
+              <a:buSzPct val="90000"/>
+              <a:buFont typeface="Wingdings" panose="05000000000000000000" pitchFamily="2" charset="2"/>
+              <a:buChar char="§"/>
+              <a:defRPr sz="1200" kern="1200" baseline="0">
+                <a:solidFill>
+                  <a:schemeClr val="tx1"/>
+                </a:solidFill>
+                <a:effectLst/>
+                <a:latin typeface="+mn-lt"/>
+                <a:ea typeface="+mn-ea"/>
+                <a:cs typeface="+mn-cs"/>
+              </a:defRPr>
+            </a:lvl9pPr>
+          </a:lstStyle>
+          <a:p>
+            <a:pPr marL="0" indent="0">
+              <a:buFont typeface="Wingdings" panose="05000000000000000000" pitchFamily="2" charset="2"/>
+              <a:buNone/>
+            </a:pPr>
+            <a:endParaRPr lang="nl-NL" dirty="0"/>
+          </a:p>
+        </p:txBody>
+      </p:sp>
+      <p:sp>
+        <p:nvSpPr>
+          <p:cNvPr id="4" name="Tekstvak 3">
+            <a:extLst>
+              <a:ext uri="{FF2B5EF4-FFF2-40B4-BE49-F238E27FC236}">
+                <a16:creationId xmlns:a16="http://schemas.microsoft.com/office/drawing/2014/main" id="{0D450E02-4A61-8A4F-DFCB-076C0CA610BB}"/>
+              </a:ext>
+            </a:extLst>
+          </p:cNvPr>
+          <p:cNvSpPr txBox="1"/>
+          <p:nvPr/>
+        </p:nvSpPr>
+        <p:spPr>
+          <a:xfrm>
+            <a:off x="914978" y="1292988"/>
+            <a:ext cx="10164539" cy="5124480"/>
+          </a:xfrm>
+          <a:prstGeom prst="rect">
+            <a:avLst/>
+          </a:prstGeom>
+          <a:noFill/>
+        </p:spPr>
+        <p:txBody>
+          <a:bodyPr wrap="square" rtlCol="0">
+            <a:spAutoFit/>
+          </a:bodyPr>
+          <a:lstStyle/>
+          <a:p>
+            <a:pPr algn="l"/>
+            <a:r>
+              <a:rPr lang="nl-NL" sz="1400" b="0" i="0" dirty="0">
+                <a:solidFill>
+                  <a:srgbClr val="0D0D0D"/>
+                </a:solidFill>
+                <a:effectLst/>
+                <a:latin typeface="Söhne"/>
+              </a:rPr>
+              <a:t>Stel dat we een RDF-dataset hebben die informatie bevat over verschillende huisdieren, waaronder katten. We willen een SHACL-schema maken om te valideren of de katteninformatie correct is opgesteld, inclusief de aanwezigheid van de naam en leeftijd van de kat.</a:t>
+            </a:r>
+          </a:p>
+          <a:p>
+            <a:pPr algn="l"/>
+            <a:r>
+              <a:rPr lang="nl-NL" sz="1400" b="0" i="0" dirty="0">
+                <a:solidFill>
+                  <a:srgbClr val="0D0D0D"/>
+                </a:solidFill>
+                <a:effectLst/>
+                <a:latin typeface="Söhne"/>
+              </a:rPr>
+              <a:t>Hier is een eenvoudig SHACL-schema voor dit doel:</a:t>
+            </a:r>
+          </a:p>
+          <a:p>
+            <a:pPr algn="l"/>
+            <a:r>
+              <a:rPr lang="nl-NL" sz="1100" b="0" i="0" dirty="0">
+                <a:solidFill>
+                  <a:srgbClr val="FF0000"/>
+                </a:solidFill>
+                <a:effectLst/>
+                <a:latin typeface="Söhne"/>
+              </a:rPr>
+              <a:t>@prefix </a:t>
+            </a:r>
+            <a:r>
+              <a:rPr lang="nl-NL" sz="1100" b="0" i="0" dirty="0" err="1">
+                <a:solidFill>
+                  <a:srgbClr val="FF0000"/>
+                </a:solidFill>
+                <a:effectLst/>
+                <a:latin typeface="Söhne"/>
+              </a:rPr>
+              <a:t>rdf</a:t>
+            </a:r>
+            <a:r>
+              <a:rPr lang="nl-NL" sz="1100" b="0" i="0" dirty="0">
+                <a:solidFill>
+                  <a:srgbClr val="FF0000"/>
+                </a:solidFill>
+                <a:effectLst/>
+                <a:latin typeface="Söhne"/>
+              </a:rPr>
+              <a:t>: &lt;http://www.w3.org/1999/02/22-rdf-syntax-ns#&gt; .</a:t>
+            </a:r>
+          </a:p>
+          <a:p>
+            <a:pPr algn="l"/>
+            <a:r>
+              <a:rPr lang="nl-NL" sz="1100" b="0" i="0" dirty="0">
+                <a:solidFill>
+                  <a:srgbClr val="FF0000"/>
+                </a:solidFill>
+                <a:effectLst/>
+                <a:latin typeface="Söhne"/>
+              </a:rPr>
+              <a:t>@prefix </a:t>
+            </a:r>
+            <a:r>
+              <a:rPr lang="nl-NL" sz="1100" b="0" i="0" dirty="0" err="1">
+                <a:solidFill>
+                  <a:srgbClr val="FF0000"/>
+                </a:solidFill>
+                <a:effectLst/>
+                <a:latin typeface="Söhne"/>
+              </a:rPr>
+              <a:t>rdfs</a:t>
+            </a:r>
+            <a:r>
+              <a:rPr lang="nl-NL" sz="1100" b="0" i="0" dirty="0">
+                <a:solidFill>
+                  <a:srgbClr val="FF0000"/>
+                </a:solidFill>
+                <a:effectLst/>
+                <a:latin typeface="Söhne"/>
+              </a:rPr>
+              <a:t>: &lt;http://www.w3.org/2000/01/rdf-schema#&gt; .</a:t>
+            </a:r>
+          </a:p>
+          <a:p>
+            <a:pPr algn="l"/>
+            <a:r>
+              <a:rPr lang="nl-NL" sz="1100" b="0" i="0" dirty="0">
+                <a:solidFill>
+                  <a:srgbClr val="FF0000"/>
+                </a:solidFill>
+                <a:effectLst/>
+                <a:latin typeface="Söhne"/>
+              </a:rPr>
+              <a:t>@prefix ex: &lt;http://example.org/&gt; .</a:t>
+            </a:r>
+          </a:p>
+          <a:p>
+            <a:pPr algn="l"/>
+            <a:r>
+              <a:rPr lang="nl-NL" sz="1100" b="0" i="0" dirty="0">
+                <a:solidFill>
+                  <a:srgbClr val="FF0000"/>
+                </a:solidFill>
+                <a:effectLst/>
+                <a:latin typeface="Söhne"/>
+              </a:rPr>
+              <a:t>@prefix sh: &lt;http://www.w3.org/ns/shacl#&gt; .</a:t>
+            </a:r>
+          </a:p>
+          <a:p>
+            <a:pPr algn="l"/>
+            <a:endParaRPr lang="nl-NL" sz="1100" b="0" i="0" dirty="0">
+              <a:solidFill>
+                <a:srgbClr val="FF0000"/>
+              </a:solidFill>
+              <a:effectLst/>
+              <a:latin typeface="Söhne"/>
+            </a:endParaRPr>
+          </a:p>
+          <a:p>
+            <a:pPr algn="l"/>
+            <a:r>
+              <a:rPr lang="nl-NL" sz="1100" b="0" i="0" dirty="0" err="1">
+                <a:solidFill>
+                  <a:srgbClr val="FF0000"/>
+                </a:solidFill>
+                <a:effectLst/>
+                <a:latin typeface="Söhne"/>
+              </a:rPr>
+              <a:t>ex:CatShape</a:t>
+            </a:r>
+            <a:endParaRPr lang="nl-NL" sz="1100" b="0" i="0" dirty="0">
+              <a:solidFill>
+                <a:srgbClr val="FF0000"/>
+              </a:solidFill>
+              <a:effectLst/>
+              <a:latin typeface="Söhne"/>
+            </a:endParaRPr>
+          </a:p>
+          <a:p>
+            <a:pPr algn="l"/>
+            <a:r>
+              <a:rPr lang="nl-NL" sz="1100" b="0" i="0" dirty="0">
+                <a:solidFill>
+                  <a:srgbClr val="FF0000"/>
+                </a:solidFill>
+                <a:effectLst/>
+                <a:latin typeface="Söhne"/>
+              </a:rPr>
+              <a:t>  a </a:t>
+            </a:r>
+            <a:r>
+              <a:rPr lang="nl-NL" sz="1100" b="0" i="0" dirty="0" err="1">
+                <a:solidFill>
+                  <a:srgbClr val="FF0000"/>
+                </a:solidFill>
+                <a:effectLst/>
+                <a:latin typeface="Söhne"/>
+              </a:rPr>
+              <a:t>sh:NodeShape</a:t>
+            </a:r>
+            <a:r>
+              <a:rPr lang="nl-NL" sz="1100" b="0" i="0" dirty="0">
+                <a:solidFill>
+                  <a:srgbClr val="FF0000"/>
+                </a:solidFill>
+                <a:effectLst/>
+                <a:latin typeface="Söhne"/>
+              </a:rPr>
+              <a:t> ;</a:t>
+            </a:r>
+          </a:p>
+          <a:p>
+            <a:pPr algn="l"/>
+            <a:r>
+              <a:rPr lang="nl-NL" sz="1100" b="0" i="0" dirty="0">
+                <a:solidFill>
+                  <a:srgbClr val="FF0000"/>
+                </a:solidFill>
+                <a:effectLst/>
+                <a:latin typeface="Söhne"/>
+              </a:rPr>
+              <a:t>  </a:t>
+            </a:r>
+            <a:r>
+              <a:rPr lang="nl-NL" sz="1100" b="0" i="0" dirty="0" err="1">
+                <a:solidFill>
+                  <a:srgbClr val="FF0000"/>
+                </a:solidFill>
+                <a:effectLst/>
+                <a:latin typeface="Söhne"/>
+              </a:rPr>
+              <a:t>sh:targetClass</a:t>
+            </a:r>
+            <a:r>
+              <a:rPr lang="nl-NL" sz="1100" b="0" i="0" dirty="0">
+                <a:solidFill>
+                  <a:srgbClr val="FF0000"/>
+                </a:solidFill>
+                <a:effectLst/>
+                <a:latin typeface="Söhne"/>
+              </a:rPr>
+              <a:t> </a:t>
+            </a:r>
+            <a:r>
+              <a:rPr lang="nl-NL" sz="1100" b="0" i="0" dirty="0" err="1">
+                <a:solidFill>
+                  <a:srgbClr val="FF0000"/>
+                </a:solidFill>
+                <a:effectLst/>
+                <a:latin typeface="Söhne"/>
+              </a:rPr>
+              <a:t>ex:Cat</a:t>
+            </a:r>
+            <a:r>
+              <a:rPr lang="nl-NL" sz="1100" b="0" i="0" dirty="0">
+                <a:solidFill>
+                  <a:srgbClr val="FF0000"/>
+                </a:solidFill>
+                <a:effectLst/>
+                <a:latin typeface="Söhne"/>
+              </a:rPr>
+              <a:t> ;</a:t>
+            </a:r>
+          </a:p>
+          <a:p>
+            <a:pPr algn="l"/>
+            <a:r>
+              <a:rPr lang="nl-NL" sz="1100" b="0" i="0" dirty="0">
+                <a:solidFill>
+                  <a:srgbClr val="FF0000"/>
+                </a:solidFill>
+                <a:effectLst/>
+                <a:latin typeface="Söhne"/>
+              </a:rPr>
+              <a:t>  </a:t>
+            </a:r>
+            <a:r>
+              <a:rPr lang="nl-NL" sz="1100" b="0" i="0" dirty="0" err="1">
+                <a:solidFill>
+                  <a:srgbClr val="FF0000"/>
+                </a:solidFill>
+                <a:effectLst/>
+                <a:latin typeface="Söhne"/>
+              </a:rPr>
+              <a:t>sh:property</a:t>
+            </a:r>
+            <a:r>
+              <a:rPr lang="nl-NL" sz="1100" b="0" i="0" dirty="0">
+                <a:solidFill>
+                  <a:srgbClr val="FF0000"/>
+                </a:solidFill>
+                <a:effectLst/>
+                <a:latin typeface="Söhne"/>
+              </a:rPr>
+              <a:t> [</a:t>
+            </a:r>
+          </a:p>
+          <a:p>
+            <a:pPr algn="l"/>
+            <a:r>
+              <a:rPr lang="nl-NL" sz="1100" b="0" i="0" dirty="0">
+                <a:solidFill>
+                  <a:srgbClr val="FF0000"/>
+                </a:solidFill>
+                <a:effectLst/>
+                <a:latin typeface="Söhne"/>
+              </a:rPr>
+              <a:t>    </a:t>
+            </a:r>
+            <a:r>
+              <a:rPr lang="nl-NL" sz="1100" b="0" i="0" dirty="0" err="1">
+                <a:solidFill>
+                  <a:srgbClr val="FF0000"/>
+                </a:solidFill>
+                <a:effectLst/>
+                <a:latin typeface="Söhne"/>
+              </a:rPr>
+              <a:t>sh:path</a:t>
+            </a:r>
+            <a:r>
+              <a:rPr lang="nl-NL" sz="1100" b="0" i="0" dirty="0">
+                <a:solidFill>
+                  <a:srgbClr val="FF0000"/>
+                </a:solidFill>
+                <a:effectLst/>
+                <a:latin typeface="Söhne"/>
+              </a:rPr>
+              <a:t> </a:t>
+            </a:r>
+            <a:r>
+              <a:rPr lang="nl-NL" sz="1100" b="0" i="0" dirty="0" err="1">
+                <a:solidFill>
+                  <a:srgbClr val="FF0000"/>
+                </a:solidFill>
+                <a:effectLst/>
+                <a:latin typeface="Söhne"/>
+              </a:rPr>
+              <a:t>ex:hasName</a:t>
+            </a:r>
+            <a:r>
+              <a:rPr lang="nl-NL" sz="1100" b="0" i="0" dirty="0">
+                <a:solidFill>
+                  <a:srgbClr val="FF0000"/>
+                </a:solidFill>
+                <a:effectLst/>
+                <a:latin typeface="Söhne"/>
+              </a:rPr>
+              <a:t> ;</a:t>
+            </a:r>
+          </a:p>
+          <a:p>
+            <a:pPr algn="l"/>
+            <a:r>
+              <a:rPr lang="nl-NL" sz="1100" b="0" i="0" dirty="0">
+                <a:solidFill>
+                  <a:srgbClr val="FF0000"/>
+                </a:solidFill>
+                <a:effectLst/>
+                <a:latin typeface="Söhne"/>
+              </a:rPr>
+              <a:t>    </a:t>
+            </a:r>
+            <a:r>
+              <a:rPr lang="nl-NL" sz="1100" b="0" i="0" dirty="0" err="1">
+                <a:solidFill>
+                  <a:srgbClr val="FF0000"/>
+                </a:solidFill>
+                <a:effectLst/>
+                <a:latin typeface="Söhne"/>
+              </a:rPr>
+              <a:t>sh:minCount</a:t>
+            </a:r>
+            <a:r>
+              <a:rPr lang="nl-NL" sz="1100" b="0" i="0" dirty="0">
+                <a:solidFill>
+                  <a:srgbClr val="FF0000"/>
+                </a:solidFill>
+                <a:effectLst/>
+                <a:latin typeface="Söhne"/>
+              </a:rPr>
+              <a:t> 1 ;</a:t>
+            </a:r>
+          </a:p>
+          <a:p>
+            <a:pPr algn="l"/>
+            <a:r>
+              <a:rPr lang="nl-NL" sz="1100" b="0" i="0" dirty="0">
+                <a:solidFill>
+                  <a:srgbClr val="FF0000"/>
+                </a:solidFill>
+                <a:effectLst/>
+                <a:latin typeface="Söhne"/>
+              </a:rPr>
+              <a:t>  ] ;</a:t>
+            </a:r>
+          </a:p>
+          <a:p>
+            <a:pPr algn="l"/>
+            <a:r>
+              <a:rPr lang="nl-NL" sz="1100" b="0" i="0" dirty="0">
+                <a:solidFill>
+                  <a:srgbClr val="FF0000"/>
+                </a:solidFill>
+                <a:effectLst/>
+                <a:latin typeface="Söhne"/>
+              </a:rPr>
+              <a:t>  </a:t>
+            </a:r>
+            <a:r>
+              <a:rPr lang="nl-NL" sz="1100" b="0" i="0" dirty="0" err="1">
+                <a:solidFill>
+                  <a:srgbClr val="FF0000"/>
+                </a:solidFill>
+                <a:effectLst/>
+                <a:latin typeface="Söhne"/>
+              </a:rPr>
+              <a:t>sh:property</a:t>
+            </a:r>
+            <a:r>
+              <a:rPr lang="nl-NL" sz="1100" b="0" i="0" dirty="0">
+                <a:solidFill>
+                  <a:srgbClr val="FF0000"/>
+                </a:solidFill>
+                <a:effectLst/>
+                <a:latin typeface="Söhne"/>
+              </a:rPr>
+              <a:t> [</a:t>
+            </a:r>
+          </a:p>
+          <a:p>
+            <a:pPr algn="l"/>
+            <a:r>
+              <a:rPr lang="nl-NL" sz="1100" b="0" i="0" dirty="0">
+                <a:solidFill>
+                  <a:srgbClr val="FF0000"/>
+                </a:solidFill>
+                <a:effectLst/>
+                <a:latin typeface="Söhne"/>
+              </a:rPr>
+              <a:t>    </a:t>
+            </a:r>
+            <a:r>
+              <a:rPr lang="nl-NL" sz="1100" b="0" i="0" dirty="0" err="1">
+                <a:solidFill>
+                  <a:srgbClr val="FF0000"/>
+                </a:solidFill>
+                <a:effectLst/>
+                <a:latin typeface="Söhne"/>
+              </a:rPr>
+              <a:t>sh:path</a:t>
+            </a:r>
+            <a:r>
+              <a:rPr lang="nl-NL" sz="1100" b="0" i="0" dirty="0">
+                <a:solidFill>
+                  <a:srgbClr val="FF0000"/>
+                </a:solidFill>
+                <a:effectLst/>
+                <a:latin typeface="Söhne"/>
+              </a:rPr>
+              <a:t> </a:t>
+            </a:r>
+            <a:r>
+              <a:rPr lang="nl-NL" sz="1100" b="0" i="0" dirty="0" err="1">
+                <a:solidFill>
+                  <a:srgbClr val="FF0000"/>
+                </a:solidFill>
+                <a:effectLst/>
+                <a:latin typeface="Söhne"/>
+              </a:rPr>
+              <a:t>ex:hasAge</a:t>
+            </a:r>
+            <a:r>
+              <a:rPr lang="nl-NL" sz="1100" b="0" i="0" dirty="0">
+                <a:solidFill>
+                  <a:srgbClr val="FF0000"/>
+                </a:solidFill>
+                <a:effectLst/>
+                <a:latin typeface="Söhne"/>
+              </a:rPr>
+              <a:t> ;</a:t>
+            </a:r>
+          </a:p>
+          <a:p>
+            <a:pPr algn="l"/>
+            <a:r>
+              <a:rPr lang="nl-NL" sz="1100" b="0" i="0" dirty="0">
+                <a:solidFill>
+                  <a:srgbClr val="FF0000"/>
+                </a:solidFill>
+                <a:effectLst/>
+                <a:latin typeface="Söhne"/>
+              </a:rPr>
+              <a:t>    </a:t>
+            </a:r>
+            <a:r>
+              <a:rPr lang="nl-NL" sz="1100" b="0" i="0" dirty="0" err="1">
+                <a:solidFill>
+                  <a:srgbClr val="FF0000"/>
+                </a:solidFill>
+                <a:effectLst/>
+                <a:latin typeface="Söhne"/>
+              </a:rPr>
+              <a:t>sh:minCount</a:t>
+            </a:r>
+            <a:r>
+              <a:rPr lang="nl-NL" sz="1100" b="0" i="0" dirty="0">
+                <a:solidFill>
+                  <a:srgbClr val="FF0000"/>
+                </a:solidFill>
+                <a:effectLst/>
+                <a:latin typeface="Söhne"/>
+              </a:rPr>
+              <a:t> 1 ;</a:t>
+            </a:r>
+          </a:p>
+          <a:p>
+            <a:pPr algn="l"/>
+            <a:r>
+              <a:rPr lang="nl-NL" sz="1100" b="0" i="0" dirty="0">
+                <a:solidFill>
+                  <a:srgbClr val="FF0000"/>
+                </a:solidFill>
+                <a:effectLst/>
+                <a:latin typeface="Söhne"/>
+              </a:rPr>
+              <a:t>    </a:t>
+            </a:r>
+            <a:r>
+              <a:rPr lang="nl-NL" sz="1100" b="0" i="0" dirty="0" err="1">
+                <a:solidFill>
+                  <a:srgbClr val="FF0000"/>
+                </a:solidFill>
+                <a:effectLst/>
+                <a:latin typeface="Söhne"/>
+              </a:rPr>
+              <a:t>sh:datatype</a:t>
+            </a:r>
+            <a:r>
+              <a:rPr lang="nl-NL" sz="1100" b="0" i="0" dirty="0">
+                <a:solidFill>
+                  <a:srgbClr val="FF0000"/>
+                </a:solidFill>
+                <a:effectLst/>
+                <a:latin typeface="Söhne"/>
+              </a:rPr>
+              <a:t> </a:t>
+            </a:r>
+            <a:r>
+              <a:rPr lang="nl-NL" sz="1100" b="0" i="0" dirty="0" err="1">
+                <a:solidFill>
+                  <a:srgbClr val="FF0000"/>
+                </a:solidFill>
+                <a:effectLst/>
+                <a:latin typeface="Söhne"/>
+              </a:rPr>
+              <a:t>xsd:integer</a:t>
+            </a:r>
+            <a:r>
+              <a:rPr lang="nl-NL" sz="1100" b="0" i="0" dirty="0">
+                <a:solidFill>
+                  <a:srgbClr val="FF0000"/>
+                </a:solidFill>
+                <a:effectLst/>
+                <a:latin typeface="Söhne"/>
+              </a:rPr>
+              <a:t> ;</a:t>
+            </a:r>
+          </a:p>
+          <a:p>
+            <a:pPr algn="l"/>
+            <a:r>
+              <a:rPr lang="nl-NL" sz="1100" b="0" i="0" dirty="0">
+                <a:solidFill>
+                  <a:srgbClr val="FF0000"/>
+                </a:solidFill>
+                <a:effectLst/>
+                <a:latin typeface="Söhne"/>
+              </a:rPr>
+              <a:t>  ] .</a:t>
+            </a:r>
+          </a:p>
+          <a:p>
+            <a:pPr algn="l"/>
+            <a:endParaRPr lang="nl-NL" sz="1400" dirty="0">
+              <a:solidFill>
+                <a:srgbClr val="0D0D0D"/>
+              </a:solidFill>
+              <a:latin typeface="Söhne"/>
+            </a:endParaRPr>
+          </a:p>
+          <a:p>
+            <a:pPr algn="l"/>
+            <a:r>
+              <a:rPr lang="nl-NL" sz="1400" dirty="0">
+                <a:solidFill>
+                  <a:srgbClr val="0D0D0D"/>
+                </a:solidFill>
+                <a:latin typeface="Söhne"/>
+              </a:rPr>
+              <a:t>In dit SHACL-schema definiëren we een </a:t>
+            </a:r>
+            <a:r>
+              <a:rPr lang="nl-NL" sz="1400" dirty="0" err="1">
+                <a:solidFill>
+                  <a:srgbClr val="0D0D0D"/>
+                </a:solidFill>
+                <a:latin typeface="Söhne"/>
+              </a:rPr>
+              <a:t>shape</a:t>
+            </a:r>
+            <a:r>
+              <a:rPr lang="nl-NL" sz="1400" dirty="0">
+                <a:solidFill>
+                  <a:srgbClr val="0D0D0D"/>
+                </a:solidFill>
+                <a:latin typeface="Söhne"/>
+              </a:rPr>
+              <a:t> genaamd `</a:t>
+            </a:r>
+            <a:r>
+              <a:rPr lang="nl-NL" sz="1400" dirty="0" err="1">
+                <a:solidFill>
+                  <a:srgbClr val="0D0D0D"/>
+                </a:solidFill>
+                <a:latin typeface="Söhne"/>
+              </a:rPr>
+              <a:t>ex:CatShape</a:t>
+            </a:r>
+            <a:r>
+              <a:rPr lang="nl-NL" sz="1400" dirty="0">
+                <a:solidFill>
+                  <a:srgbClr val="0D0D0D"/>
+                </a:solidFill>
+                <a:latin typeface="Söhne"/>
+              </a:rPr>
+              <a:t>`, die van toepassing is op alle instanties van de klasse `</a:t>
+            </a:r>
+            <a:r>
+              <a:rPr lang="nl-NL" sz="1400" dirty="0" err="1">
+                <a:solidFill>
+                  <a:srgbClr val="0D0D0D"/>
+                </a:solidFill>
+                <a:latin typeface="Söhne"/>
+              </a:rPr>
+              <a:t>ex:Cat</a:t>
+            </a:r>
+            <a:r>
+              <a:rPr lang="nl-NL" sz="1400" dirty="0">
+                <a:solidFill>
+                  <a:srgbClr val="0D0D0D"/>
+                </a:solidFill>
+                <a:latin typeface="Söhne"/>
+              </a:rPr>
+              <a:t>`. De </a:t>
+            </a:r>
+            <a:r>
+              <a:rPr lang="nl-NL" sz="1400" dirty="0" err="1">
+                <a:solidFill>
+                  <a:srgbClr val="0D0D0D"/>
+                </a:solidFill>
+                <a:latin typeface="Söhne"/>
+              </a:rPr>
+              <a:t>shape</a:t>
+            </a:r>
+            <a:r>
+              <a:rPr lang="nl-NL" sz="1400" dirty="0">
+                <a:solidFill>
+                  <a:srgbClr val="0D0D0D"/>
+                </a:solidFill>
+                <a:latin typeface="Söhne"/>
+              </a:rPr>
+              <a:t> specificeert dat een kat ten minste één naam en één leeftijd moet hebben. Ook hebben we aangegeven dat de leeftijd een integer moet zijn. Nu kunnen we dit SHACL-schema gebruiken om onze RDF-dataset te valideren en te controleren of de katteninformatie correct is gestructureerd volgens deze regels.</a:t>
+            </a:r>
+          </a:p>
+          <a:p>
+            <a:pPr algn="l"/>
+            <a:endParaRPr lang="nl-NL" sz="1400" b="0" i="0" dirty="0">
+              <a:solidFill>
+                <a:srgbClr val="0D0D0D"/>
+              </a:solidFill>
+              <a:effectLst/>
+              <a:latin typeface="Söhne"/>
+            </a:endParaRPr>
+          </a:p>
+          <a:p>
+            <a:pPr algn="l"/>
+            <a:endParaRPr lang="nl-NL" sz="1400" b="0" i="0" dirty="0">
+              <a:solidFill>
+                <a:srgbClr val="0D0D0D"/>
+              </a:solidFill>
+              <a:effectLst/>
+              <a:latin typeface="Söhne"/>
+            </a:endParaRPr>
+          </a:p>
+        </p:txBody>
+      </p:sp>
+      <p:sp>
+        <p:nvSpPr>
+          <p:cNvPr id="3" name="Tijdelijke aanduiding voor inhoud 6">
+            <a:extLst>
+              <a:ext uri="{FF2B5EF4-FFF2-40B4-BE49-F238E27FC236}">
+                <a16:creationId xmlns:a16="http://schemas.microsoft.com/office/drawing/2014/main" id="{6D4D8CBC-C048-05BA-A92A-FF4531F28891}"/>
+              </a:ext>
+            </a:extLst>
+          </p:cNvPr>
+          <p:cNvSpPr txBox="1">
+            <a:spLocks/>
+          </p:cNvSpPr>
+          <p:nvPr/>
+        </p:nvSpPr>
+        <p:spPr>
+          <a:xfrm>
+            <a:off x="10084378" y="5595730"/>
+            <a:ext cx="1182175" cy="1262270"/>
+          </a:xfrm>
+          <a:prstGeom prst="rect">
+            <a:avLst/>
+          </a:prstGeom>
+        </p:spPr>
+        <p:txBody>
+          <a:bodyPr vert="horz" lIns="91440" tIns="45720" rIns="91440" bIns="45720" rtlCol="0" anchor="ctr">
+            <a:normAutofit/>
+          </a:bodyPr>
+          <a:lstStyle>
+            <a:lvl1pPr marL="344488" indent="-344488" algn="l" defTabSz="914400" rtl="0" eaLnBrk="1" latinLnBrk="0" hangingPunct="1">
+              <a:lnSpc>
+                <a:spcPct val="120000"/>
+              </a:lnSpc>
+              <a:spcBef>
+                <a:spcPts val="1000"/>
+              </a:spcBef>
+              <a:spcAft>
+                <a:spcPts val="600"/>
+              </a:spcAft>
+              <a:buClr>
+                <a:schemeClr val="accent6"/>
+              </a:buClr>
+              <a:buSzPct val="90000"/>
+              <a:buFont typeface="Wingdings" panose="05000000000000000000" pitchFamily="2" charset="2"/>
+              <a:buChar char="§"/>
+              <a:defRPr sz="2000" kern="1200">
+                <a:solidFill>
+                  <a:schemeClr val="tx1"/>
+                </a:solidFill>
+                <a:effectLst/>
+                <a:latin typeface="+mn-lt"/>
+                <a:ea typeface="+mn-ea"/>
+                <a:cs typeface="+mn-cs"/>
+              </a:defRPr>
+            </a:lvl1pPr>
+            <a:lvl2pPr marL="795338" indent="-338138" algn="l" defTabSz="914400" rtl="0" eaLnBrk="1" latinLnBrk="0" hangingPunct="1">
+              <a:lnSpc>
+                <a:spcPct val="120000"/>
+              </a:lnSpc>
+              <a:spcBef>
+                <a:spcPts val="500"/>
+              </a:spcBef>
+              <a:spcAft>
+                <a:spcPts val="600"/>
+              </a:spcAft>
+              <a:buClr>
+                <a:schemeClr val="accent6"/>
+              </a:buClr>
+              <a:buSzPct val="90000"/>
+              <a:buFont typeface="Wingdings" panose="05000000000000000000" pitchFamily="2" charset="2"/>
+              <a:buChar char="§"/>
+              <a:defRPr sz="1800" kern="1200">
+                <a:solidFill>
+                  <a:schemeClr val="tx1"/>
+                </a:solidFill>
+                <a:effectLst/>
+                <a:latin typeface="+mn-lt"/>
+                <a:ea typeface="+mn-ea"/>
+                <a:cs typeface="+mn-cs"/>
+              </a:defRPr>
+            </a:lvl2pPr>
+            <a:lvl3pPr marL="1258888" indent="-344488" algn="l" defTabSz="914400" rtl="0" eaLnBrk="1" latinLnBrk="0" hangingPunct="1">
+              <a:lnSpc>
+                <a:spcPct val="120000"/>
+              </a:lnSpc>
+              <a:spcBef>
+                <a:spcPts val="500"/>
+              </a:spcBef>
+              <a:spcAft>
+                <a:spcPts val="600"/>
+              </a:spcAft>
+              <a:buClr>
+                <a:schemeClr val="accent6"/>
+              </a:buClr>
+              <a:buSzPct val="90000"/>
+              <a:buFont typeface="Wingdings" panose="05000000000000000000" pitchFamily="2" charset="2"/>
+              <a:buChar char="§"/>
+              <a:defRPr sz="1600" kern="1200">
+                <a:solidFill>
+                  <a:schemeClr val="tx1"/>
+                </a:solidFill>
+                <a:effectLst/>
+                <a:latin typeface="+mn-lt"/>
+                <a:ea typeface="+mn-ea"/>
+                <a:cs typeface="+mn-cs"/>
+              </a:defRPr>
+            </a:lvl3pPr>
+            <a:lvl4pPr marL="1709738" indent="-338138" algn="l" defTabSz="914400" rtl="0" eaLnBrk="1" latinLnBrk="0" hangingPunct="1">
+              <a:lnSpc>
+                <a:spcPct val="120000"/>
+              </a:lnSpc>
+              <a:spcBef>
+                <a:spcPts val="500"/>
+              </a:spcBef>
+              <a:spcAft>
+                <a:spcPts val="600"/>
+              </a:spcAft>
+              <a:buClr>
+                <a:schemeClr val="accent6"/>
+              </a:buClr>
+              <a:buSzPct val="90000"/>
+              <a:buFont typeface="Wingdings" panose="05000000000000000000" pitchFamily="2" charset="2"/>
+              <a:buChar char="§"/>
+              <a:defRPr sz="1400" kern="1200">
+                <a:solidFill>
+                  <a:schemeClr val="tx1"/>
+                </a:solidFill>
+                <a:effectLst/>
+                <a:latin typeface="+mn-lt"/>
+                <a:ea typeface="+mn-ea"/>
+                <a:cs typeface="+mn-cs"/>
+              </a:defRPr>
+            </a:lvl4pPr>
+            <a:lvl5pPr marL="2173288" indent="-344488" algn="l" defTabSz="914400" rtl="0" eaLnBrk="1" latinLnBrk="0" hangingPunct="1">
+              <a:lnSpc>
+                <a:spcPct val="120000"/>
+              </a:lnSpc>
+              <a:spcBef>
+                <a:spcPts val="500"/>
+              </a:spcBef>
+              <a:spcAft>
+                <a:spcPts val="600"/>
+              </a:spcAft>
+              <a:buClr>
+                <a:schemeClr val="accent6"/>
+              </a:buClr>
+              <a:buSzPct val="90000"/>
+              <a:buFont typeface="Wingdings" panose="05000000000000000000" pitchFamily="2" charset="2"/>
+              <a:buChar char="§"/>
+              <a:defRPr sz="1200" kern="1200">
+                <a:solidFill>
+                  <a:schemeClr val="tx1"/>
+                </a:solidFill>
+                <a:effectLst/>
+                <a:latin typeface="+mn-lt"/>
+                <a:ea typeface="+mn-ea"/>
+                <a:cs typeface="+mn-cs"/>
+              </a:defRPr>
+            </a:lvl5pPr>
+            <a:lvl6pPr marL="2642616" indent="-338328" algn="l" defTabSz="914400" rtl="0" eaLnBrk="1" latinLnBrk="0" hangingPunct="1">
+              <a:lnSpc>
+                <a:spcPct val="120000"/>
+              </a:lnSpc>
+              <a:spcBef>
+                <a:spcPts val="500"/>
+              </a:spcBef>
+              <a:spcAft>
+                <a:spcPts val="600"/>
+              </a:spcAft>
+              <a:buClr>
+                <a:schemeClr val="accent6"/>
+              </a:buClr>
+              <a:buSzPct val="90000"/>
+              <a:buFont typeface="Wingdings" panose="05000000000000000000" pitchFamily="2" charset="2"/>
+              <a:buChar char="§"/>
+              <a:defRPr sz="1200" kern="1200" baseline="0">
+                <a:solidFill>
+                  <a:schemeClr val="tx1"/>
+                </a:solidFill>
+                <a:effectLst/>
+                <a:latin typeface="+mn-lt"/>
+                <a:ea typeface="+mn-ea"/>
+                <a:cs typeface="+mn-cs"/>
+              </a:defRPr>
+            </a:lvl6pPr>
+            <a:lvl7pPr marL="3108960" indent="-338328" algn="l" defTabSz="914400" rtl="0" eaLnBrk="1" latinLnBrk="0" hangingPunct="1">
+              <a:lnSpc>
+                <a:spcPct val="120000"/>
+              </a:lnSpc>
+              <a:spcBef>
+                <a:spcPts val="500"/>
+              </a:spcBef>
+              <a:spcAft>
+                <a:spcPts val="600"/>
+              </a:spcAft>
+              <a:buClr>
+                <a:schemeClr val="accent6"/>
+              </a:buClr>
+              <a:buSzPct val="90000"/>
+              <a:buFont typeface="Wingdings" panose="05000000000000000000" pitchFamily="2" charset="2"/>
+              <a:buChar char="§"/>
+              <a:defRPr sz="1200" kern="1200" baseline="0">
+                <a:solidFill>
+                  <a:schemeClr val="tx1"/>
+                </a:solidFill>
+                <a:effectLst/>
+                <a:latin typeface="+mn-lt"/>
+                <a:ea typeface="+mn-ea"/>
+                <a:cs typeface="+mn-cs"/>
+              </a:defRPr>
+            </a:lvl7pPr>
+            <a:lvl8pPr marL="3575304" indent="-338328" algn="l" defTabSz="914400" rtl="0" eaLnBrk="1" latinLnBrk="0" hangingPunct="1">
+              <a:lnSpc>
+                <a:spcPct val="120000"/>
+              </a:lnSpc>
+              <a:spcBef>
+                <a:spcPts val="500"/>
+              </a:spcBef>
+              <a:spcAft>
+                <a:spcPts val="600"/>
+              </a:spcAft>
+              <a:buClr>
+                <a:schemeClr val="accent6"/>
+              </a:buClr>
+              <a:buSzPct val="90000"/>
+              <a:buFont typeface="Wingdings" panose="05000000000000000000" pitchFamily="2" charset="2"/>
+              <a:buChar char="§"/>
+              <a:defRPr sz="1200" kern="1200" baseline="0">
+                <a:solidFill>
+                  <a:schemeClr val="tx1"/>
+                </a:solidFill>
+                <a:effectLst/>
+                <a:latin typeface="+mn-lt"/>
+                <a:ea typeface="+mn-ea"/>
+                <a:cs typeface="+mn-cs"/>
+              </a:defRPr>
+            </a:lvl8pPr>
+            <a:lvl9pPr marL="4041648" indent="-338328" algn="l" defTabSz="914400" rtl="0" eaLnBrk="1" latinLnBrk="0" hangingPunct="1">
+              <a:lnSpc>
+                <a:spcPct val="120000"/>
+              </a:lnSpc>
+              <a:spcBef>
+                <a:spcPts val="500"/>
+              </a:spcBef>
+              <a:spcAft>
+                <a:spcPts val="600"/>
+              </a:spcAft>
+              <a:buClr>
+                <a:schemeClr val="accent6"/>
+              </a:buClr>
+              <a:buSzPct val="90000"/>
+              <a:buFont typeface="Wingdings" panose="05000000000000000000" pitchFamily="2" charset="2"/>
+              <a:buChar char="§"/>
+              <a:defRPr sz="1200" kern="1200" baseline="0">
+                <a:solidFill>
+                  <a:schemeClr val="tx1"/>
+                </a:solidFill>
+                <a:effectLst/>
+                <a:latin typeface="+mn-lt"/>
+                <a:ea typeface="+mn-ea"/>
+                <a:cs typeface="+mn-cs"/>
+              </a:defRPr>
+            </a:lvl9pPr>
+          </a:lstStyle>
+          <a:p>
+            <a:pPr marL="0" indent="0">
+              <a:buNone/>
+            </a:pPr>
+            <a:r>
+              <a:rPr lang="nl-NL" dirty="0" err="1">
+                <a:latin typeface="Söhne"/>
+              </a:rPr>
+              <a:t>chatgpt</a:t>
+            </a:r>
+            <a:endParaRPr lang="nl-NL" dirty="0">
+              <a:latin typeface="Söhne"/>
+            </a:endParaRPr>
+          </a:p>
+          <a:p>
+            <a:endParaRPr lang="nl-NL" dirty="0"/>
+          </a:p>
+        </p:txBody>
+      </p:sp>
+      <p:pic>
+        <p:nvPicPr>
           <p:cNvPr id="6" name="Afbeelding 5">
             <a:extLst>
               <a:ext uri="{FF2B5EF4-FFF2-40B4-BE49-F238E27FC236}">
@@ -33567,7 +35853,7 @@
 </p:sld>
 </file>
 
-<file path=ppt/slides/slide11.xml><?xml version="1.0" encoding="utf-8"?>
+<file path=ppt/slides/slide13.xml><?xml version="1.0" encoding="utf-8"?>
 <p:sld xmlns:a="http://schemas.openxmlformats.org/drawingml/2006/main" xmlns:r="http://schemas.openxmlformats.org/officeDocument/2006/relationships" xmlns:p="http://schemas.openxmlformats.org/presentationml/2006/main">
   <p:cSld>
     <p:spTree>
@@ -35143,7 +37429,7 @@
         </p:nvSpPr>
         <p:spPr>
           <a:xfrm rot="5400000">
-            <a:off x="5815739" y="2056699"/>
+            <a:off x="5945038" y="2056698"/>
             <a:ext cx="1718884" cy="392239"/>
           </a:xfrm>
           <a:prstGeom prst="rightArrow">
@@ -35461,7 +37747,7 @@
         </p:nvSpPr>
         <p:spPr>
           <a:xfrm rot="5400000">
-            <a:off x="5506654" y="1776794"/>
+            <a:off x="5639361" y="1787681"/>
             <a:ext cx="1398458" cy="631620"/>
           </a:xfrm>
           <a:prstGeom prst="rect">
@@ -35553,15 +37839,7 @@
             <a:pPr algn="ctr"/>
             <a:r>
               <a:rPr lang="nl-NL" dirty="0"/>
-              <a:t>Gegevenscontrole (</a:t>
-            </a:r>
-            <a:r>
-              <a:rPr lang="nl-NL" dirty="0" err="1"/>
-              <a:t>shacl</a:t>
-            </a:r>
-            <a:r>
-              <a:rPr lang="nl-NL" dirty="0"/>
-              <a:t>) over de RDF data</a:t>
+              <a:t>Gegevenscontrole (SHACL) over de RDF data</a:t>
             </a:r>
           </a:p>
         </p:txBody>
@@ -35773,6 +38051,107 @@
             <a:r>
               <a:rPr lang="nl-NL" dirty="0"/>
               <a:t>Linked data</a:t>
+            </a:r>
+          </a:p>
+        </p:txBody>
+      </p:sp>
+      <p:sp>
+        <p:nvSpPr>
+          <p:cNvPr id="4" name="Pijl: rechts 3">
+            <a:extLst>
+              <a:ext uri="{FF2B5EF4-FFF2-40B4-BE49-F238E27FC236}">
+                <a16:creationId xmlns:a16="http://schemas.microsoft.com/office/drawing/2014/main" id="{BA7C8A4B-0C58-FC4E-3F71-0B174C3C0F27}"/>
+              </a:ext>
+            </a:extLst>
+          </p:cNvPr>
+          <p:cNvSpPr/>
+          <p:nvPr/>
+        </p:nvSpPr>
+        <p:spPr>
+          <a:xfrm rot="5400000">
+            <a:off x="4361818" y="2011947"/>
+            <a:ext cx="1607609" cy="392239"/>
+          </a:xfrm>
+          <a:prstGeom prst="rightArrow">
+            <a:avLst/>
+          </a:prstGeom>
+        </p:spPr>
+        <p:style>
+          <a:lnRef idx="2">
+            <a:schemeClr val="accent1">
+              <a:shade val="15000"/>
+            </a:schemeClr>
+          </a:lnRef>
+          <a:fillRef idx="1">
+            <a:schemeClr val="accent1"/>
+          </a:fillRef>
+          <a:effectRef idx="0">
+            <a:schemeClr val="accent1"/>
+          </a:effectRef>
+          <a:fontRef idx="minor">
+            <a:schemeClr val="lt1"/>
+          </a:fontRef>
+        </p:style>
+        <p:txBody>
+          <a:bodyPr rtlCol="0" anchor="ctr"/>
+          <a:lstStyle/>
+          <a:p>
+            <a:pPr algn="ctr"/>
+            <a:r>
+              <a:rPr lang="nl-NL" dirty="0"/>
+              <a:t>Ontologie</a:t>
+            </a:r>
+          </a:p>
+        </p:txBody>
+      </p:sp>
+      <p:sp>
+        <p:nvSpPr>
+          <p:cNvPr id="21" name="Rechthoek 20">
+            <a:extLst>
+              <a:ext uri="{FF2B5EF4-FFF2-40B4-BE49-F238E27FC236}">
+                <a16:creationId xmlns:a16="http://schemas.microsoft.com/office/drawing/2014/main" id="{E75BAC1C-CDA9-5FEF-0145-8F393B968ED7}"/>
+              </a:ext>
+            </a:extLst>
+          </p:cNvPr>
+          <p:cNvSpPr/>
+          <p:nvPr/>
+        </p:nvSpPr>
+        <p:spPr>
+          <a:xfrm rot="5400000">
+            <a:off x="4834858" y="1898042"/>
+            <a:ext cx="1398458" cy="408086"/>
+          </a:xfrm>
+          <a:prstGeom prst="rect">
+            <a:avLst/>
+          </a:prstGeom>
+          <a:solidFill>
+            <a:srgbClr val="0070C0"/>
+          </a:solidFill>
+        </p:spPr>
+        <p:style>
+          <a:lnRef idx="2">
+            <a:schemeClr val="accent1">
+              <a:shade val="15000"/>
+            </a:schemeClr>
+          </a:lnRef>
+          <a:fillRef idx="1">
+            <a:schemeClr val="accent1"/>
+          </a:fillRef>
+          <a:effectRef idx="0">
+            <a:schemeClr val="accent1"/>
+          </a:effectRef>
+          <a:fontRef idx="minor">
+            <a:schemeClr val="lt1"/>
+          </a:fontRef>
+        </p:style>
+        <p:txBody>
+          <a:bodyPr rtlCol="0" anchor="ctr"/>
+          <a:lstStyle/>
+          <a:p>
+            <a:pPr algn="ctr"/>
+            <a:r>
+              <a:rPr lang="nl-NL" dirty="0"/>
+              <a:t>Vormgeving</a:t>
             </a:r>
           </a:p>
         </p:txBody>
@@ -37457,6 +39836,1350 @@
           <a:p>
             <a:r>
               <a:rPr lang="nl-NL" dirty="0"/>
+              <a:t>Wat is een ontologie?</a:t>
+            </a:r>
+          </a:p>
+        </p:txBody>
+      </p:sp>
+      <p:sp>
+        <p:nvSpPr>
+          <p:cNvPr id="31" name="Tijdelijke aanduiding voor inhoud 6">
+            <a:extLst>
+              <a:ext uri="{FF2B5EF4-FFF2-40B4-BE49-F238E27FC236}">
+                <a16:creationId xmlns:a16="http://schemas.microsoft.com/office/drawing/2014/main" id="{38A2A9EE-75E8-49F9-EBD2-15C6298FC791}"/>
+              </a:ext>
+            </a:extLst>
+          </p:cNvPr>
+          <p:cNvSpPr txBox="1">
+            <a:spLocks/>
+          </p:cNvSpPr>
+          <p:nvPr/>
+        </p:nvSpPr>
+        <p:spPr>
+          <a:xfrm>
+            <a:off x="992186" y="892628"/>
+            <a:ext cx="9598025" cy="3189824"/>
+          </a:xfrm>
+          <a:prstGeom prst="rect">
+            <a:avLst/>
+          </a:prstGeom>
+        </p:spPr>
+        <p:txBody>
+          <a:bodyPr vert="horz" lIns="91440" tIns="45720" rIns="91440" bIns="45720" rtlCol="0" anchor="ctr">
+            <a:normAutofit/>
+          </a:bodyPr>
+          <a:lstStyle>
+            <a:lvl1pPr marL="344488" indent="-344488" algn="l" defTabSz="914400" rtl="0" eaLnBrk="1" latinLnBrk="0" hangingPunct="1">
+              <a:lnSpc>
+                <a:spcPct val="120000"/>
+              </a:lnSpc>
+              <a:spcBef>
+                <a:spcPts val="1000"/>
+              </a:spcBef>
+              <a:spcAft>
+                <a:spcPts val="600"/>
+              </a:spcAft>
+              <a:buClr>
+                <a:schemeClr val="accent6"/>
+              </a:buClr>
+              <a:buSzPct val="90000"/>
+              <a:buFont typeface="Wingdings" panose="05000000000000000000" pitchFamily="2" charset="2"/>
+              <a:buChar char="§"/>
+              <a:defRPr lang="en-US" sz="2000" b="0" kern="1200">
+                <a:solidFill>
+                  <a:schemeClr val="tx1"/>
+                </a:solidFill>
+                <a:effectLst/>
+                <a:latin typeface="+mn-lt"/>
+                <a:ea typeface="+mn-ea"/>
+                <a:cs typeface="+mn-cs"/>
+              </a:defRPr>
+            </a:lvl1pPr>
+            <a:lvl2pPr marL="795338" indent="-338138" algn="l" defTabSz="914400" rtl="0" eaLnBrk="1" latinLnBrk="0" hangingPunct="1">
+              <a:lnSpc>
+                <a:spcPct val="120000"/>
+              </a:lnSpc>
+              <a:spcBef>
+                <a:spcPts val="500"/>
+              </a:spcBef>
+              <a:spcAft>
+                <a:spcPts val="600"/>
+              </a:spcAft>
+              <a:buClr>
+                <a:schemeClr val="accent6"/>
+              </a:buClr>
+              <a:buSzPct val="90000"/>
+              <a:buFont typeface="Wingdings" panose="05000000000000000000" pitchFamily="2" charset="2"/>
+              <a:buChar char="§"/>
+              <a:defRPr lang="en-US" sz="1800" b="0" kern="1200">
+                <a:solidFill>
+                  <a:schemeClr val="tx1"/>
+                </a:solidFill>
+                <a:effectLst/>
+                <a:latin typeface="+mn-lt"/>
+                <a:ea typeface="+mn-ea"/>
+                <a:cs typeface="+mn-cs"/>
+              </a:defRPr>
+            </a:lvl2pPr>
+            <a:lvl3pPr marL="1258888" indent="-344488" algn="l" defTabSz="914400" rtl="0" eaLnBrk="1" latinLnBrk="0" hangingPunct="1">
+              <a:lnSpc>
+                <a:spcPct val="120000"/>
+              </a:lnSpc>
+              <a:spcBef>
+                <a:spcPts val="500"/>
+              </a:spcBef>
+              <a:spcAft>
+                <a:spcPts val="600"/>
+              </a:spcAft>
+              <a:buClr>
+                <a:schemeClr val="accent6"/>
+              </a:buClr>
+              <a:buSzPct val="90000"/>
+              <a:buFont typeface="Wingdings" panose="05000000000000000000" pitchFamily="2" charset="2"/>
+              <a:buChar char="§"/>
+              <a:defRPr lang="en-US" sz="1600" b="0" kern="1200">
+                <a:solidFill>
+                  <a:schemeClr val="tx1"/>
+                </a:solidFill>
+                <a:effectLst/>
+                <a:latin typeface="+mn-lt"/>
+                <a:ea typeface="+mn-ea"/>
+                <a:cs typeface="+mn-cs"/>
+              </a:defRPr>
+            </a:lvl3pPr>
+            <a:lvl4pPr marL="1709738" indent="-338138" algn="l" defTabSz="914400" rtl="0" eaLnBrk="1" latinLnBrk="0" hangingPunct="1">
+              <a:lnSpc>
+                <a:spcPct val="120000"/>
+              </a:lnSpc>
+              <a:spcBef>
+                <a:spcPts val="500"/>
+              </a:spcBef>
+              <a:spcAft>
+                <a:spcPts val="600"/>
+              </a:spcAft>
+              <a:buClr>
+                <a:schemeClr val="accent6"/>
+              </a:buClr>
+              <a:buSzPct val="90000"/>
+              <a:buFont typeface="Wingdings" panose="05000000000000000000" pitchFamily="2" charset="2"/>
+              <a:buChar char="§"/>
+              <a:defRPr lang="en-US" sz="1400" b="0" kern="1200">
+                <a:solidFill>
+                  <a:schemeClr val="tx1"/>
+                </a:solidFill>
+                <a:effectLst/>
+                <a:latin typeface="+mn-lt"/>
+                <a:ea typeface="+mn-ea"/>
+                <a:cs typeface="+mn-cs"/>
+              </a:defRPr>
+            </a:lvl4pPr>
+            <a:lvl5pPr marL="2173288" indent="-344488" algn="l" defTabSz="914400" rtl="0" eaLnBrk="1" latinLnBrk="0" hangingPunct="1">
+              <a:lnSpc>
+                <a:spcPct val="120000"/>
+              </a:lnSpc>
+              <a:spcBef>
+                <a:spcPts val="500"/>
+              </a:spcBef>
+              <a:spcAft>
+                <a:spcPts val="600"/>
+              </a:spcAft>
+              <a:buClr>
+                <a:schemeClr val="accent6"/>
+              </a:buClr>
+              <a:buSzPct val="90000"/>
+              <a:buFont typeface="Wingdings" panose="05000000000000000000" pitchFamily="2" charset="2"/>
+              <a:buChar char="§"/>
+              <a:defRPr lang="en-GB" sz="1200" b="0" kern="1200">
+                <a:solidFill>
+                  <a:schemeClr val="tx1"/>
+                </a:solidFill>
+                <a:effectLst/>
+                <a:latin typeface="+mn-lt"/>
+                <a:ea typeface="+mn-ea"/>
+                <a:cs typeface="+mn-cs"/>
+              </a:defRPr>
+            </a:lvl5pPr>
+            <a:lvl6pPr marL="2642616" indent="-338328" algn="l" defTabSz="914400" rtl="0" eaLnBrk="1" latinLnBrk="0" hangingPunct="1">
+              <a:lnSpc>
+                <a:spcPct val="120000"/>
+              </a:lnSpc>
+              <a:spcBef>
+                <a:spcPts val="500"/>
+              </a:spcBef>
+              <a:spcAft>
+                <a:spcPts val="600"/>
+              </a:spcAft>
+              <a:buClr>
+                <a:schemeClr val="accent6"/>
+              </a:buClr>
+              <a:buSzPct val="90000"/>
+              <a:buFont typeface="Wingdings" panose="05000000000000000000" pitchFamily="2" charset="2"/>
+              <a:buChar char="§"/>
+              <a:defRPr sz="1200" kern="1200" baseline="0">
+                <a:solidFill>
+                  <a:schemeClr val="tx1"/>
+                </a:solidFill>
+                <a:effectLst/>
+                <a:latin typeface="+mn-lt"/>
+                <a:ea typeface="+mn-ea"/>
+                <a:cs typeface="+mn-cs"/>
+              </a:defRPr>
+            </a:lvl6pPr>
+            <a:lvl7pPr marL="3108960" indent="-338328" algn="l" defTabSz="914400" rtl="0" eaLnBrk="1" latinLnBrk="0" hangingPunct="1">
+              <a:lnSpc>
+                <a:spcPct val="120000"/>
+              </a:lnSpc>
+              <a:spcBef>
+                <a:spcPts val="500"/>
+              </a:spcBef>
+              <a:spcAft>
+                <a:spcPts val="600"/>
+              </a:spcAft>
+              <a:buClr>
+                <a:schemeClr val="accent6"/>
+              </a:buClr>
+              <a:buSzPct val="90000"/>
+              <a:buFont typeface="Wingdings" panose="05000000000000000000" pitchFamily="2" charset="2"/>
+              <a:buChar char="§"/>
+              <a:defRPr sz="1200" kern="1200" baseline="0">
+                <a:solidFill>
+                  <a:schemeClr val="tx1"/>
+                </a:solidFill>
+                <a:effectLst/>
+                <a:latin typeface="+mn-lt"/>
+                <a:ea typeface="+mn-ea"/>
+                <a:cs typeface="+mn-cs"/>
+              </a:defRPr>
+            </a:lvl7pPr>
+            <a:lvl8pPr marL="3575304" indent="-338328" algn="l" defTabSz="914400" rtl="0" eaLnBrk="1" latinLnBrk="0" hangingPunct="1">
+              <a:lnSpc>
+                <a:spcPct val="120000"/>
+              </a:lnSpc>
+              <a:spcBef>
+                <a:spcPts val="500"/>
+              </a:spcBef>
+              <a:spcAft>
+                <a:spcPts val="600"/>
+              </a:spcAft>
+              <a:buClr>
+                <a:schemeClr val="accent6"/>
+              </a:buClr>
+              <a:buSzPct val="90000"/>
+              <a:buFont typeface="Wingdings" panose="05000000000000000000" pitchFamily="2" charset="2"/>
+              <a:buChar char="§"/>
+              <a:defRPr sz="1200" kern="1200" baseline="0">
+                <a:solidFill>
+                  <a:schemeClr val="tx1"/>
+                </a:solidFill>
+                <a:effectLst/>
+                <a:latin typeface="+mn-lt"/>
+                <a:ea typeface="+mn-ea"/>
+                <a:cs typeface="+mn-cs"/>
+              </a:defRPr>
+            </a:lvl8pPr>
+            <a:lvl9pPr marL="4041648" indent="-338328" algn="l" defTabSz="914400" rtl="0" eaLnBrk="1" latinLnBrk="0" hangingPunct="1">
+              <a:lnSpc>
+                <a:spcPct val="120000"/>
+              </a:lnSpc>
+              <a:spcBef>
+                <a:spcPts val="500"/>
+              </a:spcBef>
+              <a:spcAft>
+                <a:spcPts val="600"/>
+              </a:spcAft>
+              <a:buClr>
+                <a:schemeClr val="accent6"/>
+              </a:buClr>
+              <a:buSzPct val="90000"/>
+              <a:buFont typeface="Wingdings" panose="05000000000000000000" pitchFamily="2" charset="2"/>
+              <a:buChar char="§"/>
+              <a:defRPr sz="1200" kern="1200" baseline="0">
+                <a:solidFill>
+                  <a:schemeClr val="tx1"/>
+                </a:solidFill>
+                <a:effectLst/>
+                <a:latin typeface="+mn-lt"/>
+                <a:ea typeface="+mn-ea"/>
+                <a:cs typeface="+mn-cs"/>
+              </a:defRPr>
+            </a:lvl9pPr>
+          </a:lstStyle>
+          <a:p>
+            <a:pPr marL="0" indent="0" algn="l">
+              <a:buNone/>
+            </a:pPr>
+            <a:r>
+              <a:rPr lang="nl-NL" sz="1600" b="0" i="0" dirty="0">
+                <a:solidFill>
+                  <a:srgbClr val="0D0D0D"/>
+                </a:solidFill>
+                <a:effectLst/>
+                <a:latin typeface="Söhne"/>
+              </a:rPr>
+              <a:t>Binnen Linked Data verwijst een ontologie naar een gestandaardiseerde beschrijving van de concepten en relaties binnen een bepaald domein van kennis. Deze beschrijvingen worden meestal geformaliseerd met behulp van RDF (Resource </a:t>
+            </a:r>
+            <a:r>
+              <a:rPr lang="nl-NL" sz="1600" b="0" i="0" dirty="0" err="1">
+                <a:solidFill>
+                  <a:srgbClr val="0D0D0D"/>
+                </a:solidFill>
+                <a:effectLst/>
+                <a:latin typeface="Söhne"/>
+              </a:rPr>
+              <a:t>Description</a:t>
+            </a:r>
+            <a:r>
+              <a:rPr lang="nl-NL" sz="1600" b="0" i="0" dirty="0">
+                <a:solidFill>
+                  <a:srgbClr val="0D0D0D"/>
+                </a:solidFill>
+                <a:effectLst/>
+                <a:latin typeface="Söhne"/>
+              </a:rPr>
+              <a:t> Framework) en OWL (Web </a:t>
+            </a:r>
+            <a:r>
+              <a:rPr lang="nl-NL" sz="1600" b="0" i="0" dirty="0" err="1">
+                <a:solidFill>
+                  <a:srgbClr val="0D0D0D"/>
+                </a:solidFill>
+                <a:effectLst/>
+                <a:latin typeface="Söhne"/>
+              </a:rPr>
+              <a:t>Ontology</a:t>
+            </a:r>
+            <a:r>
+              <a:rPr lang="nl-NL" sz="1600" b="0" i="0" dirty="0">
+                <a:solidFill>
+                  <a:srgbClr val="0D0D0D"/>
+                </a:solidFill>
+                <a:effectLst/>
+                <a:latin typeface="Söhne"/>
+              </a:rPr>
+              <a:t> Language).</a:t>
+            </a:r>
+          </a:p>
+          <a:p>
+            <a:pPr marL="0" indent="0" algn="l">
+              <a:buNone/>
+            </a:pPr>
+            <a:r>
+              <a:rPr lang="nl-NL" sz="1600" b="0" i="0" dirty="0">
+                <a:solidFill>
+                  <a:srgbClr val="0D0D0D"/>
+                </a:solidFill>
+                <a:effectLst/>
+                <a:latin typeface="Söhne"/>
+              </a:rPr>
+              <a:t>Een ontologie in Linked Data definieert </a:t>
+            </a:r>
+            <a:r>
+              <a:rPr lang="nl-NL" sz="1600" b="1" i="0" dirty="0">
+                <a:solidFill>
+                  <a:srgbClr val="0D0D0D"/>
+                </a:solidFill>
+                <a:effectLst/>
+                <a:latin typeface="Söhne"/>
+              </a:rPr>
+              <a:t>de betekenis van termen en de relaties tussen deze termen</a:t>
+            </a:r>
+            <a:r>
+              <a:rPr lang="nl-NL" sz="1600" b="0" i="0" dirty="0">
+                <a:solidFill>
+                  <a:srgbClr val="0D0D0D"/>
+                </a:solidFill>
+                <a:effectLst/>
+                <a:latin typeface="Söhne"/>
+              </a:rPr>
+              <a:t>. Het biedt een gemeenschappelijk vocabulaire waarmee verschillende datasets kunnen worden gekoppeld en geïntegreerd. Hierdoor kunnen computersystemen beter begrijpen wat de gegevens betekenen en hoe ze met elkaar verband houden, wat cruciaal is voor het realiseren van de visie van het semantische web.</a:t>
+            </a:r>
+          </a:p>
+        </p:txBody>
+      </p:sp>
+      <p:sp>
+        <p:nvSpPr>
+          <p:cNvPr id="6" name="Tijdelijke aanduiding voor inhoud 6">
+            <a:extLst>
+              <a:ext uri="{FF2B5EF4-FFF2-40B4-BE49-F238E27FC236}">
+                <a16:creationId xmlns:a16="http://schemas.microsoft.com/office/drawing/2014/main" id="{83D4BB63-68EA-C7CA-D494-BCA86230C4CC}"/>
+              </a:ext>
+            </a:extLst>
+          </p:cNvPr>
+          <p:cNvSpPr txBox="1">
+            <a:spLocks/>
+          </p:cNvSpPr>
+          <p:nvPr/>
+        </p:nvSpPr>
+        <p:spPr>
+          <a:xfrm>
+            <a:off x="10084378" y="5715164"/>
+            <a:ext cx="1182175" cy="1262270"/>
+          </a:xfrm>
+          <a:prstGeom prst="rect">
+            <a:avLst/>
+          </a:prstGeom>
+        </p:spPr>
+        <p:txBody>
+          <a:bodyPr vert="horz" lIns="91440" tIns="45720" rIns="91440" bIns="45720" rtlCol="0" anchor="ctr">
+            <a:normAutofit/>
+          </a:bodyPr>
+          <a:lstStyle>
+            <a:lvl1pPr marL="344488" indent="-344488" algn="l" defTabSz="914400" rtl="0" eaLnBrk="1" latinLnBrk="0" hangingPunct="1">
+              <a:lnSpc>
+                <a:spcPct val="120000"/>
+              </a:lnSpc>
+              <a:spcBef>
+                <a:spcPts val="1000"/>
+              </a:spcBef>
+              <a:spcAft>
+                <a:spcPts val="600"/>
+              </a:spcAft>
+              <a:buClr>
+                <a:schemeClr val="accent6"/>
+              </a:buClr>
+              <a:buSzPct val="90000"/>
+              <a:buFont typeface="Wingdings" panose="05000000000000000000" pitchFamily="2" charset="2"/>
+              <a:buChar char="§"/>
+              <a:defRPr sz="2000" kern="1200">
+                <a:solidFill>
+                  <a:schemeClr val="tx1"/>
+                </a:solidFill>
+                <a:effectLst/>
+                <a:latin typeface="+mn-lt"/>
+                <a:ea typeface="+mn-ea"/>
+                <a:cs typeface="+mn-cs"/>
+              </a:defRPr>
+            </a:lvl1pPr>
+            <a:lvl2pPr marL="795338" indent="-338138" algn="l" defTabSz="914400" rtl="0" eaLnBrk="1" latinLnBrk="0" hangingPunct="1">
+              <a:lnSpc>
+                <a:spcPct val="120000"/>
+              </a:lnSpc>
+              <a:spcBef>
+                <a:spcPts val="500"/>
+              </a:spcBef>
+              <a:spcAft>
+                <a:spcPts val="600"/>
+              </a:spcAft>
+              <a:buClr>
+                <a:schemeClr val="accent6"/>
+              </a:buClr>
+              <a:buSzPct val="90000"/>
+              <a:buFont typeface="Wingdings" panose="05000000000000000000" pitchFamily="2" charset="2"/>
+              <a:buChar char="§"/>
+              <a:defRPr sz="1800" kern="1200">
+                <a:solidFill>
+                  <a:schemeClr val="tx1"/>
+                </a:solidFill>
+                <a:effectLst/>
+                <a:latin typeface="+mn-lt"/>
+                <a:ea typeface="+mn-ea"/>
+                <a:cs typeface="+mn-cs"/>
+              </a:defRPr>
+            </a:lvl2pPr>
+            <a:lvl3pPr marL="1258888" indent="-344488" algn="l" defTabSz="914400" rtl="0" eaLnBrk="1" latinLnBrk="0" hangingPunct="1">
+              <a:lnSpc>
+                <a:spcPct val="120000"/>
+              </a:lnSpc>
+              <a:spcBef>
+                <a:spcPts val="500"/>
+              </a:spcBef>
+              <a:spcAft>
+                <a:spcPts val="600"/>
+              </a:spcAft>
+              <a:buClr>
+                <a:schemeClr val="accent6"/>
+              </a:buClr>
+              <a:buSzPct val="90000"/>
+              <a:buFont typeface="Wingdings" panose="05000000000000000000" pitchFamily="2" charset="2"/>
+              <a:buChar char="§"/>
+              <a:defRPr sz="1600" kern="1200">
+                <a:solidFill>
+                  <a:schemeClr val="tx1"/>
+                </a:solidFill>
+                <a:effectLst/>
+                <a:latin typeface="+mn-lt"/>
+                <a:ea typeface="+mn-ea"/>
+                <a:cs typeface="+mn-cs"/>
+              </a:defRPr>
+            </a:lvl3pPr>
+            <a:lvl4pPr marL="1709738" indent="-338138" algn="l" defTabSz="914400" rtl="0" eaLnBrk="1" latinLnBrk="0" hangingPunct="1">
+              <a:lnSpc>
+                <a:spcPct val="120000"/>
+              </a:lnSpc>
+              <a:spcBef>
+                <a:spcPts val="500"/>
+              </a:spcBef>
+              <a:spcAft>
+                <a:spcPts val="600"/>
+              </a:spcAft>
+              <a:buClr>
+                <a:schemeClr val="accent6"/>
+              </a:buClr>
+              <a:buSzPct val="90000"/>
+              <a:buFont typeface="Wingdings" panose="05000000000000000000" pitchFamily="2" charset="2"/>
+              <a:buChar char="§"/>
+              <a:defRPr sz="1400" kern="1200">
+                <a:solidFill>
+                  <a:schemeClr val="tx1"/>
+                </a:solidFill>
+                <a:effectLst/>
+                <a:latin typeface="+mn-lt"/>
+                <a:ea typeface="+mn-ea"/>
+                <a:cs typeface="+mn-cs"/>
+              </a:defRPr>
+            </a:lvl4pPr>
+            <a:lvl5pPr marL="2173288" indent="-344488" algn="l" defTabSz="914400" rtl="0" eaLnBrk="1" latinLnBrk="0" hangingPunct="1">
+              <a:lnSpc>
+                <a:spcPct val="120000"/>
+              </a:lnSpc>
+              <a:spcBef>
+                <a:spcPts val="500"/>
+              </a:spcBef>
+              <a:spcAft>
+                <a:spcPts val="600"/>
+              </a:spcAft>
+              <a:buClr>
+                <a:schemeClr val="accent6"/>
+              </a:buClr>
+              <a:buSzPct val="90000"/>
+              <a:buFont typeface="Wingdings" panose="05000000000000000000" pitchFamily="2" charset="2"/>
+              <a:buChar char="§"/>
+              <a:defRPr sz="1200" kern="1200">
+                <a:solidFill>
+                  <a:schemeClr val="tx1"/>
+                </a:solidFill>
+                <a:effectLst/>
+                <a:latin typeface="+mn-lt"/>
+                <a:ea typeface="+mn-ea"/>
+                <a:cs typeface="+mn-cs"/>
+              </a:defRPr>
+            </a:lvl5pPr>
+            <a:lvl6pPr marL="2642616" indent="-338328" algn="l" defTabSz="914400" rtl="0" eaLnBrk="1" latinLnBrk="0" hangingPunct="1">
+              <a:lnSpc>
+                <a:spcPct val="120000"/>
+              </a:lnSpc>
+              <a:spcBef>
+                <a:spcPts val="500"/>
+              </a:spcBef>
+              <a:spcAft>
+                <a:spcPts val="600"/>
+              </a:spcAft>
+              <a:buClr>
+                <a:schemeClr val="accent6"/>
+              </a:buClr>
+              <a:buSzPct val="90000"/>
+              <a:buFont typeface="Wingdings" panose="05000000000000000000" pitchFamily="2" charset="2"/>
+              <a:buChar char="§"/>
+              <a:defRPr sz="1200" kern="1200" baseline="0">
+                <a:solidFill>
+                  <a:schemeClr val="tx1"/>
+                </a:solidFill>
+                <a:effectLst/>
+                <a:latin typeface="+mn-lt"/>
+                <a:ea typeface="+mn-ea"/>
+                <a:cs typeface="+mn-cs"/>
+              </a:defRPr>
+            </a:lvl6pPr>
+            <a:lvl7pPr marL="3108960" indent="-338328" algn="l" defTabSz="914400" rtl="0" eaLnBrk="1" latinLnBrk="0" hangingPunct="1">
+              <a:lnSpc>
+                <a:spcPct val="120000"/>
+              </a:lnSpc>
+              <a:spcBef>
+                <a:spcPts val="500"/>
+              </a:spcBef>
+              <a:spcAft>
+                <a:spcPts val="600"/>
+              </a:spcAft>
+              <a:buClr>
+                <a:schemeClr val="accent6"/>
+              </a:buClr>
+              <a:buSzPct val="90000"/>
+              <a:buFont typeface="Wingdings" panose="05000000000000000000" pitchFamily="2" charset="2"/>
+              <a:buChar char="§"/>
+              <a:defRPr sz="1200" kern="1200" baseline="0">
+                <a:solidFill>
+                  <a:schemeClr val="tx1"/>
+                </a:solidFill>
+                <a:effectLst/>
+                <a:latin typeface="+mn-lt"/>
+                <a:ea typeface="+mn-ea"/>
+                <a:cs typeface="+mn-cs"/>
+              </a:defRPr>
+            </a:lvl7pPr>
+            <a:lvl8pPr marL="3575304" indent="-338328" algn="l" defTabSz="914400" rtl="0" eaLnBrk="1" latinLnBrk="0" hangingPunct="1">
+              <a:lnSpc>
+                <a:spcPct val="120000"/>
+              </a:lnSpc>
+              <a:spcBef>
+                <a:spcPts val="500"/>
+              </a:spcBef>
+              <a:spcAft>
+                <a:spcPts val="600"/>
+              </a:spcAft>
+              <a:buClr>
+                <a:schemeClr val="accent6"/>
+              </a:buClr>
+              <a:buSzPct val="90000"/>
+              <a:buFont typeface="Wingdings" panose="05000000000000000000" pitchFamily="2" charset="2"/>
+              <a:buChar char="§"/>
+              <a:defRPr sz="1200" kern="1200" baseline="0">
+                <a:solidFill>
+                  <a:schemeClr val="tx1"/>
+                </a:solidFill>
+                <a:effectLst/>
+                <a:latin typeface="+mn-lt"/>
+                <a:ea typeface="+mn-ea"/>
+                <a:cs typeface="+mn-cs"/>
+              </a:defRPr>
+            </a:lvl8pPr>
+            <a:lvl9pPr marL="4041648" indent="-338328" algn="l" defTabSz="914400" rtl="0" eaLnBrk="1" latinLnBrk="0" hangingPunct="1">
+              <a:lnSpc>
+                <a:spcPct val="120000"/>
+              </a:lnSpc>
+              <a:spcBef>
+                <a:spcPts val="500"/>
+              </a:spcBef>
+              <a:spcAft>
+                <a:spcPts val="600"/>
+              </a:spcAft>
+              <a:buClr>
+                <a:schemeClr val="accent6"/>
+              </a:buClr>
+              <a:buSzPct val="90000"/>
+              <a:buFont typeface="Wingdings" panose="05000000000000000000" pitchFamily="2" charset="2"/>
+              <a:buChar char="§"/>
+              <a:defRPr sz="1200" kern="1200" baseline="0">
+                <a:solidFill>
+                  <a:schemeClr val="tx1"/>
+                </a:solidFill>
+                <a:effectLst/>
+                <a:latin typeface="+mn-lt"/>
+                <a:ea typeface="+mn-ea"/>
+                <a:cs typeface="+mn-cs"/>
+              </a:defRPr>
+            </a:lvl9pPr>
+          </a:lstStyle>
+          <a:p>
+            <a:pPr marL="0" indent="0">
+              <a:buNone/>
+            </a:pPr>
+            <a:r>
+              <a:rPr lang="nl-NL" dirty="0" err="1">
+                <a:latin typeface="Söhne"/>
+              </a:rPr>
+              <a:t>chatgpt</a:t>
+            </a:r>
+            <a:endParaRPr lang="nl-NL" dirty="0">
+              <a:latin typeface="Söhne"/>
+            </a:endParaRPr>
+          </a:p>
+          <a:p>
+            <a:endParaRPr lang="nl-NL" dirty="0"/>
+          </a:p>
+        </p:txBody>
+      </p:sp>
+    </p:spTree>
+    <p:extLst>
+      <p:ext uri="{BB962C8B-B14F-4D97-AF65-F5344CB8AC3E}">
+        <p14:creationId xmlns:p14="http://schemas.microsoft.com/office/powerpoint/2010/main" val="546690010"/>
+      </p:ext>
+    </p:extLst>
+  </p:cSld>
+  <p:clrMapOvr>
+    <a:masterClrMapping/>
+  </p:clrMapOvr>
+</p:sld>
+</file>
+
+<file path=ppt/slides/slide6.xml><?xml version="1.0" encoding="utf-8"?>
+<p:sld xmlns:a="http://schemas.openxmlformats.org/drawingml/2006/main" xmlns:r="http://schemas.openxmlformats.org/officeDocument/2006/relationships" xmlns:p="http://schemas.openxmlformats.org/presentationml/2006/main">
+  <p:cSld>
+    <p:spTree>
+      <p:nvGrpSpPr>
+        <p:cNvPr id="1" name=""/>
+        <p:cNvGrpSpPr/>
+        <p:nvPr/>
+      </p:nvGrpSpPr>
+      <p:grpSpPr>
+        <a:xfrm>
+          <a:off x="0" y="0"/>
+          <a:ext cx="0" cy="0"/>
+          <a:chOff x="0" y="0"/>
+          <a:chExt cx="0" cy="0"/>
+        </a:xfrm>
+      </p:grpSpPr>
+      <p:sp>
+        <p:nvSpPr>
+          <p:cNvPr id="2" name="Titel 1">
+            <a:extLst>
+              <a:ext uri="{FF2B5EF4-FFF2-40B4-BE49-F238E27FC236}">
+                <a16:creationId xmlns:a16="http://schemas.microsoft.com/office/drawing/2014/main" id="{66EECF1F-3A3A-48A9-AF99-34EA2FE500E0}"/>
+              </a:ext>
+            </a:extLst>
+          </p:cNvPr>
+          <p:cNvSpPr>
+            <a:spLocks noGrp="1"/>
+          </p:cNvSpPr>
+          <p:nvPr>
+            <p:ph type="title"/>
+          </p:nvPr>
+        </p:nvSpPr>
+        <p:spPr/>
+        <p:txBody>
+          <a:bodyPr/>
+          <a:lstStyle/>
+          <a:p>
+            <a:r>
+              <a:rPr lang="nl-NL" dirty="0"/>
+              <a:t>Wat is een ontologie?</a:t>
+            </a:r>
+          </a:p>
+        </p:txBody>
+      </p:sp>
+      <p:sp>
+        <p:nvSpPr>
+          <p:cNvPr id="31" name="Tijdelijke aanduiding voor inhoud 6">
+            <a:extLst>
+              <a:ext uri="{FF2B5EF4-FFF2-40B4-BE49-F238E27FC236}">
+                <a16:creationId xmlns:a16="http://schemas.microsoft.com/office/drawing/2014/main" id="{38A2A9EE-75E8-49F9-EBD2-15C6298FC791}"/>
+              </a:ext>
+            </a:extLst>
+          </p:cNvPr>
+          <p:cNvSpPr txBox="1">
+            <a:spLocks/>
+          </p:cNvSpPr>
+          <p:nvPr/>
+        </p:nvSpPr>
+        <p:spPr>
+          <a:xfrm>
+            <a:off x="992186" y="935501"/>
+            <a:ext cx="9598025" cy="2035938"/>
+          </a:xfrm>
+          <a:prstGeom prst="rect">
+            <a:avLst/>
+          </a:prstGeom>
+        </p:spPr>
+        <p:txBody>
+          <a:bodyPr vert="horz" lIns="91440" tIns="45720" rIns="91440" bIns="45720" rtlCol="0" anchor="ctr">
+            <a:normAutofit/>
+          </a:bodyPr>
+          <a:lstStyle>
+            <a:lvl1pPr marL="344488" indent="-344488" algn="l" defTabSz="914400" rtl="0" eaLnBrk="1" latinLnBrk="0" hangingPunct="1">
+              <a:lnSpc>
+                <a:spcPct val="120000"/>
+              </a:lnSpc>
+              <a:spcBef>
+                <a:spcPts val="1000"/>
+              </a:spcBef>
+              <a:spcAft>
+                <a:spcPts val="600"/>
+              </a:spcAft>
+              <a:buClr>
+                <a:schemeClr val="accent6"/>
+              </a:buClr>
+              <a:buSzPct val="90000"/>
+              <a:buFont typeface="Wingdings" panose="05000000000000000000" pitchFamily="2" charset="2"/>
+              <a:buChar char="§"/>
+              <a:defRPr lang="en-US" sz="2000" b="0" kern="1200">
+                <a:solidFill>
+                  <a:schemeClr val="tx1"/>
+                </a:solidFill>
+                <a:effectLst/>
+                <a:latin typeface="+mn-lt"/>
+                <a:ea typeface="+mn-ea"/>
+                <a:cs typeface="+mn-cs"/>
+              </a:defRPr>
+            </a:lvl1pPr>
+            <a:lvl2pPr marL="795338" indent="-338138" algn="l" defTabSz="914400" rtl="0" eaLnBrk="1" latinLnBrk="0" hangingPunct="1">
+              <a:lnSpc>
+                <a:spcPct val="120000"/>
+              </a:lnSpc>
+              <a:spcBef>
+                <a:spcPts val="500"/>
+              </a:spcBef>
+              <a:spcAft>
+                <a:spcPts val="600"/>
+              </a:spcAft>
+              <a:buClr>
+                <a:schemeClr val="accent6"/>
+              </a:buClr>
+              <a:buSzPct val="90000"/>
+              <a:buFont typeface="Wingdings" panose="05000000000000000000" pitchFamily="2" charset="2"/>
+              <a:buChar char="§"/>
+              <a:defRPr lang="en-US" sz="1800" b="0" kern="1200">
+                <a:solidFill>
+                  <a:schemeClr val="tx1"/>
+                </a:solidFill>
+                <a:effectLst/>
+                <a:latin typeface="+mn-lt"/>
+                <a:ea typeface="+mn-ea"/>
+                <a:cs typeface="+mn-cs"/>
+              </a:defRPr>
+            </a:lvl2pPr>
+            <a:lvl3pPr marL="1258888" indent="-344488" algn="l" defTabSz="914400" rtl="0" eaLnBrk="1" latinLnBrk="0" hangingPunct="1">
+              <a:lnSpc>
+                <a:spcPct val="120000"/>
+              </a:lnSpc>
+              <a:spcBef>
+                <a:spcPts val="500"/>
+              </a:spcBef>
+              <a:spcAft>
+                <a:spcPts val="600"/>
+              </a:spcAft>
+              <a:buClr>
+                <a:schemeClr val="accent6"/>
+              </a:buClr>
+              <a:buSzPct val="90000"/>
+              <a:buFont typeface="Wingdings" panose="05000000000000000000" pitchFamily="2" charset="2"/>
+              <a:buChar char="§"/>
+              <a:defRPr lang="en-US" sz="1600" b="0" kern="1200">
+                <a:solidFill>
+                  <a:schemeClr val="tx1"/>
+                </a:solidFill>
+                <a:effectLst/>
+                <a:latin typeface="+mn-lt"/>
+                <a:ea typeface="+mn-ea"/>
+                <a:cs typeface="+mn-cs"/>
+              </a:defRPr>
+            </a:lvl3pPr>
+            <a:lvl4pPr marL="1709738" indent="-338138" algn="l" defTabSz="914400" rtl="0" eaLnBrk="1" latinLnBrk="0" hangingPunct="1">
+              <a:lnSpc>
+                <a:spcPct val="120000"/>
+              </a:lnSpc>
+              <a:spcBef>
+                <a:spcPts val="500"/>
+              </a:spcBef>
+              <a:spcAft>
+                <a:spcPts val="600"/>
+              </a:spcAft>
+              <a:buClr>
+                <a:schemeClr val="accent6"/>
+              </a:buClr>
+              <a:buSzPct val="90000"/>
+              <a:buFont typeface="Wingdings" panose="05000000000000000000" pitchFamily="2" charset="2"/>
+              <a:buChar char="§"/>
+              <a:defRPr lang="en-US" sz="1400" b="0" kern="1200">
+                <a:solidFill>
+                  <a:schemeClr val="tx1"/>
+                </a:solidFill>
+                <a:effectLst/>
+                <a:latin typeface="+mn-lt"/>
+                <a:ea typeface="+mn-ea"/>
+                <a:cs typeface="+mn-cs"/>
+              </a:defRPr>
+            </a:lvl4pPr>
+            <a:lvl5pPr marL="2173288" indent="-344488" algn="l" defTabSz="914400" rtl="0" eaLnBrk="1" latinLnBrk="0" hangingPunct="1">
+              <a:lnSpc>
+                <a:spcPct val="120000"/>
+              </a:lnSpc>
+              <a:spcBef>
+                <a:spcPts val="500"/>
+              </a:spcBef>
+              <a:spcAft>
+                <a:spcPts val="600"/>
+              </a:spcAft>
+              <a:buClr>
+                <a:schemeClr val="accent6"/>
+              </a:buClr>
+              <a:buSzPct val="90000"/>
+              <a:buFont typeface="Wingdings" panose="05000000000000000000" pitchFamily="2" charset="2"/>
+              <a:buChar char="§"/>
+              <a:defRPr lang="en-GB" sz="1200" b="0" kern="1200">
+                <a:solidFill>
+                  <a:schemeClr val="tx1"/>
+                </a:solidFill>
+                <a:effectLst/>
+                <a:latin typeface="+mn-lt"/>
+                <a:ea typeface="+mn-ea"/>
+                <a:cs typeface="+mn-cs"/>
+              </a:defRPr>
+            </a:lvl5pPr>
+            <a:lvl6pPr marL="2642616" indent="-338328" algn="l" defTabSz="914400" rtl="0" eaLnBrk="1" latinLnBrk="0" hangingPunct="1">
+              <a:lnSpc>
+                <a:spcPct val="120000"/>
+              </a:lnSpc>
+              <a:spcBef>
+                <a:spcPts val="500"/>
+              </a:spcBef>
+              <a:spcAft>
+                <a:spcPts val="600"/>
+              </a:spcAft>
+              <a:buClr>
+                <a:schemeClr val="accent6"/>
+              </a:buClr>
+              <a:buSzPct val="90000"/>
+              <a:buFont typeface="Wingdings" panose="05000000000000000000" pitchFamily="2" charset="2"/>
+              <a:buChar char="§"/>
+              <a:defRPr sz="1200" kern="1200" baseline="0">
+                <a:solidFill>
+                  <a:schemeClr val="tx1"/>
+                </a:solidFill>
+                <a:effectLst/>
+                <a:latin typeface="+mn-lt"/>
+                <a:ea typeface="+mn-ea"/>
+                <a:cs typeface="+mn-cs"/>
+              </a:defRPr>
+            </a:lvl6pPr>
+            <a:lvl7pPr marL="3108960" indent="-338328" algn="l" defTabSz="914400" rtl="0" eaLnBrk="1" latinLnBrk="0" hangingPunct="1">
+              <a:lnSpc>
+                <a:spcPct val="120000"/>
+              </a:lnSpc>
+              <a:spcBef>
+                <a:spcPts val="500"/>
+              </a:spcBef>
+              <a:spcAft>
+                <a:spcPts val="600"/>
+              </a:spcAft>
+              <a:buClr>
+                <a:schemeClr val="accent6"/>
+              </a:buClr>
+              <a:buSzPct val="90000"/>
+              <a:buFont typeface="Wingdings" panose="05000000000000000000" pitchFamily="2" charset="2"/>
+              <a:buChar char="§"/>
+              <a:defRPr sz="1200" kern="1200" baseline="0">
+                <a:solidFill>
+                  <a:schemeClr val="tx1"/>
+                </a:solidFill>
+                <a:effectLst/>
+                <a:latin typeface="+mn-lt"/>
+                <a:ea typeface="+mn-ea"/>
+                <a:cs typeface="+mn-cs"/>
+              </a:defRPr>
+            </a:lvl7pPr>
+            <a:lvl8pPr marL="3575304" indent="-338328" algn="l" defTabSz="914400" rtl="0" eaLnBrk="1" latinLnBrk="0" hangingPunct="1">
+              <a:lnSpc>
+                <a:spcPct val="120000"/>
+              </a:lnSpc>
+              <a:spcBef>
+                <a:spcPts val="500"/>
+              </a:spcBef>
+              <a:spcAft>
+                <a:spcPts val="600"/>
+              </a:spcAft>
+              <a:buClr>
+                <a:schemeClr val="accent6"/>
+              </a:buClr>
+              <a:buSzPct val="90000"/>
+              <a:buFont typeface="Wingdings" panose="05000000000000000000" pitchFamily="2" charset="2"/>
+              <a:buChar char="§"/>
+              <a:defRPr sz="1200" kern="1200" baseline="0">
+                <a:solidFill>
+                  <a:schemeClr val="tx1"/>
+                </a:solidFill>
+                <a:effectLst/>
+                <a:latin typeface="+mn-lt"/>
+                <a:ea typeface="+mn-ea"/>
+                <a:cs typeface="+mn-cs"/>
+              </a:defRPr>
+            </a:lvl8pPr>
+            <a:lvl9pPr marL="4041648" indent="-338328" algn="l" defTabSz="914400" rtl="0" eaLnBrk="1" latinLnBrk="0" hangingPunct="1">
+              <a:lnSpc>
+                <a:spcPct val="120000"/>
+              </a:lnSpc>
+              <a:spcBef>
+                <a:spcPts val="500"/>
+              </a:spcBef>
+              <a:spcAft>
+                <a:spcPts val="600"/>
+              </a:spcAft>
+              <a:buClr>
+                <a:schemeClr val="accent6"/>
+              </a:buClr>
+              <a:buSzPct val="90000"/>
+              <a:buFont typeface="Wingdings" panose="05000000000000000000" pitchFamily="2" charset="2"/>
+              <a:buChar char="§"/>
+              <a:defRPr sz="1200" kern="1200" baseline="0">
+                <a:solidFill>
+                  <a:schemeClr val="tx1"/>
+                </a:solidFill>
+                <a:effectLst/>
+                <a:latin typeface="+mn-lt"/>
+                <a:ea typeface="+mn-ea"/>
+                <a:cs typeface="+mn-cs"/>
+              </a:defRPr>
+            </a:lvl9pPr>
+          </a:lstStyle>
+          <a:p>
+            <a:pPr marL="0" indent="0" algn="l">
+              <a:buNone/>
+            </a:pPr>
+            <a:r>
+              <a:rPr lang="nl-NL" sz="1600" b="0" i="0" dirty="0">
+                <a:solidFill>
+                  <a:srgbClr val="0D0D0D"/>
+                </a:solidFill>
+                <a:effectLst/>
+                <a:latin typeface="Söhne"/>
+              </a:rPr>
+              <a:t>Bijvoorbeeld, als we het hebben over een ontologie voor katten, zou deze ontologie termen definiëren zoals ‘kat’, ‘kleur', ‘soort', enzovoort, evenals de relaties tussen deze termen, zoals ‘heeft kleur' tussen kat en zwart. Met een dergelijke ontologie kunnen bibliografische gegevens uit verschillende bronnen worden samengevoegd en doorzoekbaar worden gemaakt op een consistente manier.</a:t>
+            </a:r>
+          </a:p>
+        </p:txBody>
+      </p:sp>
+      <p:sp>
+        <p:nvSpPr>
+          <p:cNvPr id="6" name="Tijdelijke aanduiding voor inhoud 6">
+            <a:extLst>
+              <a:ext uri="{FF2B5EF4-FFF2-40B4-BE49-F238E27FC236}">
+                <a16:creationId xmlns:a16="http://schemas.microsoft.com/office/drawing/2014/main" id="{83D4BB63-68EA-C7CA-D494-BCA86230C4CC}"/>
+              </a:ext>
+            </a:extLst>
+          </p:cNvPr>
+          <p:cNvSpPr txBox="1">
+            <a:spLocks/>
+          </p:cNvSpPr>
+          <p:nvPr/>
+        </p:nvSpPr>
+        <p:spPr>
+          <a:xfrm>
+            <a:off x="10084378" y="5715164"/>
+            <a:ext cx="1182175" cy="1262270"/>
+          </a:xfrm>
+          <a:prstGeom prst="rect">
+            <a:avLst/>
+          </a:prstGeom>
+        </p:spPr>
+        <p:txBody>
+          <a:bodyPr vert="horz" lIns="91440" tIns="45720" rIns="91440" bIns="45720" rtlCol="0" anchor="ctr">
+            <a:normAutofit/>
+          </a:bodyPr>
+          <a:lstStyle>
+            <a:lvl1pPr marL="344488" indent="-344488" algn="l" defTabSz="914400" rtl="0" eaLnBrk="1" latinLnBrk="0" hangingPunct="1">
+              <a:lnSpc>
+                <a:spcPct val="120000"/>
+              </a:lnSpc>
+              <a:spcBef>
+                <a:spcPts val="1000"/>
+              </a:spcBef>
+              <a:spcAft>
+                <a:spcPts val="600"/>
+              </a:spcAft>
+              <a:buClr>
+                <a:schemeClr val="accent6"/>
+              </a:buClr>
+              <a:buSzPct val="90000"/>
+              <a:buFont typeface="Wingdings" panose="05000000000000000000" pitchFamily="2" charset="2"/>
+              <a:buChar char="§"/>
+              <a:defRPr sz="2000" kern="1200">
+                <a:solidFill>
+                  <a:schemeClr val="tx1"/>
+                </a:solidFill>
+                <a:effectLst/>
+                <a:latin typeface="+mn-lt"/>
+                <a:ea typeface="+mn-ea"/>
+                <a:cs typeface="+mn-cs"/>
+              </a:defRPr>
+            </a:lvl1pPr>
+            <a:lvl2pPr marL="795338" indent="-338138" algn="l" defTabSz="914400" rtl="0" eaLnBrk="1" latinLnBrk="0" hangingPunct="1">
+              <a:lnSpc>
+                <a:spcPct val="120000"/>
+              </a:lnSpc>
+              <a:spcBef>
+                <a:spcPts val="500"/>
+              </a:spcBef>
+              <a:spcAft>
+                <a:spcPts val="600"/>
+              </a:spcAft>
+              <a:buClr>
+                <a:schemeClr val="accent6"/>
+              </a:buClr>
+              <a:buSzPct val="90000"/>
+              <a:buFont typeface="Wingdings" panose="05000000000000000000" pitchFamily="2" charset="2"/>
+              <a:buChar char="§"/>
+              <a:defRPr sz="1800" kern="1200">
+                <a:solidFill>
+                  <a:schemeClr val="tx1"/>
+                </a:solidFill>
+                <a:effectLst/>
+                <a:latin typeface="+mn-lt"/>
+                <a:ea typeface="+mn-ea"/>
+                <a:cs typeface="+mn-cs"/>
+              </a:defRPr>
+            </a:lvl2pPr>
+            <a:lvl3pPr marL="1258888" indent="-344488" algn="l" defTabSz="914400" rtl="0" eaLnBrk="1" latinLnBrk="0" hangingPunct="1">
+              <a:lnSpc>
+                <a:spcPct val="120000"/>
+              </a:lnSpc>
+              <a:spcBef>
+                <a:spcPts val="500"/>
+              </a:spcBef>
+              <a:spcAft>
+                <a:spcPts val="600"/>
+              </a:spcAft>
+              <a:buClr>
+                <a:schemeClr val="accent6"/>
+              </a:buClr>
+              <a:buSzPct val="90000"/>
+              <a:buFont typeface="Wingdings" panose="05000000000000000000" pitchFamily="2" charset="2"/>
+              <a:buChar char="§"/>
+              <a:defRPr sz="1600" kern="1200">
+                <a:solidFill>
+                  <a:schemeClr val="tx1"/>
+                </a:solidFill>
+                <a:effectLst/>
+                <a:latin typeface="+mn-lt"/>
+                <a:ea typeface="+mn-ea"/>
+                <a:cs typeface="+mn-cs"/>
+              </a:defRPr>
+            </a:lvl3pPr>
+            <a:lvl4pPr marL="1709738" indent="-338138" algn="l" defTabSz="914400" rtl="0" eaLnBrk="1" latinLnBrk="0" hangingPunct="1">
+              <a:lnSpc>
+                <a:spcPct val="120000"/>
+              </a:lnSpc>
+              <a:spcBef>
+                <a:spcPts val="500"/>
+              </a:spcBef>
+              <a:spcAft>
+                <a:spcPts val="600"/>
+              </a:spcAft>
+              <a:buClr>
+                <a:schemeClr val="accent6"/>
+              </a:buClr>
+              <a:buSzPct val="90000"/>
+              <a:buFont typeface="Wingdings" panose="05000000000000000000" pitchFamily="2" charset="2"/>
+              <a:buChar char="§"/>
+              <a:defRPr sz="1400" kern="1200">
+                <a:solidFill>
+                  <a:schemeClr val="tx1"/>
+                </a:solidFill>
+                <a:effectLst/>
+                <a:latin typeface="+mn-lt"/>
+                <a:ea typeface="+mn-ea"/>
+                <a:cs typeface="+mn-cs"/>
+              </a:defRPr>
+            </a:lvl4pPr>
+            <a:lvl5pPr marL="2173288" indent="-344488" algn="l" defTabSz="914400" rtl="0" eaLnBrk="1" latinLnBrk="0" hangingPunct="1">
+              <a:lnSpc>
+                <a:spcPct val="120000"/>
+              </a:lnSpc>
+              <a:spcBef>
+                <a:spcPts val="500"/>
+              </a:spcBef>
+              <a:spcAft>
+                <a:spcPts val="600"/>
+              </a:spcAft>
+              <a:buClr>
+                <a:schemeClr val="accent6"/>
+              </a:buClr>
+              <a:buSzPct val="90000"/>
+              <a:buFont typeface="Wingdings" panose="05000000000000000000" pitchFamily="2" charset="2"/>
+              <a:buChar char="§"/>
+              <a:defRPr sz="1200" kern="1200">
+                <a:solidFill>
+                  <a:schemeClr val="tx1"/>
+                </a:solidFill>
+                <a:effectLst/>
+                <a:latin typeface="+mn-lt"/>
+                <a:ea typeface="+mn-ea"/>
+                <a:cs typeface="+mn-cs"/>
+              </a:defRPr>
+            </a:lvl5pPr>
+            <a:lvl6pPr marL="2642616" indent="-338328" algn="l" defTabSz="914400" rtl="0" eaLnBrk="1" latinLnBrk="0" hangingPunct="1">
+              <a:lnSpc>
+                <a:spcPct val="120000"/>
+              </a:lnSpc>
+              <a:spcBef>
+                <a:spcPts val="500"/>
+              </a:spcBef>
+              <a:spcAft>
+                <a:spcPts val="600"/>
+              </a:spcAft>
+              <a:buClr>
+                <a:schemeClr val="accent6"/>
+              </a:buClr>
+              <a:buSzPct val="90000"/>
+              <a:buFont typeface="Wingdings" panose="05000000000000000000" pitchFamily="2" charset="2"/>
+              <a:buChar char="§"/>
+              <a:defRPr sz="1200" kern="1200" baseline="0">
+                <a:solidFill>
+                  <a:schemeClr val="tx1"/>
+                </a:solidFill>
+                <a:effectLst/>
+                <a:latin typeface="+mn-lt"/>
+                <a:ea typeface="+mn-ea"/>
+                <a:cs typeface="+mn-cs"/>
+              </a:defRPr>
+            </a:lvl6pPr>
+            <a:lvl7pPr marL="3108960" indent="-338328" algn="l" defTabSz="914400" rtl="0" eaLnBrk="1" latinLnBrk="0" hangingPunct="1">
+              <a:lnSpc>
+                <a:spcPct val="120000"/>
+              </a:lnSpc>
+              <a:spcBef>
+                <a:spcPts val="500"/>
+              </a:spcBef>
+              <a:spcAft>
+                <a:spcPts val="600"/>
+              </a:spcAft>
+              <a:buClr>
+                <a:schemeClr val="accent6"/>
+              </a:buClr>
+              <a:buSzPct val="90000"/>
+              <a:buFont typeface="Wingdings" panose="05000000000000000000" pitchFamily="2" charset="2"/>
+              <a:buChar char="§"/>
+              <a:defRPr sz="1200" kern="1200" baseline="0">
+                <a:solidFill>
+                  <a:schemeClr val="tx1"/>
+                </a:solidFill>
+                <a:effectLst/>
+                <a:latin typeface="+mn-lt"/>
+                <a:ea typeface="+mn-ea"/>
+                <a:cs typeface="+mn-cs"/>
+              </a:defRPr>
+            </a:lvl7pPr>
+            <a:lvl8pPr marL="3575304" indent="-338328" algn="l" defTabSz="914400" rtl="0" eaLnBrk="1" latinLnBrk="0" hangingPunct="1">
+              <a:lnSpc>
+                <a:spcPct val="120000"/>
+              </a:lnSpc>
+              <a:spcBef>
+                <a:spcPts val="500"/>
+              </a:spcBef>
+              <a:spcAft>
+                <a:spcPts val="600"/>
+              </a:spcAft>
+              <a:buClr>
+                <a:schemeClr val="accent6"/>
+              </a:buClr>
+              <a:buSzPct val="90000"/>
+              <a:buFont typeface="Wingdings" panose="05000000000000000000" pitchFamily="2" charset="2"/>
+              <a:buChar char="§"/>
+              <a:defRPr sz="1200" kern="1200" baseline="0">
+                <a:solidFill>
+                  <a:schemeClr val="tx1"/>
+                </a:solidFill>
+                <a:effectLst/>
+                <a:latin typeface="+mn-lt"/>
+                <a:ea typeface="+mn-ea"/>
+                <a:cs typeface="+mn-cs"/>
+              </a:defRPr>
+            </a:lvl8pPr>
+            <a:lvl9pPr marL="4041648" indent="-338328" algn="l" defTabSz="914400" rtl="0" eaLnBrk="1" latinLnBrk="0" hangingPunct="1">
+              <a:lnSpc>
+                <a:spcPct val="120000"/>
+              </a:lnSpc>
+              <a:spcBef>
+                <a:spcPts val="500"/>
+              </a:spcBef>
+              <a:spcAft>
+                <a:spcPts val="600"/>
+              </a:spcAft>
+              <a:buClr>
+                <a:schemeClr val="accent6"/>
+              </a:buClr>
+              <a:buSzPct val="90000"/>
+              <a:buFont typeface="Wingdings" panose="05000000000000000000" pitchFamily="2" charset="2"/>
+              <a:buChar char="§"/>
+              <a:defRPr sz="1200" kern="1200" baseline="0">
+                <a:solidFill>
+                  <a:schemeClr val="tx1"/>
+                </a:solidFill>
+                <a:effectLst/>
+                <a:latin typeface="+mn-lt"/>
+                <a:ea typeface="+mn-ea"/>
+                <a:cs typeface="+mn-cs"/>
+              </a:defRPr>
+            </a:lvl9pPr>
+          </a:lstStyle>
+          <a:p>
+            <a:pPr marL="0" indent="0">
+              <a:buNone/>
+            </a:pPr>
+            <a:r>
+              <a:rPr lang="nl-NL" dirty="0" err="1">
+                <a:latin typeface="Söhne"/>
+              </a:rPr>
+              <a:t>chatgpt</a:t>
+            </a:r>
+            <a:endParaRPr lang="nl-NL" dirty="0">
+              <a:latin typeface="Söhne"/>
+            </a:endParaRPr>
+          </a:p>
+          <a:p>
+            <a:endParaRPr lang="nl-NL" dirty="0"/>
+          </a:p>
+        </p:txBody>
+      </p:sp>
+      <p:pic>
+        <p:nvPicPr>
+          <p:cNvPr id="3" name="Afbeelding 2">
+            <a:extLst>
+              <a:ext uri="{FF2B5EF4-FFF2-40B4-BE49-F238E27FC236}">
+                <a16:creationId xmlns:a16="http://schemas.microsoft.com/office/drawing/2014/main" id="{9A9D7BB7-C4D0-C92A-BF26-D738F19C999B}"/>
+              </a:ext>
+            </a:extLst>
+          </p:cNvPr>
+          <p:cNvPicPr>
+            <a:picLocks noChangeAspect="1"/>
+          </p:cNvPicPr>
+          <p:nvPr/>
+        </p:nvPicPr>
+        <p:blipFill rotWithShape="1">
+          <a:blip r:embed="rId3"/>
+          <a:srcRect l="4771" b="2143"/>
+          <a:stretch/>
+        </p:blipFill>
+        <p:spPr>
+          <a:xfrm>
+            <a:off x="8564880" y="4742003"/>
+            <a:ext cx="1306004" cy="1946321"/>
+          </a:xfrm>
+          <a:prstGeom prst="rect">
+            <a:avLst/>
+          </a:prstGeom>
+        </p:spPr>
+      </p:pic>
+    </p:spTree>
+    <p:extLst>
+      <p:ext uri="{BB962C8B-B14F-4D97-AF65-F5344CB8AC3E}">
+        <p14:creationId xmlns:p14="http://schemas.microsoft.com/office/powerpoint/2010/main" val="42310640"/>
+      </p:ext>
+    </p:extLst>
+  </p:cSld>
+  <p:clrMapOvr>
+    <a:masterClrMapping/>
+  </p:clrMapOvr>
+</p:sld>
+</file>
+
+<file path=ppt/slides/slide7.xml><?xml version="1.0" encoding="utf-8"?>
+<p:sld xmlns:a="http://schemas.openxmlformats.org/drawingml/2006/main" xmlns:r="http://schemas.openxmlformats.org/officeDocument/2006/relationships" xmlns:p="http://schemas.openxmlformats.org/presentationml/2006/main">
+  <p:cSld>
+    <p:spTree>
+      <p:nvGrpSpPr>
+        <p:cNvPr id="1" name=""/>
+        <p:cNvGrpSpPr/>
+        <p:nvPr/>
+      </p:nvGrpSpPr>
+      <p:grpSpPr>
+        <a:xfrm>
+          <a:off x="0" y="0"/>
+          <a:ext cx="0" cy="0"/>
+          <a:chOff x="0" y="0"/>
+          <a:chExt cx="0" cy="0"/>
+        </a:xfrm>
+      </p:grpSpPr>
+      <p:sp>
+        <p:nvSpPr>
+          <p:cNvPr id="2" name="Titel 1">
+            <a:extLst>
+              <a:ext uri="{FF2B5EF4-FFF2-40B4-BE49-F238E27FC236}">
+                <a16:creationId xmlns:a16="http://schemas.microsoft.com/office/drawing/2014/main" id="{66EECF1F-3A3A-48A9-AF99-34EA2FE500E0}"/>
+              </a:ext>
+            </a:extLst>
+          </p:cNvPr>
+          <p:cNvSpPr>
+            <a:spLocks noGrp="1"/>
+          </p:cNvSpPr>
+          <p:nvPr>
+            <p:ph type="title"/>
+          </p:nvPr>
+        </p:nvSpPr>
+        <p:spPr/>
+        <p:txBody>
+          <a:bodyPr/>
+          <a:lstStyle/>
+          <a:p>
+            <a:r>
+              <a:rPr lang="nl-NL" dirty="0"/>
               <a:t>Wat is RDF ?</a:t>
             </a:r>
           </a:p>
@@ -38223,7 +41946,7 @@
 </p:sld>
 </file>
 
-<file path=ppt/slides/slide6.xml><?xml version="1.0" encoding="utf-8"?>
+<file path=ppt/slides/slide8.xml><?xml version="1.0" encoding="utf-8"?>
 <p:sld xmlns:a="http://schemas.openxmlformats.org/drawingml/2006/main" xmlns:r="http://schemas.openxmlformats.org/officeDocument/2006/relationships" xmlns:p="http://schemas.openxmlformats.org/presentationml/2006/main">
   <p:cSld>
     <p:spTree>
@@ -39358,7 +43081,7 @@
 </p:sld>
 </file>
 
-<file path=ppt/slides/slide7.xml><?xml version="1.0" encoding="utf-8"?>
+<file path=ppt/slides/slide9.xml><?xml version="1.0" encoding="utf-8"?>
 <p:sld xmlns:a="http://schemas.openxmlformats.org/drawingml/2006/main" xmlns:r="http://schemas.openxmlformats.org/officeDocument/2006/relationships" xmlns:p="http://schemas.openxmlformats.org/presentationml/2006/main">
   <p:cSld>
     <p:spTree>
@@ -40124,1929 +43847,6 @@
     <p:extLst>
       <p:ext uri="{BB962C8B-B14F-4D97-AF65-F5344CB8AC3E}">
         <p14:creationId xmlns:p14="http://schemas.microsoft.com/office/powerpoint/2010/main" val="2418587023"/>
-      </p:ext>
-    </p:extLst>
-  </p:cSld>
-  <p:clrMapOvr>
-    <a:masterClrMapping/>
-  </p:clrMapOvr>
-</p:sld>
-</file>
-
-<file path=ppt/slides/slide8.xml><?xml version="1.0" encoding="utf-8"?>
-<p:sld xmlns:a="http://schemas.openxmlformats.org/drawingml/2006/main" xmlns:r="http://schemas.openxmlformats.org/officeDocument/2006/relationships" xmlns:p="http://schemas.openxmlformats.org/presentationml/2006/main">
-  <p:cSld>
-    <p:spTree>
-      <p:nvGrpSpPr>
-        <p:cNvPr id="1" name=""/>
-        <p:cNvGrpSpPr/>
-        <p:nvPr/>
-      </p:nvGrpSpPr>
-      <p:grpSpPr>
-        <a:xfrm>
-          <a:off x="0" y="0"/>
-          <a:ext cx="0" cy="0"/>
-          <a:chOff x="0" y="0"/>
-          <a:chExt cx="0" cy="0"/>
-        </a:xfrm>
-      </p:grpSpPr>
-      <p:sp>
-        <p:nvSpPr>
-          <p:cNvPr id="2" name="Titel 1">
-            <a:extLst>
-              <a:ext uri="{FF2B5EF4-FFF2-40B4-BE49-F238E27FC236}">
-                <a16:creationId xmlns:a16="http://schemas.microsoft.com/office/drawing/2014/main" id="{66EECF1F-3A3A-48A9-AF99-34EA2FE500E0}"/>
-              </a:ext>
-            </a:extLst>
-          </p:cNvPr>
-          <p:cNvSpPr>
-            <a:spLocks noGrp="1"/>
-          </p:cNvSpPr>
-          <p:nvPr>
-            <p:ph type="title"/>
-          </p:nvPr>
-        </p:nvSpPr>
-        <p:spPr/>
-        <p:txBody>
-          <a:bodyPr/>
-          <a:lstStyle/>
-          <a:p>
-            <a:r>
-              <a:rPr lang="nl-NL" dirty="0"/>
-              <a:t>Wat is SPARQL ?</a:t>
-            </a:r>
-          </a:p>
-        </p:txBody>
-      </p:sp>
-      <p:sp>
-        <p:nvSpPr>
-          <p:cNvPr id="31" name="Tijdelijke aanduiding voor inhoud 6">
-            <a:extLst>
-              <a:ext uri="{FF2B5EF4-FFF2-40B4-BE49-F238E27FC236}">
-                <a16:creationId xmlns:a16="http://schemas.microsoft.com/office/drawing/2014/main" id="{38A2A9EE-75E8-49F9-EBD2-15C6298FC791}"/>
-              </a:ext>
-            </a:extLst>
-          </p:cNvPr>
-          <p:cNvSpPr txBox="1">
-            <a:spLocks/>
-          </p:cNvSpPr>
-          <p:nvPr/>
-        </p:nvSpPr>
-        <p:spPr>
-          <a:xfrm>
-            <a:off x="1481492" y="1294394"/>
-            <a:ext cx="9598025" cy="5010150"/>
-          </a:xfrm>
-          <a:prstGeom prst="rect">
-            <a:avLst/>
-          </a:prstGeom>
-        </p:spPr>
-        <p:txBody>
-          <a:bodyPr vert="horz" lIns="91440" tIns="45720" rIns="91440" bIns="45720" rtlCol="0" anchor="ctr">
-            <a:normAutofit/>
-          </a:bodyPr>
-          <a:lstStyle>
-            <a:lvl1pPr marL="344488" indent="-344488" algn="l" defTabSz="914400" rtl="0" eaLnBrk="1" latinLnBrk="0" hangingPunct="1">
-              <a:lnSpc>
-                <a:spcPct val="120000"/>
-              </a:lnSpc>
-              <a:spcBef>
-                <a:spcPts val="1000"/>
-              </a:spcBef>
-              <a:spcAft>
-                <a:spcPts val="600"/>
-              </a:spcAft>
-              <a:buClr>
-                <a:schemeClr val="accent6"/>
-              </a:buClr>
-              <a:buSzPct val="90000"/>
-              <a:buFont typeface="Wingdings" panose="05000000000000000000" pitchFamily="2" charset="2"/>
-              <a:buChar char="§"/>
-              <a:defRPr lang="en-US" sz="2000" b="0" kern="1200">
-                <a:solidFill>
-                  <a:schemeClr val="tx1"/>
-                </a:solidFill>
-                <a:effectLst/>
-                <a:latin typeface="+mn-lt"/>
-                <a:ea typeface="+mn-ea"/>
-                <a:cs typeface="+mn-cs"/>
-              </a:defRPr>
-            </a:lvl1pPr>
-            <a:lvl2pPr marL="795338" indent="-338138" algn="l" defTabSz="914400" rtl="0" eaLnBrk="1" latinLnBrk="0" hangingPunct="1">
-              <a:lnSpc>
-                <a:spcPct val="120000"/>
-              </a:lnSpc>
-              <a:spcBef>
-                <a:spcPts val="500"/>
-              </a:spcBef>
-              <a:spcAft>
-                <a:spcPts val="600"/>
-              </a:spcAft>
-              <a:buClr>
-                <a:schemeClr val="accent6"/>
-              </a:buClr>
-              <a:buSzPct val="90000"/>
-              <a:buFont typeface="Wingdings" panose="05000000000000000000" pitchFamily="2" charset="2"/>
-              <a:buChar char="§"/>
-              <a:defRPr lang="en-US" sz="1800" b="0" kern="1200">
-                <a:solidFill>
-                  <a:schemeClr val="tx1"/>
-                </a:solidFill>
-                <a:effectLst/>
-                <a:latin typeface="+mn-lt"/>
-                <a:ea typeface="+mn-ea"/>
-                <a:cs typeface="+mn-cs"/>
-              </a:defRPr>
-            </a:lvl2pPr>
-            <a:lvl3pPr marL="1258888" indent="-344488" algn="l" defTabSz="914400" rtl="0" eaLnBrk="1" latinLnBrk="0" hangingPunct="1">
-              <a:lnSpc>
-                <a:spcPct val="120000"/>
-              </a:lnSpc>
-              <a:spcBef>
-                <a:spcPts val="500"/>
-              </a:spcBef>
-              <a:spcAft>
-                <a:spcPts val="600"/>
-              </a:spcAft>
-              <a:buClr>
-                <a:schemeClr val="accent6"/>
-              </a:buClr>
-              <a:buSzPct val="90000"/>
-              <a:buFont typeface="Wingdings" panose="05000000000000000000" pitchFamily="2" charset="2"/>
-              <a:buChar char="§"/>
-              <a:defRPr lang="en-US" sz="1600" b="0" kern="1200">
-                <a:solidFill>
-                  <a:schemeClr val="tx1"/>
-                </a:solidFill>
-                <a:effectLst/>
-                <a:latin typeface="+mn-lt"/>
-                <a:ea typeface="+mn-ea"/>
-                <a:cs typeface="+mn-cs"/>
-              </a:defRPr>
-            </a:lvl3pPr>
-            <a:lvl4pPr marL="1709738" indent="-338138" algn="l" defTabSz="914400" rtl="0" eaLnBrk="1" latinLnBrk="0" hangingPunct="1">
-              <a:lnSpc>
-                <a:spcPct val="120000"/>
-              </a:lnSpc>
-              <a:spcBef>
-                <a:spcPts val="500"/>
-              </a:spcBef>
-              <a:spcAft>
-                <a:spcPts val="600"/>
-              </a:spcAft>
-              <a:buClr>
-                <a:schemeClr val="accent6"/>
-              </a:buClr>
-              <a:buSzPct val="90000"/>
-              <a:buFont typeface="Wingdings" panose="05000000000000000000" pitchFamily="2" charset="2"/>
-              <a:buChar char="§"/>
-              <a:defRPr lang="en-US" sz="1400" b="0" kern="1200">
-                <a:solidFill>
-                  <a:schemeClr val="tx1"/>
-                </a:solidFill>
-                <a:effectLst/>
-                <a:latin typeface="+mn-lt"/>
-                <a:ea typeface="+mn-ea"/>
-                <a:cs typeface="+mn-cs"/>
-              </a:defRPr>
-            </a:lvl4pPr>
-            <a:lvl5pPr marL="2173288" indent="-344488" algn="l" defTabSz="914400" rtl="0" eaLnBrk="1" latinLnBrk="0" hangingPunct="1">
-              <a:lnSpc>
-                <a:spcPct val="120000"/>
-              </a:lnSpc>
-              <a:spcBef>
-                <a:spcPts val="500"/>
-              </a:spcBef>
-              <a:spcAft>
-                <a:spcPts val="600"/>
-              </a:spcAft>
-              <a:buClr>
-                <a:schemeClr val="accent6"/>
-              </a:buClr>
-              <a:buSzPct val="90000"/>
-              <a:buFont typeface="Wingdings" panose="05000000000000000000" pitchFamily="2" charset="2"/>
-              <a:buChar char="§"/>
-              <a:defRPr lang="en-GB" sz="1200" b="0" kern="1200">
-                <a:solidFill>
-                  <a:schemeClr val="tx1"/>
-                </a:solidFill>
-                <a:effectLst/>
-                <a:latin typeface="+mn-lt"/>
-                <a:ea typeface="+mn-ea"/>
-                <a:cs typeface="+mn-cs"/>
-              </a:defRPr>
-            </a:lvl5pPr>
-            <a:lvl6pPr marL="2642616" indent="-338328" algn="l" defTabSz="914400" rtl="0" eaLnBrk="1" latinLnBrk="0" hangingPunct="1">
-              <a:lnSpc>
-                <a:spcPct val="120000"/>
-              </a:lnSpc>
-              <a:spcBef>
-                <a:spcPts val="500"/>
-              </a:spcBef>
-              <a:spcAft>
-                <a:spcPts val="600"/>
-              </a:spcAft>
-              <a:buClr>
-                <a:schemeClr val="accent6"/>
-              </a:buClr>
-              <a:buSzPct val="90000"/>
-              <a:buFont typeface="Wingdings" panose="05000000000000000000" pitchFamily="2" charset="2"/>
-              <a:buChar char="§"/>
-              <a:defRPr sz="1200" kern="1200" baseline="0">
-                <a:solidFill>
-                  <a:schemeClr val="tx1"/>
-                </a:solidFill>
-                <a:effectLst/>
-                <a:latin typeface="+mn-lt"/>
-                <a:ea typeface="+mn-ea"/>
-                <a:cs typeface="+mn-cs"/>
-              </a:defRPr>
-            </a:lvl6pPr>
-            <a:lvl7pPr marL="3108960" indent="-338328" algn="l" defTabSz="914400" rtl="0" eaLnBrk="1" latinLnBrk="0" hangingPunct="1">
-              <a:lnSpc>
-                <a:spcPct val="120000"/>
-              </a:lnSpc>
-              <a:spcBef>
-                <a:spcPts val="500"/>
-              </a:spcBef>
-              <a:spcAft>
-                <a:spcPts val="600"/>
-              </a:spcAft>
-              <a:buClr>
-                <a:schemeClr val="accent6"/>
-              </a:buClr>
-              <a:buSzPct val="90000"/>
-              <a:buFont typeface="Wingdings" panose="05000000000000000000" pitchFamily="2" charset="2"/>
-              <a:buChar char="§"/>
-              <a:defRPr sz="1200" kern="1200" baseline="0">
-                <a:solidFill>
-                  <a:schemeClr val="tx1"/>
-                </a:solidFill>
-                <a:effectLst/>
-                <a:latin typeface="+mn-lt"/>
-                <a:ea typeface="+mn-ea"/>
-                <a:cs typeface="+mn-cs"/>
-              </a:defRPr>
-            </a:lvl7pPr>
-            <a:lvl8pPr marL="3575304" indent="-338328" algn="l" defTabSz="914400" rtl="0" eaLnBrk="1" latinLnBrk="0" hangingPunct="1">
-              <a:lnSpc>
-                <a:spcPct val="120000"/>
-              </a:lnSpc>
-              <a:spcBef>
-                <a:spcPts val="500"/>
-              </a:spcBef>
-              <a:spcAft>
-                <a:spcPts val="600"/>
-              </a:spcAft>
-              <a:buClr>
-                <a:schemeClr val="accent6"/>
-              </a:buClr>
-              <a:buSzPct val="90000"/>
-              <a:buFont typeface="Wingdings" panose="05000000000000000000" pitchFamily="2" charset="2"/>
-              <a:buChar char="§"/>
-              <a:defRPr sz="1200" kern="1200" baseline="0">
-                <a:solidFill>
-                  <a:schemeClr val="tx1"/>
-                </a:solidFill>
-                <a:effectLst/>
-                <a:latin typeface="+mn-lt"/>
-                <a:ea typeface="+mn-ea"/>
-                <a:cs typeface="+mn-cs"/>
-              </a:defRPr>
-            </a:lvl8pPr>
-            <a:lvl9pPr marL="4041648" indent="-338328" algn="l" defTabSz="914400" rtl="0" eaLnBrk="1" latinLnBrk="0" hangingPunct="1">
-              <a:lnSpc>
-                <a:spcPct val="120000"/>
-              </a:lnSpc>
-              <a:spcBef>
-                <a:spcPts val="500"/>
-              </a:spcBef>
-              <a:spcAft>
-                <a:spcPts val="600"/>
-              </a:spcAft>
-              <a:buClr>
-                <a:schemeClr val="accent6"/>
-              </a:buClr>
-              <a:buSzPct val="90000"/>
-              <a:buFont typeface="Wingdings" panose="05000000000000000000" pitchFamily="2" charset="2"/>
-              <a:buChar char="§"/>
-              <a:defRPr sz="1200" kern="1200" baseline="0">
-                <a:solidFill>
-                  <a:schemeClr val="tx1"/>
-                </a:solidFill>
-                <a:effectLst/>
-                <a:latin typeface="+mn-lt"/>
-                <a:ea typeface="+mn-ea"/>
-                <a:cs typeface="+mn-cs"/>
-              </a:defRPr>
-            </a:lvl9pPr>
-          </a:lstStyle>
-          <a:p>
-            <a:pPr marL="0" indent="0">
-              <a:buFont typeface="Wingdings" panose="05000000000000000000" pitchFamily="2" charset="2"/>
-              <a:buNone/>
-            </a:pPr>
-            <a:endParaRPr lang="nl-NL" dirty="0"/>
-          </a:p>
-        </p:txBody>
-      </p:sp>
-      <p:sp>
-        <p:nvSpPr>
-          <p:cNvPr id="4" name="Tekstvak 3">
-            <a:extLst>
-              <a:ext uri="{FF2B5EF4-FFF2-40B4-BE49-F238E27FC236}">
-                <a16:creationId xmlns:a16="http://schemas.microsoft.com/office/drawing/2014/main" id="{0D450E02-4A61-8A4F-DFCB-076C0CA610BB}"/>
-              </a:ext>
-            </a:extLst>
-          </p:cNvPr>
-          <p:cNvSpPr txBox="1"/>
-          <p:nvPr/>
-        </p:nvSpPr>
-        <p:spPr>
-          <a:xfrm>
-            <a:off x="914978" y="992094"/>
-            <a:ext cx="10164539" cy="7448193"/>
-          </a:xfrm>
-          <a:prstGeom prst="rect">
-            <a:avLst/>
-          </a:prstGeom>
-          <a:noFill/>
-        </p:spPr>
-        <p:txBody>
-          <a:bodyPr wrap="square" rtlCol="0">
-            <a:spAutoFit/>
-          </a:bodyPr>
-          <a:lstStyle/>
-          <a:p>
-            <a:pPr algn="l"/>
-            <a:br>
-              <a:rPr lang="nl-NL" sz="2000" b="0" i="0" dirty="0">
-                <a:solidFill>
-                  <a:srgbClr val="0D0D0D"/>
-                </a:solidFill>
-                <a:effectLst/>
-                <a:latin typeface="Söhne"/>
-              </a:rPr>
-            </a:br>
-            <a:r>
-              <a:rPr lang="nl-NL" sz="1400" b="0" i="0" dirty="0">
-                <a:solidFill>
-                  <a:srgbClr val="0D0D0D"/>
-                </a:solidFill>
-                <a:effectLst/>
-                <a:latin typeface="Söhne"/>
-              </a:rPr>
-              <a:t>Stel dat we een RDF-dataset hebben die informatie bevat over verschillende huisdieren, inclusief katten. Laten we aannemen dat de dataset </a:t>
-            </a:r>
-            <a:r>
-              <a:rPr lang="nl-NL" sz="1400" b="0" i="0" dirty="0" err="1">
-                <a:solidFill>
-                  <a:srgbClr val="0D0D0D"/>
-                </a:solidFill>
-                <a:effectLst/>
-                <a:latin typeface="Söhne"/>
-              </a:rPr>
-              <a:t>triples</a:t>
-            </a:r>
-            <a:r>
-              <a:rPr lang="nl-NL" sz="1400" b="0" i="0" dirty="0">
-                <a:solidFill>
-                  <a:srgbClr val="0D0D0D"/>
-                </a:solidFill>
-                <a:effectLst/>
-                <a:latin typeface="Söhne"/>
-              </a:rPr>
-              <a:t> bevat die de namen, leeftijden en types huisdier van verschillende dieren bevatten.</a:t>
-            </a:r>
-          </a:p>
-          <a:p>
-            <a:pPr algn="l"/>
-            <a:r>
-              <a:rPr lang="nl-NL" sz="1400" b="0" i="0" dirty="0">
-                <a:solidFill>
-                  <a:srgbClr val="0D0D0D"/>
-                </a:solidFill>
-                <a:effectLst/>
-                <a:latin typeface="Söhne"/>
-              </a:rPr>
-              <a:t>Hier is een voorbeeld van zo'n RDF-triple:</a:t>
-            </a:r>
-          </a:p>
-          <a:p>
-            <a:pPr algn="l"/>
-            <a:endParaRPr lang="nl-NL" sz="1600" b="0" i="0" dirty="0">
-              <a:solidFill>
-                <a:srgbClr val="FF0000"/>
-              </a:solidFill>
-              <a:effectLst/>
-              <a:latin typeface="Söhne"/>
-            </a:endParaRPr>
-          </a:p>
-          <a:p>
-            <a:pPr algn="l"/>
-            <a:r>
-              <a:rPr lang="en-US" sz="1200" b="0" i="0" dirty="0">
-                <a:solidFill>
-                  <a:srgbClr val="FF0000"/>
-                </a:solidFill>
-                <a:effectLst/>
-                <a:latin typeface="Söhne"/>
-              </a:rPr>
-              <a:t>&lt;http://example.org/whiskers&gt; &lt;http://example.org/hasName&gt; "Whiskers" .</a:t>
-            </a:r>
-          </a:p>
-          <a:p>
-            <a:pPr algn="l"/>
-            <a:r>
-              <a:rPr lang="en-US" sz="1200" b="0" i="0" dirty="0">
-                <a:solidFill>
-                  <a:srgbClr val="FF0000"/>
-                </a:solidFill>
-                <a:effectLst/>
-                <a:latin typeface="Söhne"/>
-              </a:rPr>
-              <a:t>&lt;http://example.org/whiskers&gt; &lt;http://example.org/hasAge&gt; "5"^^&lt;http://www.w3.org/2001/XMLSchema#integer&gt; .</a:t>
-            </a:r>
-          </a:p>
-          <a:p>
-            <a:pPr algn="l"/>
-            <a:r>
-              <a:rPr lang="en-US" sz="1200" b="0" i="0" dirty="0">
-                <a:solidFill>
-                  <a:srgbClr val="FF0000"/>
-                </a:solidFill>
-                <a:effectLst/>
-                <a:latin typeface="Söhne"/>
-              </a:rPr>
-              <a:t>&lt;http://example.org/whiskers&gt; &lt;http://example.org/isPetOfType&gt; "cat" .</a:t>
-            </a:r>
-          </a:p>
-          <a:p>
-            <a:pPr algn="l"/>
-            <a:endParaRPr lang="en-US" sz="1600" dirty="0">
-              <a:solidFill>
-                <a:srgbClr val="0D0D0D"/>
-              </a:solidFill>
-              <a:latin typeface="Söhne"/>
-            </a:endParaRPr>
-          </a:p>
-          <a:p>
-            <a:pPr algn="l"/>
-            <a:r>
-              <a:rPr lang="nl-NL" sz="1400" b="0" i="0" dirty="0">
-                <a:solidFill>
-                  <a:srgbClr val="0D0D0D"/>
-                </a:solidFill>
-                <a:effectLst/>
-                <a:latin typeface="Söhne"/>
-              </a:rPr>
-              <a:t>Nu, laten we een SPARQL-query schrijven om de namen van alle katten in de dataset op te halen:</a:t>
-            </a:r>
-            <a:endParaRPr lang="en-US" sz="1400" b="0" i="0" dirty="0">
-              <a:solidFill>
-                <a:srgbClr val="0D0D0D"/>
-              </a:solidFill>
-              <a:effectLst/>
-              <a:latin typeface="Söhne"/>
-            </a:endParaRPr>
-          </a:p>
-          <a:p>
-            <a:pPr algn="l"/>
-            <a:r>
-              <a:rPr lang="en-US" sz="1600" dirty="0">
-                <a:solidFill>
-                  <a:srgbClr val="0D0D0D"/>
-                </a:solidFill>
-                <a:latin typeface="Söhne"/>
-              </a:rPr>
-              <a:t>----------------------------------------------------------------------------------------------</a:t>
-            </a:r>
-          </a:p>
-          <a:p>
-            <a:pPr algn="l"/>
-            <a:r>
-              <a:rPr lang="en-US" sz="1400" b="0" i="0" dirty="0">
-                <a:solidFill>
-                  <a:srgbClr val="FF0000"/>
-                </a:solidFill>
-                <a:effectLst/>
-                <a:latin typeface="Söhne"/>
-              </a:rPr>
-              <a:t>PREFIX ex: &lt;http://example.org/&gt;</a:t>
-            </a:r>
-          </a:p>
-          <a:p>
-            <a:pPr algn="l"/>
-            <a:endParaRPr lang="en-US" sz="1400" b="0" i="0" dirty="0">
-              <a:solidFill>
-                <a:srgbClr val="FF0000"/>
-              </a:solidFill>
-              <a:effectLst/>
-              <a:latin typeface="Söhne"/>
-            </a:endParaRPr>
-          </a:p>
-          <a:p>
-            <a:pPr algn="l"/>
-            <a:r>
-              <a:rPr lang="en-US" sz="1400" b="0" i="0" dirty="0">
-                <a:solidFill>
-                  <a:srgbClr val="FF0000"/>
-                </a:solidFill>
-                <a:effectLst/>
-                <a:latin typeface="Söhne"/>
-              </a:rPr>
-              <a:t>SELECT ?name</a:t>
-            </a:r>
-          </a:p>
-          <a:p>
-            <a:pPr algn="l"/>
-            <a:r>
-              <a:rPr lang="en-US" sz="1400" b="0" i="0" dirty="0">
-                <a:solidFill>
-                  <a:srgbClr val="FF0000"/>
-                </a:solidFill>
-                <a:effectLst/>
-                <a:latin typeface="Söhne"/>
-              </a:rPr>
-              <a:t>WHERE {</a:t>
-            </a:r>
-          </a:p>
-          <a:p>
-            <a:pPr algn="l"/>
-            <a:r>
-              <a:rPr lang="en-US" sz="1400" b="0" i="0" dirty="0">
-                <a:solidFill>
-                  <a:srgbClr val="FF0000"/>
-                </a:solidFill>
-                <a:effectLst/>
-                <a:latin typeface="Söhne"/>
-              </a:rPr>
-              <a:t>  ?cat </a:t>
-            </a:r>
-            <a:r>
-              <a:rPr lang="en-US" sz="1400" b="0" i="0" dirty="0" err="1">
-                <a:solidFill>
-                  <a:srgbClr val="FF0000"/>
-                </a:solidFill>
-                <a:effectLst/>
-                <a:latin typeface="Söhne"/>
-              </a:rPr>
-              <a:t>ex:hasName</a:t>
-            </a:r>
-            <a:r>
-              <a:rPr lang="en-US" sz="1400" b="0" i="0" dirty="0">
-                <a:solidFill>
-                  <a:srgbClr val="FF0000"/>
-                </a:solidFill>
-                <a:effectLst/>
-                <a:latin typeface="Söhne"/>
-              </a:rPr>
-              <a:t> ?name .</a:t>
-            </a:r>
-          </a:p>
-          <a:p>
-            <a:pPr algn="l"/>
-            <a:r>
-              <a:rPr lang="en-US" sz="1400" b="0" i="0" dirty="0">
-                <a:solidFill>
-                  <a:srgbClr val="FF0000"/>
-                </a:solidFill>
-                <a:effectLst/>
-                <a:latin typeface="Söhne"/>
-              </a:rPr>
-              <a:t>  ?cat </a:t>
-            </a:r>
-            <a:r>
-              <a:rPr lang="en-US" sz="1400" b="0" i="0" dirty="0" err="1">
-                <a:solidFill>
-                  <a:srgbClr val="FF0000"/>
-                </a:solidFill>
-                <a:effectLst/>
-                <a:latin typeface="Söhne"/>
-              </a:rPr>
-              <a:t>ex:isPetOfType</a:t>
-            </a:r>
-            <a:r>
-              <a:rPr lang="en-US" sz="1400" b="0" i="0" dirty="0">
-                <a:solidFill>
-                  <a:srgbClr val="FF0000"/>
-                </a:solidFill>
-                <a:effectLst/>
-                <a:latin typeface="Söhne"/>
-              </a:rPr>
-              <a:t> "cat" .</a:t>
-            </a:r>
-          </a:p>
-          <a:p>
-            <a:pPr algn="l"/>
-            <a:r>
-              <a:rPr lang="en-US" sz="1400" b="0" i="0" dirty="0">
-                <a:solidFill>
-                  <a:srgbClr val="FF0000"/>
-                </a:solidFill>
-                <a:effectLst/>
-                <a:latin typeface="Söhne"/>
-              </a:rPr>
-              <a:t>}</a:t>
-            </a:r>
-          </a:p>
-          <a:p>
-            <a:pPr algn="l"/>
-            <a:r>
-              <a:rPr lang="en-US" sz="1600" dirty="0">
-                <a:solidFill>
-                  <a:srgbClr val="0D0D0D"/>
-                </a:solidFill>
-                <a:latin typeface="Söhne"/>
-              </a:rPr>
-              <a:t>----------------------------------------------------------------------</a:t>
-            </a:r>
-          </a:p>
-          <a:p>
-            <a:pPr algn="l"/>
-            <a:r>
-              <a:rPr lang="nl-NL" sz="1400" b="0" i="0" dirty="0">
-                <a:solidFill>
-                  <a:srgbClr val="0D0D0D"/>
-                </a:solidFill>
-                <a:effectLst/>
-                <a:latin typeface="Söhne"/>
-              </a:rPr>
-              <a:t>Deze SPARQL-query zoekt naar </a:t>
-            </a:r>
-            <a:r>
-              <a:rPr lang="nl-NL" sz="1400" b="0" i="0" dirty="0" err="1">
-                <a:solidFill>
-                  <a:srgbClr val="0D0D0D"/>
-                </a:solidFill>
-                <a:effectLst/>
-                <a:latin typeface="Söhne"/>
-              </a:rPr>
-              <a:t>triples</a:t>
-            </a:r>
-            <a:r>
-              <a:rPr lang="nl-NL" sz="1400" b="0" i="0" dirty="0">
-                <a:solidFill>
-                  <a:srgbClr val="0D0D0D"/>
-                </a:solidFill>
-                <a:effectLst/>
-                <a:latin typeface="Söhne"/>
-              </a:rPr>
-              <a:t> waarbij het object een "</a:t>
-            </a:r>
-            <a:r>
-              <a:rPr lang="nl-NL" sz="1400" b="0" i="0" dirty="0" err="1">
-                <a:solidFill>
-                  <a:srgbClr val="0D0D0D"/>
-                </a:solidFill>
-                <a:effectLst/>
-                <a:latin typeface="Söhne"/>
-              </a:rPr>
-              <a:t>cat</a:t>
-            </a:r>
-            <a:r>
-              <a:rPr lang="nl-NL" sz="1400" b="0" i="0" dirty="0">
-                <a:solidFill>
-                  <a:srgbClr val="0D0D0D"/>
-                </a:solidFill>
-                <a:effectLst/>
-                <a:latin typeface="Söhne"/>
-              </a:rPr>
-              <a:t>" is en haalt vervolgens de naam van de katten op. De PREFIX-verklaring wordt gebruikt om een afkorting te maken voor het URI-voorvoegsel "</a:t>
-            </a:r>
-            <a:r>
-              <a:rPr lang="nl-NL" sz="1400" b="0" i="0" u="none" strike="noStrike" dirty="0">
-                <a:solidFill>
-                  <a:srgbClr val="0D0D0D"/>
-                </a:solidFill>
-                <a:effectLst/>
-                <a:latin typeface="Söhne"/>
-                <a:hlinkClick r:id="rId3"/>
-              </a:rPr>
-              <a:t>http://example.org/</a:t>
-            </a:r>
-            <a:r>
-              <a:rPr lang="nl-NL" sz="1400" b="0" i="0" dirty="0">
-                <a:solidFill>
-                  <a:srgbClr val="0D0D0D"/>
-                </a:solidFill>
-                <a:effectLst/>
-                <a:latin typeface="Söhne"/>
-              </a:rPr>
-              <a:t>", wat het gemakkelijker maakt om de eigenschappen in de query te verwijzen.</a:t>
-            </a:r>
-          </a:p>
-          <a:p>
-            <a:pPr algn="l"/>
-            <a:r>
-              <a:rPr lang="nl-NL" sz="1400" b="0" i="0" dirty="0">
-                <a:solidFill>
-                  <a:srgbClr val="0D0D0D"/>
-                </a:solidFill>
-                <a:effectLst/>
-                <a:latin typeface="Söhne"/>
-              </a:rPr>
-              <a:t>Als we deze query uitvoeren op de RDF-dataset, zullen we de namen van alle katten krijgen die in de dataset zijn opgenomen.</a:t>
-            </a:r>
-          </a:p>
-          <a:p>
-            <a:pPr algn="l"/>
-            <a:endParaRPr lang="en-US" sz="1600" b="0" i="0" dirty="0">
-              <a:solidFill>
-                <a:srgbClr val="0D0D0D"/>
-              </a:solidFill>
-              <a:effectLst/>
-              <a:latin typeface="Söhne"/>
-            </a:endParaRPr>
-          </a:p>
-          <a:p>
-            <a:pPr algn="l"/>
-            <a:endParaRPr lang="en-US" sz="1600" b="0" i="0" dirty="0">
-              <a:solidFill>
-                <a:srgbClr val="0D0D0D"/>
-              </a:solidFill>
-              <a:effectLst/>
-              <a:latin typeface="Söhne"/>
-            </a:endParaRPr>
-          </a:p>
-          <a:p>
-            <a:pPr algn="l"/>
-            <a:endParaRPr lang="nl-NL" sz="1600" b="0" i="0" dirty="0">
-              <a:solidFill>
-                <a:srgbClr val="0D0D0D"/>
-              </a:solidFill>
-              <a:effectLst/>
-              <a:latin typeface="Söhne"/>
-            </a:endParaRPr>
-          </a:p>
-          <a:p>
-            <a:pPr algn="l"/>
-            <a:endParaRPr lang="en-US" sz="2000" dirty="0">
-              <a:latin typeface="Calibri" panose="020F0502020204030204" pitchFamily="34" charset="0"/>
-              <a:ea typeface="Calibri" panose="020F0502020204030204" pitchFamily="34" charset="0"/>
-              <a:cs typeface="Times New Roman" panose="02020603050405020304" pitchFamily="18" charset="0"/>
-            </a:endParaRPr>
-          </a:p>
-          <a:p>
-            <a:pPr marL="342900" indent="-342900">
-              <a:buFont typeface="Arial" panose="020B0604020202020204" pitchFamily="34" charset="0"/>
-              <a:buChar char="•"/>
-            </a:pPr>
-            <a:endParaRPr lang="en-US" sz="2000" dirty="0">
-              <a:effectLst/>
-              <a:latin typeface="Calibri" panose="020F0502020204030204" pitchFamily="34" charset="0"/>
-              <a:ea typeface="Calibri" panose="020F0502020204030204" pitchFamily="34" charset="0"/>
-              <a:cs typeface="Times New Roman" panose="02020603050405020304" pitchFamily="18" charset="0"/>
-            </a:endParaRPr>
-          </a:p>
-          <a:p>
-            <a:endParaRPr lang="en-US" sz="2000" i="1" dirty="0">
-              <a:latin typeface="Calibri" panose="020F0502020204030204" pitchFamily="34" charset="0"/>
-              <a:ea typeface="Calibri" panose="020F0502020204030204" pitchFamily="34" charset="0"/>
-              <a:cs typeface="Times New Roman" panose="02020603050405020304" pitchFamily="18" charset="0"/>
-            </a:endParaRPr>
-          </a:p>
-          <a:p>
-            <a:endParaRPr lang="en-US" sz="2000" i="1" dirty="0">
-              <a:effectLst/>
-              <a:latin typeface="Calibri" panose="020F0502020204030204" pitchFamily="34" charset="0"/>
-              <a:ea typeface="Calibri" panose="020F0502020204030204" pitchFamily="34" charset="0"/>
-              <a:cs typeface="Times New Roman" panose="02020603050405020304" pitchFamily="18" charset="0"/>
-            </a:endParaRPr>
-          </a:p>
-          <a:p>
-            <a:endParaRPr lang="nl-NL" dirty="0"/>
-          </a:p>
-        </p:txBody>
-      </p:sp>
-      <p:sp>
-        <p:nvSpPr>
-          <p:cNvPr id="3" name="Tijdelijke aanduiding voor inhoud 6">
-            <a:extLst>
-              <a:ext uri="{FF2B5EF4-FFF2-40B4-BE49-F238E27FC236}">
-                <a16:creationId xmlns:a16="http://schemas.microsoft.com/office/drawing/2014/main" id="{6D4D8CBC-C048-05BA-A92A-FF4531F28891}"/>
-              </a:ext>
-            </a:extLst>
-          </p:cNvPr>
-          <p:cNvSpPr txBox="1">
-            <a:spLocks/>
-          </p:cNvSpPr>
-          <p:nvPr/>
-        </p:nvSpPr>
-        <p:spPr>
-          <a:xfrm>
-            <a:off x="10084378" y="5595730"/>
-            <a:ext cx="1182175" cy="1262270"/>
-          </a:xfrm>
-          <a:prstGeom prst="rect">
-            <a:avLst/>
-          </a:prstGeom>
-        </p:spPr>
-        <p:txBody>
-          <a:bodyPr vert="horz" lIns="91440" tIns="45720" rIns="91440" bIns="45720" rtlCol="0" anchor="ctr">
-            <a:normAutofit/>
-          </a:bodyPr>
-          <a:lstStyle>
-            <a:lvl1pPr marL="344488" indent="-344488" algn="l" defTabSz="914400" rtl="0" eaLnBrk="1" latinLnBrk="0" hangingPunct="1">
-              <a:lnSpc>
-                <a:spcPct val="120000"/>
-              </a:lnSpc>
-              <a:spcBef>
-                <a:spcPts val="1000"/>
-              </a:spcBef>
-              <a:spcAft>
-                <a:spcPts val="600"/>
-              </a:spcAft>
-              <a:buClr>
-                <a:schemeClr val="accent6"/>
-              </a:buClr>
-              <a:buSzPct val="90000"/>
-              <a:buFont typeface="Wingdings" panose="05000000000000000000" pitchFamily="2" charset="2"/>
-              <a:buChar char="§"/>
-              <a:defRPr sz="2000" kern="1200">
-                <a:solidFill>
-                  <a:schemeClr val="tx1"/>
-                </a:solidFill>
-                <a:effectLst/>
-                <a:latin typeface="+mn-lt"/>
-                <a:ea typeface="+mn-ea"/>
-                <a:cs typeface="+mn-cs"/>
-              </a:defRPr>
-            </a:lvl1pPr>
-            <a:lvl2pPr marL="795338" indent="-338138" algn="l" defTabSz="914400" rtl="0" eaLnBrk="1" latinLnBrk="0" hangingPunct="1">
-              <a:lnSpc>
-                <a:spcPct val="120000"/>
-              </a:lnSpc>
-              <a:spcBef>
-                <a:spcPts val="500"/>
-              </a:spcBef>
-              <a:spcAft>
-                <a:spcPts val="600"/>
-              </a:spcAft>
-              <a:buClr>
-                <a:schemeClr val="accent6"/>
-              </a:buClr>
-              <a:buSzPct val="90000"/>
-              <a:buFont typeface="Wingdings" panose="05000000000000000000" pitchFamily="2" charset="2"/>
-              <a:buChar char="§"/>
-              <a:defRPr sz="1800" kern="1200">
-                <a:solidFill>
-                  <a:schemeClr val="tx1"/>
-                </a:solidFill>
-                <a:effectLst/>
-                <a:latin typeface="+mn-lt"/>
-                <a:ea typeface="+mn-ea"/>
-                <a:cs typeface="+mn-cs"/>
-              </a:defRPr>
-            </a:lvl2pPr>
-            <a:lvl3pPr marL="1258888" indent="-344488" algn="l" defTabSz="914400" rtl="0" eaLnBrk="1" latinLnBrk="0" hangingPunct="1">
-              <a:lnSpc>
-                <a:spcPct val="120000"/>
-              </a:lnSpc>
-              <a:spcBef>
-                <a:spcPts val="500"/>
-              </a:spcBef>
-              <a:spcAft>
-                <a:spcPts val="600"/>
-              </a:spcAft>
-              <a:buClr>
-                <a:schemeClr val="accent6"/>
-              </a:buClr>
-              <a:buSzPct val="90000"/>
-              <a:buFont typeface="Wingdings" panose="05000000000000000000" pitchFamily="2" charset="2"/>
-              <a:buChar char="§"/>
-              <a:defRPr sz="1600" kern="1200">
-                <a:solidFill>
-                  <a:schemeClr val="tx1"/>
-                </a:solidFill>
-                <a:effectLst/>
-                <a:latin typeface="+mn-lt"/>
-                <a:ea typeface="+mn-ea"/>
-                <a:cs typeface="+mn-cs"/>
-              </a:defRPr>
-            </a:lvl3pPr>
-            <a:lvl4pPr marL="1709738" indent="-338138" algn="l" defTabSz="914400" rtl="0" eaLnBrk="1" latinLnBrk="0" hangingPunct="1">
-              <a:lnSpc>
-                <a:spcPct val="120000"/>
-              </a:lnSpc>
-              <a:spcBef>
-                <a:spcPts val="500"/>
-              </a:spcBef>
-              <a:spcAft>
-                <a:spcPts val="600"/>
-              </a:spcAft>
-              <a:buClr>
-                <a:schemeClr val="accent6"/>
-              </a:buClr>
-              <a:buSzPct val="90000"/>
-              <a:buFont typeface="Wingdings" panose="05000000000000000000" pitchFamily="2" charset="2"/>
-              <a:buChar char="§"/>
-              <a:defRPr sz="1400" kern="1200">
-                <a:solidFill>
-                  <a:schemeClr val="tx1"/>
-                </a:solidFill>
-                <a:effectLst/>
-                <a:latin typeface="+mn-lt"/>
-                <a:ea typeface="+mn-ea"/>
-                <a:cs typeface="+mn-cs"/>
-              </a:defRPr>
-            </a:lvl4pPr>
-            <a:lvl5pPr marL="2173288" indent="-344488" algn="l" defTabSz="914400" rtl="0" eaLnBrk="1" latinLnBrk="0" hangingPunct="1">
-              <a:lnSpc>
-                <a:spcPct val="120000"/>
-              </a:lnSpc>
-              <a:spcBef>
-                <a:spcPts val="500"/>
-              </a:spcBef>
-              <a:spcAft>
-                <a:spcPts val="600"/>
-              </a:spcAft>
-              <a:buClr>
-                <a:schemeClr val="accent6"/>
-              </a:buClr>
-              <a:buSzPct val="90000"/>
-              <a:buFont typeface="Wingdings" panose="05000000000000000000" pitchFamily="2" charset="2"/>
-              <a:buChar char="§"/>
-              <a:defRPr sz="1200" kern="1200">
-                <a:solidFill>
-                  <a:schemeClr val="tx1"/>
-                </a:solidFill>
-                <a:effectLst/>
-                <a:latin typeface="+mn-lt"/>
-                <a:ea typeface="+mn-ea"/>
-                <a:cs typeface="+mn-cs"/>
-              </a:defRPr>
-            </a:lvl5pPr>
-            <a:lvl6pPr marL="2642616" indent="-338328" algn="l" defTabSz="914400" rtl="0" eaLnBrk="1" latinLnBrk="0" hangingPunct="1">
-              <a:lnSpc>
-                <a:spcPct val="120000"/>
-              </a:lnSpc>
-              <a:spcBef>
-                <a:spcPts val="500"/>
-              </a:spcBef>
-              <a:spcAft>
-                <a:spcPts val="600"/>
-              </a:spcAft>
-              <a:buClr>
-                <a:schemeClr val="accent6"/>
-              </a:buClr>
-              <a:buSzPct val="90000"/>
-              <a:buFont typeface="Wingdings" panose="05000000000000000000" pitchFamily="2" charset="2"/>
-              <a:buChar char="§"/>
-              <a:defRPr sz="1200" kern="1200" baseline="0">
-                <a:solidFill>
-                  <a:schemeClr val="tx1"/>
-                </a:solidFill>
-                <a:effectLst/>
-                <a:latin typeface="+mn-lt"/>
-                <a:ea typeface="+mn-ea"/>
-                <a:cs typeface="+mn-cs"/>
-              </a:defRPr>
-            </a:lvl6pPr>
-            <a:lvl7pPr marL="3108960" indent="-338328" algn="l" defTabSz="914400" rtl="0" eaLnBrk="1" latinLnBrk="0" hangingPunct="1">
-              <a:lnSpc>
-                <a:spcPct val="120000"/>
-              </a:lnSpc>
-              <a:spcBef>
-                <a:spcPts val="500"/>
-              </a:spcBef>
-              <a:spcAft>
-                <a:spcPts val="600"/>
-              </a:spcAft>
-              <a:buClr>
-                <a:schemeClr val="accent6"/>
-              </a:buClr>
-              <a:buSzPct val="90000"/>
-              <a:buFont typeface="Wingdings" panose="05000000000000000000" pitchFamily="2" charset="2"/>
-              <a:buChar char="§"/>
-              <a:defRPr sz="1200" kern="1200" baseline="0">
-                <a:solidFill>
-                  <a:schemeClr val="tx1"/>
-                </a:solidFill>
-                <a:effectLst/>
-                <a:latin typeface="+mn-lt"/>
-                <a:ea typeface="+mn-ea"/>
-                <a:cs typeface="+mn-cs"/>
-              </a:defRPr>
-            </a:lvl7pPr>
-            <a:lvl8pPr marL="3575304" indent="-338328" algn="l" defTabSz="914400" rtl="0" eaLnBrk="1" latinLnBrk="0" hangingPunct="1">
-              <a:lnSpc>
-                <a:spcPct val="120000"/>
-              </a:lnSpc>
-              <a:spcBef>
-                <a:spcPts val="500"/>
-              </a:spcBef>
-              <a:spcAft>
-                <a:spcPts val="600"/>
-              </a:spcAft>
-              <a:buClr>
-                <a:schemeClr val="accent6"/>
-              </a:buClr>
-              <a:buSzPct val="90000"/>
-              <a:buFont typeface="Wingdings" panose="05000000000000000000" pitchFamily="2" charset="2"/>
-              <a:buChar char="§"/>
-              <a:defRPr sz="1200" kern="1200" baseline="0">
-                <a:solidFill>
-                  <a:schemeClr val="tx1"/>
-                </a:solidFill>
-                <a:effectLst/>
-                <a:latin typeface="+mn-lt"/>
-                <a:ea typeface="+mn-ea"/>
-                <a:cs typeface="+mn-cs"/>
-              </a:defRPr>
-            </a:lvl8pPr>
-            <a:lvl9pPr marL="4041648" indent="-338328" algn="l" defTabSz="914400" rtl="0" eaLnBrk="1" latinLnBrk="0" hangingPunct="1">
-              <a:lnSpc>
-                <a:spcPct val="120000"/>
-              </a:lnSpc>
-              <a:spcBef>
-                <a:spcPts val="500"/>
-              </a:spcBef>
-              <a:spcAft>
-                <a:spcPts val="600"/>
-              </a:spcAft>
-              <a:buClr>
-                <a:schemeClr val="accent6"/>
-              </a:buClr>
-              <a:buSzPct val="90000"/>
-              <a:buFont typeface="Wingdings" panose="05000000000000000000" pitchFamily="2" charset="2"/>
-              <a:buChar char="§"/>
-              <a:defRPr sz="1200" kern="1200" baseline="0">
-                <a:solidFill>
-                  <a:schemeClr val="tx1"/>
-                </a:solidFill>
-                <a:effectLst/>
-                <a:latin typeface="+mn-lt"/>
-                <a:ea typeface="+mn-ea"/>
-                <a:cs typeface="+mn-cs"/>
-              </a:defRPr>
-            </a:lvl9pPr>
-          </a:lstStyle>
-          <a:p>
-            <a:pPr marL="0" indent="0">
-              <a:buNone/>
-            </a:pPr>
-            <a:r>
-              <a:rPr lang="nl-NL" dirty="0" err="1">
-                <a:latin typeface="Söhne"/>
-              </a:rPr>
-              <a:t>chatgpt</a:t>
-            </a:r>
-            <a:endParaRPr lang="nl-NL" dirty="0">
-              <a:latin typeface="Söhne"/>
-            </a:endParaRPr>
-          </a:p>
-          <a:p>
-            <a:endParaRPr lang="nl-NL" dirty="0"/>
-          </a:p>
-        </p:txBody>
-      </p:sp>
-      <p:pic>
-        <p:nvPicPr>
-          <p:cNvPr id="8" name="Afbeelding 7">
-            <a:extLst>
-              <a:ext uri="{FF2B5EF4-FFF2-40B4-BE49-F238E27FC236}">
-                <a16:creationId xmlns:a16="http://schemas.microsoft.com/office/drawing/2014/main" id="{B0E8AECE-ECFB-ADA0-E2E8-F46B6C2DC738}"/>
-              </a:ext>
-            </a:extLst>
-          </p:cNvPr>
-          <p:cNvPicPr>
-            <a:picLocks noChangeAspect="1"/>
-          </p:cNvPicPr>
-          <p:nvPr/>
-        </p:nvPicPr>
-        <p:blipFill>
-          <a:blip r:embed="rId4"/>
-          <a:stretch>
-            <a:fillRect/>
-          </a:stretch>
-        </p:blipFill>
-        <p:spPr>
-          <a:xfrm>
-            <a:off x="9498520" y="2596732"/>
-            <a:ext cx="1580997" cy="2656360"/>
-          </a:xfrm>
-          <a:prstGeom prst="rect">
-            <a:avLst/>
-          </a:prstGeom>
-        </p:spPr>
-      </p:pic>
-    </p:spTree>
-    <p:extLst>
-      <p:ext uri="{BB962C8B-B14F-4D97-AF65-F5344CB8AC3E}">
-        <p14:creationId xmlns:p14="http://schemas.microsoft.com/office/powerpoint/2010/main" val="2216068714"/>
-      </p:ext>
-    </p:extLst>
-  </p:cSld>
-  <p:clrMapOvr>
-    <a:masterClrMapping/>
-  </p:clrMapOvr>
-</p:sld>
-</file>
-
-<file path=ppt/slides/slide9.xml><?xml version="1.0" encoding="utf-8"?>
-<p:sld xmlns:a="http://schemas.openxmlformats.org/drawingml/2006/main" xmlns:r="http://schemas.openxmlformats.org/officeDocument/2006/relationships" xmlns:p="http://schemas.openxmlformats.org/presentationml/2006/main">
-  <p:cSld>
-    <p:spTree>
-      <p:nvGrpSpPr>
-        <p:cNvPr id="1" name=""/>
-        <p:cNvGrpSpPr/>
-        <p:nvPr/>
-      </p:nvGrpSpPr>
-      <p:grpSpPr>
-        <a:xfrm>
-          <a:off x="0" y="0"/>
-          <a:ext cx="0" cy="0"/>
-          <a:chOff x="0" y="0"/>
-          <a:chExt cx="0" cy="0"/>
-        </a:xfrm>
-      </p:grpSpPr>
-      <p:sp>
-        <p:nvSpPr>
-          <p:cNvPr id="2" name="Titel 1">
-            <a:extLst>
-              <a:ext uri="{FF2B5EF4-FFF2-40B4-BE49-F238E27FC236}">
-                <a16:creationId xmlns:a16="http://schemas.microsoft.com/office/drawing/2014/main" id="{66EECF1F-3A3A-48A9-AF99-34EA2FE500E0}"/>
-              </a:ext>
-            </a:extLst>
-          </p:cNvPr>
-          <p:cNvSpPr>
-            <a:spLocks noGrp="1"/>
-          </p:cNvSpPr>
-          <p:nvPr>
-            <p:ph type="title"/>
-          </p:nvPr>
-        </p:nvSpPr>
-        <p:spPr/>
-        <p:txBody>
-          <a:bodyPr/>
-          <a:lstStyle/>
-          <a:p>
-            <a:r>
-              <a:rPr lang="nl-NL" dirty="0"/>
-              <a:t>Wat is SHACL ?</a:t>
-            </a:r>
-          </a:p>
-        </p:txBody>
-      </p:sp>
-      <p:sp>
-        <p:nvSpPr>
-          <p:cNvPr id="31" name="Tijdelijke aanduiding voor inhoud 6">
-            <a:extLst>
-              <a:ext uri="{FF2B5EF4-FFF2-40B4-BE49-F238E27FC236}">
-                <a16:creationId xmlns:a16="http://schemas.microsoft.com/office/drawing/2014/main" id="{38A2A9EE-75E8-49F9-EBD2-15C6298FC791}"/>
-              </a:ext>
-            </a:extLst>
-          </p:cNvPr>
-          <p:cNvSpPr txBox="1">
-            <a:spLocks/>
-          </p:cNvSpPr>
-          <p:nvPr/>
-        </p:nvSpPr>
-        <p:spPr>
-          <a:xfrm>
-            <a:off x="1481492" y="1294394"/>
-            <a:ext cx="9598025" cy="5010150"/>
-          </a:xfrm>
-          <a:prstGeom prst="rect">
-            <a:avLst/>
-          </a:prstGeom>
-        </p:spPr>
-        <p:txBody>
-          <a:bodyPr vert="horz" lIns="91440" tIns="45720" rIns="91440" bIns="45720" rtlCol="0" anchor="ctr">
-            <a:normAutofit/>
-          </a:bodyPr>
-          <a:lstStyle>
-            <a:lvl1pPr marL="344488" indent="-344488" algn="l" defTabSz="914400" rtl="0" eaLnBrk="1" latinLnBrk="0" hangingPunct="1">
-              <a:lnSpc>
-                <a:spcPct val="120000"/>
-              </a:lnSpc>
-              <a:spcBef>
-                <a:spcPts val="1000"/>
-              </a:spcBef>
-              <a:spcAft>
-                <a:spcPts val="600"/>
-              </a:spcAft>
-              <a:buClr>
-                <a:schemeClr val="accent6"/>
-              </a:buClr>
-              <a:buSzPct val="90000"/>
-              <a:buFont typeface="Wingdings" panose="05000000000000000000" pitchFamily="2" charset="2"/>
-              <a:buChar char="§"/>
-              <a:defRPr lang="en-US" sz="2000" b="0" kern="1200">
-                <a:solidFill>
-                  <a:schemeClr val="tx1"/>
-                </a:solidFill>
-                <a:effectLst/>
-                <a:latin typeface="+mn-lt"/>
-                <a:ea typeface="+mn-ea"/>
-                <a:cs typeface="+mn-cs"/>
-              </a:defRPr>
-            </a:lvl1pPr>
-            <a:lvl2pPr marL="795338" indent="-338138" algn="l" defTabSz="914400" rtl="0" eaLnBrk="1" latinLnBrk="0" hangingPunct="1">
-              <a:lnSpc>
-                <a:spcPct val="120000"/>
-              </a:lnSpc>
-              <a:spcBef>
-                <a:spcPts val="500"/>
-              </a:spcBef>
-              <a:spcAft>
-                <a:spcPts val="600"/>
-              </a:spcAft>
-              <a:buClr>
-                <a:schemeClr val="accent6"/>
-              </a:buClr>
-              <a:buSzPct val="90000"/>
-              <a:buFont typeface="Wingdings" panose="05000000000000000000" pitchFamily="2" charset="2"/>
-              <a:buChar char="§"/>
-              <a:defRPr lang="en-US" sz="1800" b="0" kern="1200">
-                <a:solidFill>
-                  <a:schemeClr val="tx1"/>
-                </a:solidFill>
-                <a:effectLst/>
-                <a:latin typeface="+mn-lt"/>
-                <a:ea typeface="+mn-ea"/>
-                <a:cs typeface="+mn-cs"/>
-              </a:defRPr>
-            </a:lvl2pPr>
-            <a:lvl3pPr marL="1258888" indent="-344488" algn="l" defTabSz="914400" rtl="0" eaLnBrk="1" latinLnBrk="0" hangingPunct="1">
-              <a:lnSpc>
-                <a:spcPct val="120000"/>
-              </a:lnSpc>
-              <a:spcBef>
-                <a:spcPts val="500"/>
-              </a:spcBef>
-              <a:spcAft>
-                <a:spcPts val="600"/>
-              </a:spcAft>
-              <a:buClr>
-                <a:schemeClr val="accent6"/>
-              </a:buClr>
-              <a:buSzPct val="90000"/>
-              <a:buFont typeface="Wingdings" panose="05000000000000000000" pitchFamily="2" charset="2"/>
-              <a:buChar char="§"/>
-              <a:defRPr lang="en-US" sz="1600" b="0" kern="1200">
-                <a:solidFill>
-                  <a:schemeClr val="tx1"/>
-                </a:solidFill>
-                <a:effectLst/>
-                <a:latin typeface="+mn-lt"/>
-                <a:ea typeface="+mn-ea"/>
-                <a:cs typeface="+mn-cs"/>
-              </a:defRPr>
-            </a:lvl3pPr>
-            <a:lvl4pPr marL="1709738" indent="-338138" algn="l" defTabSz="914400" rtl="0" eaLnBrk="1" latinLnBrk="0" hangingPunct="1">
-              <a:lnSpc>
-                <a:spcPct val="120000"/>
-              </a:lnSpc>
-              <a:spcBef>
-                <a:spcPts val="500"/>
-              </a:spcBef>
-              <a:spcAft>
-                <a:spcPts val="600"/>
-              </a:spcAft>
-              <a:buClr>
-                <a:schemeClr val="accent6"/>
-              </a:buClr>
-              <a:buSzPct val="90000"/>
-              <a:buFont typeface="Wingdings" panose="05000000000000000000" pitchFamily="2" charset="2"/>
-              <a:buChar char="§"/>
-              <a:defRPr lang="en-US" sz="1400" b="0" kern="1200">
-                <a:solidFill>
-                  <a:schemeClr val="tx1"/>
-                </a:solidFill>
-                <a:effectLst/>
-                <a:latin typeface="+mn-lt"/>
-                <a:ea typeface="+mn-ea"/>
-                <a:cs typeface="+mn-cs"/>
-              </a:defRPr>
-            </a:lvl4pPr>
-            <a:lvl5pPr marL="2173288" indent="-344488" algn="l" defTabSz="914400" rtl="0" eaLnBrk="1" latinLnBrk="0" hangingPunct="1">
-              <a:lnSpc>
-                <a:spcPct val="120000"/>
-              </a:lnSpc>
-              <a:spcBef>
-                <a:spcPts val="500"/>
-              </a:spcBef>
-              <a:spcAft>
-                <a:spcPts val="600"/>
-              </a:spcAft>
-              <a:buClr>
-                <a:schemeClr val="accent6"/>
-              </a:buClr>
-              <a:buSzPct val="90000"/>
-              <a:buFont typeface="Wingdings" panose="05000000000000000000" pitchFamily="2" charset="2"/>
-              <a:buChar char="§"/>
-              <a:defRPr lang="en-GB" sz="1200" b="0" kern="1200">
-                <a:solidFill>
-                  <a:schemeClr val="tx1"/>
-                </a:solidFill>
-                <a:effectLst/>
-                <a:latin typeface="+mn-lt"/>
-                <a:ea typeface="+mn-ea"/>
-                <a:cs typeface="+mn-cs"/>
-              </a:defRPr>
-            </a:lvl5pPr>
-            <a:lvl6pPr marL="2642616" indent="-338328" algn="l" defTabSz="914400" rtl="0" eaLnBrk="1" latinLnBrk="0" hangingPunct="1">
-              <a:lnSpc>
-                <a:spcPct val="120000"/>
-              </a:lnSpc>
-              <a:spcBef>
-                <a:spcPts val="500"/>
-              </a:spcBef>
-              <a:spcAft>
-                <a:spcPts val="600"/>
-              </a:spcAft>
-              <a:buClr>
-                <a:schemeClr val="accent6"/>
-              </a:buClr>
-              <a:buSzPct val="90000"/>
-              <a:buFont typeface="Wingdings" panose="05000000000000000000" pitchFamily="2" charset="2"/>
-              <a:buChar char="§"/>
-              <a:defRPr sz="1200" kern="1200" baseline="0">
-                <a:solidFill>
-                  <a:schemeClr val="tx1"/>
-                </a:solidFill>
-                <a:effectLst/>
-                <a:latin typeface="+mn-lt"/>
-                <a:ea typeface="+mn-ea"/>
-                <a:cs typeface="+mn-cs"/>
-              </a:defRPr>
-            </a:lvl6pPr>
-            <a:lvl7pPr marL="3108960" indent="-338328" algn="l" defTabSz="914400" rtl="0" eaLnBrk="1" latinLnBrk="0" hangingPunct="1">
-              <a:lnSpc>
-                <a:spcPct val="120000"/>
-              </a:lnSpc>
-              <a:spcBef>
-                <a:spcPts val="500"/>
-              </a:spcBef>
-              <a:spcAft>
-                <a:spcPts val="600"/>
-              </a:spcAft>
-              <a:buClr>
-                <a:schemeClr val="accent6"/>
-              </a:buClr>
-              <a:buSzPct val="90000"/>
-              <a:buFont typeface="Wingdings" panose="05000000000000000000" pitchFamily="2" charset="2"/>
-              <a:buChar char="§"/>
-              <a:defRPr sz="1200" kern="1200" baseline="0">
-                <a:solidFill>
-                  <a:schemeClr val="tx1"/>
-                </a:solidFill>
-                <a:effectLst/>
-                <a:latin typeface="+mn-lt"/>
-                <a:ea typeface="+mn-ea"/>
-                <a:cs typeface="+mn-cs"/>
-              </a:defRPr>
-            </a:lvl7pPr>
-            <a:lvl8pPr marL="3575304" indent="-338328" algn="l" defTabSz="914400" rtl="0" eaLnBrk="1" latinLnBrk="0" hangingPunct="1">
-              <a:lnSpc>
-                <a:spcPct val="120000"/>
-              </a:lnSpc>
-              <a:spcBef>
-                <a:spcPts val="500"/>
-              </a:spcBef>
-              <a:spcAft>
-                <a:spcPts val="600"/>
-              </a:spcAft>
-              <a:buClr>
-                <a:schemeClr val="accent6"/>
-              </a:buClr>
-              <a:buSzPct val="90000"/>
-              <a:buFont typeface="Wingdings" panose="05000000000000000000" pitchFamily="2" charset="2"/>
-              <a:buChar char="§"/>
-              <a:defRPr sz="1200" kern="1200" baseline="0">
-                <a:solidFill>
-                  <a:schemeClr val="tx1"/>
-                </a:solidFill>
-                <a:effectLst/>
-                <a:latin typeface="+mn-lt"/>
-                <a:ea typeface="+mn-ea"/>
-                <a:cs typeface="+mn-cs"/>
-              </a:defRPr>
-            </a:lvl8pPr>
-            <a:lvl9pPr marL="4041648" indent="-338328" algn="l" defTabSz="914400" rtl="0" eaLnBrk="1" latinLnBrk="0" hangingPunct="1">
-              <a:lnSpc>
-                <a:spcPct val="120000"/>
-              </a:lnSpc>
-              <a:spcBef>
-                <a:spcPts val="500"/>
-              </a:spcBef>
-              <a:spcAft>
-                <a:spcPts val="600"/>
-              </a:spcAft>
-              <a:buClr>
-                <a:schemeClr val="accent6"/>
-              </a:buClr>
-              <a:buSzPct val="90000"/>
-              <a:buFont typeface="Wingdings" panose="05000000000000000000" pitchFamily="2" charset="2"/>
-              <a:buChar char="§"/>
-              <a:defRPr sz="1200" kern="1200" baseline="0">
-                <a:solidFill>
-                  <a:schemeClr val="tx1"/>
-                </a:solidFill>
-                <a:effectLst/>
-                <a:latin typeface="+mn-lt"/>
-                <a:ea typeface="+mn-ea"/>
-                <a:cs typeface="+mn-cs"/>
-              </a:defRPr>
-            </a:lvl9pPr>
-          </a:lstStyle>
-          <a:p>
-            <a:pPr marL="0" indent="0">
-              <a:buFont typeface="Wingdings" panose="05000000000000000000" pitchFamily="2" charset="2"/>
-              <a:buNone/>
-            </a:pPr>
-            <a:endParaRPr lang="nl-NL" dirty="0"/>
-          </a:p>
-        </p:txBody>
-      </p:sp>
-      <p:sp>
-        <p:nvSpPr>
-          <p:cNvPr id="4" name="Tekstvak 3">
-            <a:extLst>
-              <a:ext uri="{FF2B5EF4-FFF2-40B4-BE49-F238E27FC236}">
-                <a16:creationId xmlns:a16="http://schemas.microsoft.com/office/drawing/2014/main" id="{0D450E02-4A61-8A4F-DFCB-076C0CA610BB}"/>
-              </a:ext>
-            </a:extLst>
-          </p:cNvPr>
-          <p:cNvSpPr txBox="1"/>
-          <p:nvPr/>
-        </p:nvSpPr>
-        <p:spPr>
-          <a:xfrm>
-            <a:off x="1013730" y="1086919"/>
-            <a:ext cx="10164539" cy="4031873"/>
-          </a:xfrm>
-          <a:prstGeom prst="rect">
-            <a:avLst/>
-          </a:prstGeom>
-          <a:noFill/>
-        </p:spPr>
-        <p:txBody>
-          <a:bodyPr wrap="square" rtlCol="0">
-            <a:spAutoFit/>
-          </a:bodyPr>
-          <a:lstStyle/>
-          <a:p>
-            <a:pPr algn="l"/>
-            <a:br>
-              <a:rPr lang="nl-NL" sz="1600" b="0" i="0" dirty="0">
-                <a:solidFill>
-                  <a:srgbClr val="0D0D0D"/>
-                </a:solidFill>
-                <a:effectLst/>
-                <a:latin typeface="Söhne"/>
-              </a:rPr>
-            </a:br>
-            <a:r>
-              <a:rPr lang="nl-NL" sz="1600" b="0" i="0" dirty="0">
-                <a:solidFill>
-                  <a:srgbClr val="0D0D0D"/>
-                </a:solidFill>
-                <a:effectLst/>
-                <a:latin typeface="Söhne"/>
-              </a:rPr>
-              <a:t>SHACL staat voor "</a:t>
-            </a:r>
-            <a:r>
-              <a:rPr lang="nl-NL" sz="1600" b="0" i="0" dirty="0" err="1">
-                <a:solidFill>
-                  <a:srgbClr val="0D0D0D"/>
-                </a:solidFill>
-                <a:effectLst/>
-                <a:latin typeface="Söhne"/>
-              </a:rPr>
-              <a:t>Shapes</a:t>
-            </a:r>
-            <a:r>
-              <a:rPr lang="nl-NL" sz="1600" b="0" i="0" dirty="0">
-                <a:solidFill>
-                  <a:srgbClr val="0D0D0D"/>
-                </a:solidFill>
-                <a:effectLst/>
-                <a:latin typeface="Söhne"/>
-              </a:rPr>
-              <a:t> </a:t>
-            </a:r>
-            <a:r>
-              <a:rPr lang="nl-NL" sz="1600" b="0" i="0" dirty="0" err="1">
-                <a:solidFill>
-                  <a:srgbClr val="0D0D0D"/>
-                </a:solidFill>
-                <a:effectLst/>
-                <a:latin typeface="Söhne"/>
-              </a:rPr>
-              <a:t>Constraint</a:t>
-            </a:r>
-            <a:r>
-              <a:rPr lang="nl-NL" sz="1600" b="0" i="0" dirty="0">
-                <a:solidFill>
-                  <a:srgbClr val="0D0D0D"/>
-                </a:solidFill>
-                <a:effectLst/>
-                <a:latin typeface="Söhne"/>
-              </a:rPr>
-              <a:t> Language" en is een W3C-standaard voor het valideren van RDF-gegevens tegen gestelde schema's, ook wel "</a:t>
-            </a:r>
-            <a:r>
-              <a:rPr lang="nl-NL" sz="1600" b="0" i="0" dirty="0" err="1">
-                <a:solidFill>
-                  <a:srgbClr val="0D0D0D"/>
-                </a:solidFill>
-                <a:effectLst/>
-                <a:latin typeface="Söhne"/>
-              </a:rPr>
-              <a:t>shapes</a:t>
-            </a:r>
-            <a:r>
-              <a:rPr lang="nl-NL" sz="1600" b="0" i="0" dirty="0">
-                <a:solidFill>
-                  <a:srgbClr val="0D0D0D"/>
-                </a:solidFill>
-                <a:effectLst/>
-                <a:latin typeface="Söhne"/>
-              </a:rPr>
-              <a:t>" genoemd.</a:t>
-            </a:r>
-          </a:p>
-          <a:p>
-            <a:pPr algn="l"/>
-            <a:endParaRPr lang="nl-NL" sz="1600" b="0" i="0" dirty="0">
-              <a:solidFill>
-                <a:srgbClr val="0D0D0D"/>
-              </a:solidFill>
-              <a:effectLst/>
-              <a:latin typeface="Söhne"/>
-            </a:endParaRPr>
-          </a:p>
-          <a:p>
-            <a:pPr algn="l"/>
-            <a:r>
-              <a:rPr lang="nl-NL" sz="1600" b="0" i="0" dirty="0">
-                <a:solidFill>
-                  <a:srgbClr val="0D0D0D"/>
-                </a:solidFill>
-                <a:effectLst/>
-                <a:latin typeface="Söhne"/>
-              </a:rPr>
-              <a:t>Met SHACL kunnen ontwikkelaars gedetailleerde specificaties maken over hoe RDF-gegevens moeten worden gestructureerd en welke beperkingen er gelden voor de waarden van eigenschappen. Deze specificaties kunnen onder meer aangeven welke eigenschappen verplicht zijn, welke waarden deze eigenschappen kunnen aannemen, hoeveel herhalingen van een eigenschap zijn toegestaan, enzovoort.</a:t>
-            </a:r>
-          </a:p>
-          <a:p>
-            <a:pPr algn="l"/>
-            <a:endParaRPr lang="nl-NL" sz="1600" b="0" i="0" dirty="0">
-              <a:solidFill>
-                <a:srgbClr val="0D0D0D"/>
-              </a:solidFill>
-              <a:effectLst/>
-              <a:latin typeface="Söhne"/>
-            </a:endParaRPr>
-          </a:p>
-          <a:p>
-            <a:pPr algn="l"/>
-            <a:r>
-              <a:rPr lang="nl-NL" sz="1600" b="0" i="0" dirty="0">
-                <a:solidFill>
-                  <a:srgbClr val="0D0D0D"/>
-                </a:solidFill>
-                <a:effectLst/>
-                <a:latin typeface="Söhne"/>
-              </a:rPr>
-              <a:t>SHACL-schema's worden zelf gemodelleerd als RDF-gegevens en kunnen worden gebruikt om de kwaliteit en consistentie van RDF-gegevens te verbeteren. Door gegevens te valideren tegen SHACL-</a:t>
-            </a:r>
-            <a:r>
-              <a:rPr lang="nl-NL" sz="1600" b="0" i="0" dirty="0" err="1">
-                <a:solidFill>
-                  <a:srgbClr val="0D0D0D"/>
-                </a:solidFill>
-                <a:effectLst/>
-                <a:latin typeface="Söhne"/>
-              </a:rPr>
-              <a:t>shapes</a:t>
-            </a:r>
-            <a:r>
-              <a:rPr lang="nl-NL" sz="1600" b="0" i="0" dirty="0">
-                <a:solidFill>
-                  <a:srgbClr val="0D0D0D"/>
-                </a:solidFill>
-                <a:effectLst/>
-                <a:latin typeface="Söhne"/>
-              </a:rPr>
-              <a:t>, kunnen ontwikkelaars ervoor zorgen dat de gepubliceerde gegevens voldoen aan de gewenste criteria en interoperabiliteit tussen verschillende gegevensbronnen mogelijk maken.</a:t>
-            </a:r>
-          </a:p>
-          <a:p>
-            <a:pPr algn="l"/>
-            <a:endParaRPr lang="nl-NL" sz="1600" b="0" i="0" dirty="0">
-              <a:solidFill>
-                <a:srgbClr val="0D0D0D"/>
-              </a:solidFill>
-              <a:effectLst/>
-              <a:latin typeface="Söhne"/>
-            </a:endParaRPr>
-          </a:p>
-          <a:p>
-            <a:pPr algn="l"/>
-            <a:r>
-              <a:rPr lang="nl-NL" sz="1600" b="0" i="0" dirty="0">
-                <a:solidFill>
-                  <a:srgbClr val="0D0D0D"/>
-                </a:solidFill>
-                <a:effectLst/>
-                <a:latin typeface="Söhne"/>
-              </a:rPr>
-              <a:t>Kortom, SHACL is een belangrijk instrument binnen het ecosysteem van Linked Data, waarmee ontwikkelaars de kwaliteit en consistentie van RDF-gegevens kunnen waarborgen.</a:t>
-            </a:r>
-          </a:p>
-        </p:txBody>
-      </p:sp>
-      <p:sp>
-        <p:nvSpPr>
-          <p:cNvPr id="3" name="Tijdelijke aanduiding voor inhoud 6">
-            <a:extLst>
-              <a:ext uri="{FF2B5EF4-FFF2-40B4-BE49-F238E27FC236}">
-                <a16:creationId xmlns:a16="http://schemas.microsoft.com/office/drawing/2014/main" id="{6D4D8CBC-C048-05BA-A92A-FF4531F28891}"/>
-              </a:ext>
-            </a:extLst>
-          </p:cNvPr>
-          <p:cNvSpPr txBox="1">
-            <a:spLocks/>
-          </p:cNvSpPr>
-          <p:nvPr/>
-        </p:nvSpPr>
-        <p:spPr>
-          <a:xfrm>
-            <a:off x="10084378" y="5595730"/>
-            <a:ext cx="1182175" cy="1262270"/>
-          </a:xfrm>
-          <a:prstGeom prst="rect">
-            <a:avLst/>
-          </a:prstGeom>
-        </p:spPr>
-        <p:txBody>
-          <a:bodyPr vert="horz" lIns="91440" tIns="45720" rIns="91440" bIns="45720" rtlCol="0" anchor="ctr">
-            <a:normAutofit/>
-          </a:bodyPr>
-          <a:lstStyle>
-            <a:lvl1pPr marL="344488" indent="-344488" algn="l" defTabSz="914400" rtl="0" eaLnBrk="1" latinLnBrk="0" hangingPunct="1">
-              <a:lnSpc>
-                <a:spcPct val="120000"/>
-              </a:lnSpc>
-              <a:spcBef>
-                <a:spcPts val="1000"/>
-              </a:spcBef>
-              <a:spcAft>
-                <a:spcPts val="600"/>
-              </a:spcAft>
-              <a:buClr>
-                <a:schemeClr val="accent6"/>
-              </a:buClr>
-              <a:buSzPct val="90000"/>
-              <a:buFont typeface="Wingdings" panose="05000000000000000000" pitchFamily="2" charset="2"/>
-              <a:buChar char="§"/>
-              <a:defRPr sz="2000" kern="1200">
-                <a:solidFill>
-                  <a:schemeClr val="tx1"/>
-                </a:solidFill>
-                <a:effectLst/>
-                <a:latin typeface="+mn-lt"/>
-                <a:ea typeface="+mn-ea"/>
-                <a:cs typeface="+mn-cs"/>
-              </a:defRPr>
-            </a:lvl1pPr>
-            <a:lvl2pPr marL="795338" indent="-338138" algn="l" defTabSz="914400" rtl="0" eaLnBrk="1" latinLnBrk="0" hangingPunct="1">
-              <a:lnSpc>
-                <a:spcPct val="120000"/>
-              </a:lnSpc>
-              <a:spcBef>
-                <a:spcPts val="500"/>
-              </a:spcBef>
-              <a:spcAft>
-                <a:spcPts val="600"/>
-              </a:spcAft>
-              <a:buClr>
-                <a:schemeClr val="accent6"/>
-              </a:buClr>
-              <a:buSzPct val="90000"/>
-              <a:buFont typeface="Wingdings" panose="05000000000000000000" pitchFamily="2" charset="2"/>
-              <a:buChar char="§"/>
-              <a:defRPr sz="1800" kern="1200">
-                <a:solidFill>
-                  <a:schemeClr val="tx1"/>
-                </a:solidFill>
-                <a:effectLst/>
-                <a:latin typeface="+mn-lt"/>
-                <a:ea typeface="+mn-ea"/>
-                <a:cs typeface="+mn-cs"/>
-              </a:defRPr>
-            </a:lvl2pPr>
-            <a:lvl3pPr marL="1258888" indent="-344488" algn="l" defTabSz="914400" rtl="0" eaLnBrk="1" latinLnBrk="0" hangingPunct="1">
-              <a:lnSpc>
-                <a:spcPct val="120000"/>
-              </a:lnSpc>
-              <a:spcBef>
-                <a:spcPts val="500"/>
-              </a:spcBef>
-              <a:spcAft>
-                <a:spcPts val="600"/>
-              </a:spcAft>
-              <a:buClr>
-                <a:schemeClr val="accent6"/>
-              </a:buClr>
-              <a:buSzPct val="90000"/>
-              <a:buFont typeface="Wingdings" panose="05000000000000000000" pitchFamily="2" charset="2"/>
-              <a:buChar char="§"/>
-              <a:defRPr sz="1600" kern="1200">
-                <a:solidFill>
-                  <a:schemeClr val="tx1"/>
-                </a:solidFill>
-                <a:effectLst/>
-                <a:latin typeface="+mn-lt"/>
-                <a:ea typeface="+mn-ea"/>
-                <a:cs typeface="+mn-cs"/>
-              </a:defRPr>
-            </a:lvl3pPr>
-            <a:lvl4pPr marL="1709738" indent="-338138" algn="l" defTabSz="914400" rtl="0" eaLnBrk="1" latinLnBrk="0" hangingPunct="1">
-              <a:lnSpc>
-                <a:spcPct val="120000"/>
-              </a:lnSpc>
-              <a:spcBef>
-                <a:spcPts val="500"/>
-              </a:spcBef>
-              <a:spcAft>
-                <a:spcPts val="600"/>
-              </a:spcAft>
-              <a:buClr>
-                <a:schemeClr val="accent6"/>
-              </a:buClr>
-              <a:buSzPct val="90000"/>
-              <a:buFont typeface="Wingdings" panose="05000000000000000000" pitchFamily="2" charset="2"/>
-              <a:buChar char="§"/>
-              <a:defRPr sz="1400" kern="1200">
-                <a:solidFill>
-                  <a:schemeClr val="tx1"/>
-                </a:solidFill>
-                <a:effectLst/>
-                <a:latin typeface="+mn-lt"/>
-                <a:ea typeface="+mn-ea"/>
-                <a:cs typeface="+mn-cs"/>
-              </a:defRPr>
-            </a:lvl4pPr>
-            <a:lvl5pPr marL="2173288" indent="-344488" algn="l" defTabSz="914400" rtl="0" eaLnBrk="1" latinLnBrk="0" hangingPunct="1">
-              <a:lnSpc>
-                <a:spcPct val="120000"/>
-              </a:lnSpc>
-              <a:spcBef>
-                <a:spcPts val="500"/>
-              </a:spcBef>
-              <a:spcAft>
-                <a:spcPts val="600"/>
-              </a:spcAft>
-              <a:buClr>
-                <a:schemeClr val="accent6"/>
-              </a:buClr>
-              <a:buSzPct val="90000"/>
-              <a:buFont typeface="Wingdings" panose="05000000000000000000" pitchFamily="2" charset="2"/>
-              <a:buChar char="§"/>
-              <a:defRPr sz="1200" kern="1200">
-                <a:solidFill>
-                  <a:schemeClr val="tx1"/>
-                </a:solidFill>
-                <a:effectLst/>
-                <a:latin typeface="+mn-lt"/>
-                <a:ea typeface="+mn-ea"/>
-                <a:cs typeface="+mn-cs"/>
-              </a:defRPr>
-            </a:lvl5pPr>
-            <a:lvl6pPr marL="2642616" indent="-338328" algn="l" defTabSz="914400" rtl="0" eaLnBrk="1" latinLnBrk="0" hangingPunct="1">
-              <a:lnSpc>
-                <a:spcPct val="120000"/>
-              </a:lnSpc>
-              <a:spcBef>
-                <a:spcPts val="500"/>
-              </a:spcBef>
-              <a:spcAft>
-                <a:spcPts val="600"/>
-              </a:spcAft>
-              <a:buClr>
-                <a:schemeClr val="accent6"/>
-              </a:buClr>
-              <a:buSzPct val="90000"/>
-              <a:buFont typeface="Wingdings" panose="05000000000000000000" pitchFamily="2" charset="2"/>
-              <a:buChar char="§"/>
-              <a:defRPr sz="1200" kern="1200" baseline="0">
-                <a:solidFill>
-                  <a:schemeClr val="tx1"/>
-                </a:solidFill>
-                <a:effectLst/>
-                <a:latin typeface="+mn-lt"/>
-                <a:ea typeface="+mn-ea"/>
-                <a:cs typeface="+mn-cs"/>
-              </a:defRPr>
-            </a:lvl6pPr>
-            <a:lvl7pPr marL="3108960" indent="-338328" algn="l" defTabSz="914400" rtl="0" eaLnBrk="1" latinLnBrk="0" hangingPunct="1">
-              <a:lnSpc>
-                <a:spcPct val="120000"/>
-              </a:lnSpc>
-              <a:spcBef>
-                <a:spcPts val="500"/>
-              </a:spcBef>
-              <a:spcAft>
-                <a:spcPts val="600"/>
-              </a:spcAft>
-              <a:buClr>
-                <a:schemeClr val="accent6"/>
-              </a:buClr>
-              <a:buSzPct val="90000"/>
-              <a:buFont typeface="Wingdings" panose="05000000000000000000" pitchFamily="2" charset="2"/>
-              <a:buChar char="§"/>
-              <a:defRPr sz="1200" kern="1200" baseline="0">
-                <a:solidFill>
-                  <a:schemeClr val="tx1"/>
-                </a:solidFill>
-                <a:effectLst/>
-                <a:latin typeface="+mn-lt"/>
-                <a:ea typeface="+mn-ea"/>
-                <a:cs typeface="+mn-cs"/>
-              </a:defRPr>
-            </a:lvl7pPr>
-            <a:lvl8pPr marL="3575304" indent="-338328" algn="l" defTabSz="914400" rtl="0" eaLnBrk="1" latinLnBrk="0" hangingPunct="1">
-              <a:lnSpc>
-                <a:spcPct val="120000"/>
-              </a:lnSpc>
-              <a:spcBef>
-                <a:spcPts val="500"/>
-              </a:spcBef>
-              <a:spcAft>
-                <a:spcPts val="600"/>
-              </a:spcAft>
-              <a:buClr>
-                <a:schemeClr val="accent6"/>
-              </a:buClr>
-              <a:buSzPct val="90000"/>
-              <a:buFont typeface="Wingdings" panose="05000000000000000000" pitchFamily="2" charset="2"/>
-              <a:buChar char="§"/>
-              <a:defRPr sz="1200" kern="1200" baseline="0">
-                <a:solidFill>
-                  <a:schemeClr val="tx1"/>
-                </a:solidFill>
-                <a:effectLst/>
-                <a:latin typeface="+mn-lt"/>
-                <a:ea typeface="+mn-ea"/>
-                <a:cs typeface="+mn-cs"/>
-              </a:defRPr>
-            </a:lvl8pPr>
-            <a:lvl9pPr marL="4041648" indent="-338328" algn="l" defTabSz="914400" rtl="0" eaLnBrk="1" latinLnBrk="0" hangingPunct="1">
-              <a:lnSpc>
-                <a:spcPct val="120000"/>
-              </a:lnSpc>
-              <a:spcBef>
-                <a:spcPts val="500"/>
-              </a:spcBef>
-              <a:spcAft>
-                <a:spcPts val="600"/>
-              </a:spcAft>
-              <a:buClr>
-                <a:schemeClr val="accent6"/>
-              </a:buClr>
-              <a:buSzPct val="90000"/>
-              <a:buFont typeface="Wingdings" panose="05000000000000000000" pitchFamily="2" charset="2"/>
-              <a:buChar char="§"/>
-              <a:defRPr sz="1200" kern="1200" baseline="0">
-                <a:solidFill>
-                  <a:schemeClr val="tx1"/>
-                </a:solidFill>
-                <a:effectLst/>
-                <a:latin typeface="+mn-lt"/>
-                <a:ea typeface="+mn-ea"/>
-                <a:cs typeface="+mn-cs"/>
-              </a:defRPr>
-            </a:lvl9pPr>
-          </a:lstStyle>
-          <a:p>
-            <a:pPr marL="0" indent="0">
-              <a:buNone/>
-            </a:pPr>
-            <a:r>
-              <a:rPr lang="nl-NL" dirty="0" err="1">
-                <a:latin typeface="Söhne"/>
-              </a:rPr>
-              <a:t>chatgpt</a:t>
-            </a:r>
-            <a:endParaRPr lang="nl-NL" dirty="0">
-              <a:latin typeface="Söhne"/>
-            </a:endParaRPr>
-          </a:p>
-          <a:p>
-            <a:endParaRPr lang="nl-NL" dirty="0"/>
-          </a:p>
-        </p:txBody>
-      </p:sp>
-    </p:spTree>
-    <p:extLst>
-      <p:ext uri="{BB962C8B-B14F-4D97-AF65-F5344CB8AC3E}">
-        <p14:creationId xmlns:p14="http://schemas.microsoft.com/office/powerpoint/2010/main" val="1133550296"/>
       </p:ext>
     </p:extLst>
   </p:cSld>
@@ -42793,6 +44593,15 @@
 </file>
 
 <file path=customXml/item1.xml><?xml version="1.0" encoding="utf-8"?>
+<?mso-contentType ?>
+<FormTemplates xmlns="http://schemas.microsoft.com/sharepoint/v3/contenttype/forms">
+  <Display>DocumentLibraryForm</Display>
+  <Edit>DocumentLibraryForm</Edit>
+  <New>DocumentLibraryForm</New>
+</FormTemplates>
+</file>
+
+<file path=customXml/item2.xml><?xml version="1.0" encoding="utf-8"?>
 <p:properties xmlns:p="http://schemas.microsoft.com/office/2006/metadata/properties" xmlns:xsi="http://www.w3.org/2001/XMLSchema-instance" xmlns:pc="http://schemas.microsoft.com/office/infopath/2007/PartnerControls">
   <documentManagement>
     <ReadOnly xmlns="5c6a04a9-8c4d-4399-97dd-b411ea78cc7c">false</ReadOnly>
@@ -42809,15 +44618,6 @@
     </lcf76f155ced4ddcb4097134ff3c332f>
   </documentManagement>
 </p:properties>
-</file>
-
-<file path=customXml/item2.xml><?xml version="1.0" encoding="utf-8"?>
-<?mso-contentType ?>
-<FormTemplates xmlns="http://schemas.microsoft.com/sharepoint/v3/contenttype/forms">
-  <Display>DocumentLibraryForm</Display>
-  <Edit>DocumentLibraryForm</Edit>
-  <New>DocumentLibraryForm</New>
-</FormTemplates>
 </file>
 
 <file path=customXml/item3.xml><?xml version="1.0" encoding="utf-8"?>
@@ -43077,6 +44877,14 @@
 </file>
 
 <file path=customXml/itemProps1.xml><?xml version="1.0" encoding="utf-8"?>
+<ds:datastoreItem xmlns:ds="http://schemas.openxmlformats.org/officeDocument/2006/customXml" ds:itemID="{0C279383-6E65-4028-B14D-62ED5E7037D7}">
+  <ds:schemaRefs>
+    <ds:schemaRef ds:uri="http://schemas.microsoft.com/sharepoint/v3/contenttype/forms"/>
+  </ds:schemaRefs>
+</ds:datastoreItem>
+</file>
+
+<file path=customXml/itemProps2.xml><?xml version="1.0" encoding="utf-8"?>
 <ds:datastoreItem xmlns:ds="http://schemas.openxmlformats.org/officeDocument/2006/customXml" ds:itemID="{3FB18EE9-AA7F-42D2-A25D-958F91A46A94}">
   <ds:schemaRefs>
     <ds:schemaRef ds:uri="http://purl.org/dc/elements/1.1/"/>
@@ -43090,14 +44898,6 @@
     <ds:schemaRef ds:uri="5c6a04a9-8c4d-4399-97dd-b411ea78cc7c"/>
     <ds:schemaRef ds:uri="http://www.w3.org/XML/1998/namespace"/>
     <ds:schemaRef ds:uri="http://purl.org/dc/dcmitype/"/>
-  </ds:schemaRefs>
-</ds:datastoreItem>
-</file>
-
-<file path=customXml/itemProps2.xml><?xml version="1.0" encoding="utf-8"?>
-<ds:datastoreItem xmlns:ds="http://schemas.openxmlformats.org/officeDocument/2006/customXml" ds:itemID="{0C279383-6E65-4028-B14D-62ED5E7037D7}">
-  <ds:schemaRefs>
-    <ds:schemaRef ds:uri="http://schemas.microsoft.com/sharepoint/v3/contenttype/forms"/>
   </ds:schemaRefs>
 </ds:datastoreItem>
 </file>
